--- a/Presentazione WiChat.pptx
+++ b/Presentazione WiChat.pptx
@@ -4,20 +4,28 @@
   <p:sldMasterIdLst>
     <p:sldMasterId id="2147483648" r:id="rId1"/>
   </p:sldMasterIdLst>
+  <p:notesMasterIdLst>
+    <p:notesMasterId r:id="rId20"/>
+  </p:notesMasterIdLst>
   <p:sldIdLst>
     <p:sldId id="257" r:id="rId2"/>
     <p:sldId id="258" r:id="rId3"/>
-    <p:sldId id="259" r:id="rId4"/>
-    <p:sldId id="260" r:id="rId5"/>
-    <p:sldId id="261" r:id="rId6"/>
-    <p:sldId id="262" r:id="rId7"/>
-    <p:sldId id="263" r:id="rId8"/>
-    <p:sldId id="267" r:id="rId9"/>
-    <p:sldId id="264" r:id="rId10"/>
-    <p:sldId id="265" r:id="rId11"/>
-    <p:sldId id="268" r:id="rId12"/>
-    <p:sldId id="266" r:id="rId13"/>
-    <p:sldId id="269" r:id="rId14"/>
+    <p:sldId id="270" r:id="rId4"/>
+    <p:sldId id="271" r:id="rId5"/>
+    <p:sldId id="266" r:id="rId6"/>
+    <p:sldId id="272" r:id="rId7"/>
+    <p:sldId id="273" r:id="rId8"/>
+    <p:sldId id="274" r:id="rId9"/>
+    <p:sldId id="259" r:id="rId10"/>
+    <p:sldId id="260" r:id="rId11"/>
+    <p:sldId id="261" r:id="rId12"/>
+    <p:sldId id="262" r:id="rId13"/>
+    <p:sldId id="263" r:id="rId14"/>
+    <p:sldId id="267" r:id="rId15"/>
+    <p:sldId id="264" r:id="rId16"/>
+    <p:sldId id="265" r:id="rId17"/>
+    <p:sldId id="268" r:id="rId18"/>
+    <p:sldId id="269" r:id="rId19"/>
   </p:sldIdLst>
   <p:sldSz cx="12192000" cy="6858000"/>
   <p:notesSz cx="6858000" cy="9144000"/>
@@ -124,6 +132,440 @@
 </p:presentation>
 </file>
 
+<file path=ppt/notesMasters/notesMaster1.xml><?xml version="1.0" encoding="utf-8"?>
+<p:notesMaster xmlns:a="http://schemas.openxmlformats.org/drawingml/2006/main" xmlns:r="http://schemas.openxmlformats.org/officeDocument/2006/relationships" xmlns:p="http://schemas.openxmlformats.org/presentationml/2006/main">
+  <p:cSld>
+    <p:bg>
+      <p:bgRef idx="1001">
+        <a:schemeClr val="bg1"/>
+      </p:bgRef>
+    </p:bg>
+    <p:spTree>
+      <p:nvGrpSpPr>
+        <p:cNvPr id="1" name=""/>
+        <p:cNvGrpSpPr/>
+        <p:nvPr/>
+      </p:nvGrpSpPr>
+      <p:grpSpPr>
+        <a:xfrm>
+          <a:off x="0" y="0"/>
+          <a:ext cx="0" cy="0"/>
+          <a:chOff x="0" y="0"/>
+          <a:chExt cx="0" cy="0"/>
+        </a:xfrm>
+      </p:grpSpPr>
+      <p:sp>
+        <p:nvSpPr>
+          <p:cNvPr id="2" name="Segnaposto intestazione 1"/>
+          <p:cNvSpPr>
+            <a:spLocks noGrp="1"/>
+          </p:cNvSpPr>
+          <p:nvPr>
+            <p:ph type="hdr" sz="quarter"/>
+          </p:nvPr>
+        </p:nvSpPr>
+        <p:spPr>
+          <a:xfrm>
+            <a:off x="0" y="0"/>
+            <a:ext cx="2971800" cy="458788"/>
+          </a:xfrm>
+          <a:prstGeom prst="rect">
+            <a:avLst/>
+          </a:prstGeom>
+        </p:spPr>
+        <p:txBody>
+          <a:bodyPr vert="horz" lIns="91440" tIns="45720" rIns="91440" bIns="45720" rtlCol="0"/>
+          <a:lstStyle>
+            <a:lvl1pPr algn="l">
+              <a:defRPr sz="1200"/>
+            </a:lvl1pPr>
+          </a:lstStyle>
+          <a:p>
+            <a:endParaRPr lang="it-IT"/>
+          </a:p>
+        </p:txBody>
+      </p:sp>
+      <p:sp>
+        <p:nvSpPr>
+          <p:cNvPr id="3" name="Segnaposto data 2"/>
+          <p:cNvSpPr>
+            <a:spLocks noGrp="1"/>
+          </p:cNvSpPr>
+          <p:nvPr>
+            <p:ph type="dt" idx="1"/>
+          </p:nvPr>
+        </p:nvSpPr>
+        <p:spPr>
+          <a:xfrm>
+            <a:off x="3884613" y="0"/>
+            <a:ext cx="2971800" cy="458788"/>
+          </a:xfrm>
+          <a:prstGeom prst="rect">
+            <a:avLst/>
+          </a:prstGeom>
+        </p:spPr>
+        <p:txBody>
+          <a:bodyPr vert="horz" lIns="91440" tIns="45720" rIns="91440" bIns="45720" rtlCol="0"/>
+          <a:lstStyle>
+            <a:lvl1pPr algn="r">
+              <a:defRPr sz="1200"/>
+            </a:lvl1pPr>
+          </a:lstStyle>
+          <a:p>
+            <a:fld id="{F1C77065-ABEB-44FE-8651-E3A23EC6CF88}" type="datetimeFigureOut">
+              <a:rPr lang="it-IT" smtClean="0"/>
+              <a:t>20/01/2017</a:t>
+            </a:fld>
+            <a:endParaRPr lang="it-IT"/>
+          </a:p>
+        </p:txBody>
+      </p:sp>
+      <p:sp>
+        <p:nvSpPr>
+          <p:cNvPr id="4" name="Segnaposto immagine diapositiva 3"/>
+          <p:cNvSpPr>
+            <a:spLocks noGrp="1" noRot="1" noChangeAspect="1"/>
+          </p:cNvSpPr>
+          <p:nvPr>
+            <p:ph type="sldImg" idx="2"/>
+          </p:nvPr>
+        </p:nvSpPr>
+        <p:spPr>
+          <a:xfrm>
+            <a:off x="685800" y="1143000"/>
+            <a:ext cx="5486400" cy="3086100"/>
+          </a:xfrm>
+          <a:prstGeom prst="rect">
+            <a:avLst/>
+          </a:prstGeom>
+          <a:noFill/>
+          <a:ln w="12700">
+            <a:solidFill>
+              <a:prstClr val="black"/>
+            </a:solidFill>
+          </a:ln>
+        </p:spPr>
+        <p:txBody>
+          <a:bodyPr vert="horz" lIns="91440" tIns="45720" rIns="91440" bIns="45720" rtlCol="0" anchor="ctr"/>
+          <a:lstStyle/>
+          <a:p>
+            <a:endParaRPr lang="it-IT"/>
+          </a:p>
+        </p:txBody>
+      </p:sp>
+      <p:sp>
+        <p:nvSpPr>
+          <p:cNvPr id="5" name="Segnaposto note 4"/>
+          <p:cNvSpPr>
+            <a:spLocks noGrp="1"/>
+          </p:cNvSpPr>
+          <p:nvPr>
+            <p:ph type="body" sz="quarter" idx="3"/>
+          </p:nvPr>
+        </p:nvSpPr>
+        <p:spPr>
+          <a:xfrm>
+            <a:off x="685800" y="4400550"/>
+            <a:ext cx="5486400" cy="3600450"/>
+          </a:xfrm>
+          <a:prstGeom prst="rect">
+            <a:avLst/>
+          </a:prstGeom>
+        </p:spPr>
+        <p:txBody>
+          <a:bodyPr vert="horz" lIns="91440" tIns="45720" rIns="91440" bIns="45720" rtlCol="0"/>
+          <a:lstStyle/>
+          <a:p>
+            <a:pPr lvl="0"/>
+            <a:r>
+              <a:rPr lang="it-IT" smtClean="0"/>
+              <a:t>Fare clic per modificare stili del testo dello schema</a:t>
+            </a:r>
+          </a:p>
+          <a:p>
+            <a:pPr lvl="1"/>
+            <a:r>
+              <a:rPr lang="it-IT" smtClean="0"/>
+              <a:t>Secondo livello</a:t>
+            </a:r>
+          </a:p>
+          <a:p>
+            <a:pPr lvl="2"/>
+            <a:r>
+              <a:rPr lang="it-IT" smtClean="0"/>
+              <a:t>Terzo livello</a:t>
+            </a:r>
+          </a:p>
+          <a:p>
+            <a:pPr lvl="3"/>
+            <a:r>
+              <a:rPr lang="it-IT" smtClean="0"/>
+              <a:t>Quarto livello</a:t>
+            </a:r>
+          </a:p>
+          <a:p>
+            <a:pPr lvl="4"/>
+            <a:r>
+              <a:rPr lang="it-IT" smtClean="0"/>
+              <a:t>Quinto livello</a:t>
+            </a:r>
+            <a:endParaRPr lang="it-IT"/>
+          </a:p>
+        </p:txBody>
+      </p:sp>
+      <p:sp>
+        <p:nvSpPr>
+          <p:cNvPr id="6" name="Segnaposto piè di pagina 5"/>
+          <p:cNvSpPr>
+            <a:spLocks noGrp="1"/>
+          </p:cNvSpPr>
+          <p:nvPr>
+            <p:ph type="ftr" sz="quarter" idx="4"/>
+          </p:nvPr>
+        </p:nvSpPr>
+        <p:spPr>
+          <a:xfrm>
+            <a:off x="0" y="8685213"/>
+            <a:ext cx="2971800" cy="458787"/>
+          </a:xfrm>
+          <a:prstGeom prst="rect">
+            <a:avLst/>
+          </a:prstGeom>
+        </p:spPr>
+        <p:txBody>
+          <a:bodyPr vert="horz" lIns="91440" tIns="45720" rIns="91440" bIns="45720" rtlCol="0" anchor="b"/>
+          <a:lstStyle>
+            <a:lvl1pPr algn="l">
+              <a:defRPr sz="1200"/>
+            </a:lvl1pPr>
+          </a:lstStyle>
+          <a:p>
+            <a:endParaRPr lang="it-IT"/>
+          </a:p>
+        </p:txBody>
+      </p:sp>
+      <p:sp>
+        <p:nvSpPr>
+          <p:cNvPr id="7" name="Segnaposto numero diapositiva 6"/>
+          <p:cNvSpPr>
+            <a:spLocks noGrp="1"/>
+          </p:cNvSpPr>
+          <p:nvPr>
+            <p:ph type="sldNum" sz="quarter" idx="5"/>
+          </p:nvPr>
+        </p:nvSpPr>
+        <p:spPr>
+          <a:xfrm>
+            <a:off x="3884613" y="8685213"/>
+            <a:ext cx="2971800" cy="458787"/>
+          </a:xfrm>
+          <a:prstGeom prst="rect">
+            <a:avLst/>
+          </a:prstGeom>
+        </p:spPr>
+        <p:txBody>
+          <a:bodyPr vert="horz" lIns="91440" tIns="45720" rIns="91440" bIns="45720" rtlCol="0" anchor="b"/>
+          <a:lstStyle>
+            <a:lvl1pPr algn="r">
+              <a:defRPr sz="1200"/>
+            </a:lvl1pPr>
+          </a:lstStyle>
+          <a:p>
+            <a:fld id="{BB32396D-632F-4574-852D-77398D1BDAE7}" type="slidenum">
+              <a:rPr lang="it-IT" smtClean="0"/>
+              <a:t>‹N›</a:t>
+            </a:fld>
+            <a:endParaRPr lang="it-IT"/>
+          </a:p>
+        </p:txBody>
+      </p:sp>
+    </p:spTree>
+    <p:extLst>
+      <p:ext uri="{BB962C8B-B14F-4D97-AF65-F5344CB8AC3E}">
+        <p14:creationId xmlns:p14="http://schemas.microsoft.com/office/powerpoint/2010/main" val="1103340965"/>
+      </p:ext>
+    </p:extLst>
+  </p:cSld>
+  <p:clrMap bg1="lt1" tx1="dk1" bg2="lt2" tx2="dk2" accent1="accent1" accent2="accent2" accent3="accent3" accent4="accent4" accent5="accent5" accent6="accent6" hlink="hlink" folHlink="folHlink"/>
+  <p:notesStyle>
+    <a:lvl1pPr marL="0" algn="l" defTabSz="914400" rtl="0" eaLnBrk="1" latinLnBrk="0" hangingPunct="1">
+      <a:defRPr sz="1200" kern="1200">
+        <a:solidFill>
+          <a:schemeClr val="tx1"/>
+        </a:solidFill>
+        <a:latin typeface="+mn-lt"/>
+        <a:ea typeface="+mn-ea"/>
+        <a:cs typeface="+mn-cs"/>
+      </a:defRPr>
+    </a:lvl1pPr>
+    <a:lvl2pPr marL="457200" algn="l" defTabSz="914400" rtl="0" eaLnBrk="1" latinLnBrk="0" hangingPunct="1">
+      <a:defRPr sz="1200" kern="1200">
+        <a:solidFill>
+          <a:schemeClr val="tx1"/>
+        </a:solidFill>
+        <a:latin typeface="+mn-lt"/>
+        <a:ea typeface="+mn-ea"/>
+        <a:cs typeface="+mn-cs"/>
+      </a:defRPr>
+    </a:lvl2pPr>
+    <a:lvl3pPr marL="914400" algn="l" defTabSz="914400" rtl="0" eaLnBrk="1" latinLnBrk="0" hangingPunct="1">
+      <a:defRPr sz="1200" kern="1200">
+        <a:solidFill>
+          <a:schemeClr val="tx1"/>
+        </a:solidFill>
+        <a:latin typeface="+mn-lt"/>
+        <a:ea typeface="+mn-ea"/>
+        <a:cs typeface="+mn-cs"/>
+      </a:defRPr>
+    </a:lvl3pPr>
+    <a:lvl4pPr marL="1371600" algn="l" defTabSz="914400" rtl="0" eaLnBrk="1" latinLnBrk="0" hangingPunct="1">
+      <a:defRPr sz="1200" kern="1200">
+        <a:solidFill>
+          <a:schemeClr val="tx1"/>
+        </a:solidFill>
+        <a:latin typeface="+mn-lt"/>
+        <a:ea typeface="+mn-ea"/>
+        <a:cs typeface="+mn-cs"/>
+      </a:defRPr>
+    </a:lvl4pPr>
+    <a:lvl5pPr marL="1828800" algn="l" defTabSz="914400" rtl="0" eaLnBrk="1" latinLnBrk="0" hangingPunct="1">
+      <a:defRPr sz="1200" kern="1200">
+        <a:solidFill>
+          <a:schemeClr val="tx1"/>
+        </a:solidFill>
+        <a:latin typeface="+mn-lt"/>
+        <a:ea typeface="+mn-ea"/>
+        <a:cs typeface="+mn-cs"/>
+      </a:defRPr>
+    </a:lvl5pPr>
+    <a:lvl6pPr marL="2286000" algn="l" defTabSz="914400" rtl="0" eaLnBrk="1" latinLnBrk="0" hangingPunct="1">
+      <a:defRPr sz="1200" kern="1200">
+        <a:solidFill>
+          <a:schemeClr val="tx1"/>
+        </a:solidFill>
+        <a:latin typeface="+mn-lt"/>
+        <a:ea typeface="+mn-ea"/>
+        <a:cs typeface="+mn-cs"/>
+      </a:defRPr>
+    </a:lvl6pPr>
+    <a:lvl7pPr marL="2743200" algn="l" defTabSz="914400" rtl="0" eaLnBrk="1" latinLnBrk="0" hangingPunct="1">
+      <a:defRPr sz="1200" kern="1200">
+        <a:solidFill>
+          <a:schemeClr val="tx1"/>
+        </a:solidFill>
+        <a:latin typeface="+mn-lt"/>
+        <a:ea typeface="+mn-ea"/>
+        <a:cs typeface="+mn-cs"/>
+      </a:defRPr>
+    </a:lvl7pPr>
+    <a:lvl8pPr marL="3200400" algn="l" defTabSz="914400" rtl="0" eaLnBrk="1" latinLnBrk="0" hangingPunct="1">
+      <a:defRPr sz="1200" kern="1200">
+        <a:solidFill>
+          <a:schemeClr val="tx1"/>
+        </a:solidFill>
+        <a:latin typeface="+mn-lt"/>
+        <a:ea typeface="+mn-ea"/>
+        <a:cs typeface="+mn-cs"/>
+      </a:defRPr>
+    </a:lvl8pPr>
+    <a:lvl9pPr marL="3657600" algn="l" defTabSz="914400" rtl="0" eaLnBrk="1" latinLnBrk="0" hangingPunct="1">
+      <a:defRPr sz="1200" kern="1200">
+        <a:solidFill>
+          <a:schemeClr val="tx1"/>
+        </a:solidFill>
+        <a:latin typeface="+mn-lt"/>
+        <a:ea typeface="+mn-ea"/>
+        <a:cs typeface="+mn-cs"/>
+      </a:defRPr>
+    </a:lvl9pPr>
+  </p:notesStyle>
+</p:notesMaster>
+</file>
+
+<file path=ppt/notesSlides/notesSlide1.xml><?xml version="1.0" encoding="utf-8"?>
+<p:notes xmlns:a="http://schemas.openxmlformats.org/drawingml/2006/main" xmlns:r="http://schemas.openxmlformats.org/officeDocument/2006/relationships" xmlns:p="http://schemas.openxmlformats.org/presentationml/2006/main">
+  <p:cSld>
+    <p:spTree>
+      <p:nvGrpSpPr>
+        <p:cNvPr id="1" name=""/>
+        <p:cNvGrpSpPr/>
+        <p:nvPr/>
+      </p:nvGrpSpPr>
+      <p:grpSpPr>
+        <a:xfrm>
+          <a:off x="0" y="0"/>
+          <a:ext cx="0" cy="0"/>
+          <a:chOff x="0" y="0"/>
+          <a:chExt cx="0" cy="0"/>
+        </a:xfrm>
+      </p:grpSpPr>
+      <p:sp>
+        <p:nvSpPr>
+          <p:cNvPr id="2" name="Segnaposto immagine diapositiva 1"/>
+          <p:cNvSpPr>
+            <a:spLocks noGrp="1" noRot="1" noChangeAspect="1"/>
+          </p:cNvSpPr>
+          <p:nvPr>
+            <p:ph type="sldImg"/>
+          </p:nvPr>
+        </p:nvSpPr>
+        <p:spPr/>
+      </p:sp>
+      <p:sp>
+        <p:nvSpPr>
+          <p:cNvPr id="3" name="Segnaposto note 2"/>
+          <p:cNvSpPr>
+            <a:spLocks noGrp="1"/>
+          </p:cNvSpPr>
+          <p:nvPr>
+            <p:ph type="body" idx="1"/>
+          </p:nvPr>
+        </p:nvSpPr>
+        <p:spPr/>
+        <p:txBody>
+          <a:bodyPr/>
+          <a:lstStyle/>
+          <a:p>
+            <a:endParaRPr lang="it-IT"/>
+          </a:p>
+        </p:txBody>
+      </p:sp>
+      <p:sp>
+        <p:nvSpPr>
+          <p:cNvPr id="4" name="Segnaposto numero diapositiva 3"/>
+          <p:cNvSpPr>
+            <a:spLocks noGrp="1"/>
+          </p:cNvSpPr>
+          <p:nvPr>
+            <p:ph type="sldNum" sz="quarter" idx="10"/>
+          </p:nvPr>
+        </p:nvSpPr>
+        <p:spPr/>
+        <p:txBody>
+          <a:bodyPr/>
+          <a:lstStyle/>
+          <a:p>
+            <a:fld id="{BB32396D-632F-4574-852D-77398D1BDAE7}" type="slidenum">
+              <a:rPr lang="it-IT" smtClean="0"/>
+              <a:t>3</a:t>
+            </a:fld>
+            <a:endParaRPr lang="it-IT"/>
+          </a:p>
+        </p:txBody>
+      </p:sp>
+    </p:spTree>
+    <p:extLst>
+      <p:ext uri="{BB962C8B-B14F-4D97-AF65-F5344CB8AC3E}">
+        <p14:creationId xmlns:p14="http://schemas.microsoft.com/office/powerpoint/2010/main" val="4165604350"/>
+      </p:ext>
+    </p:extLst>
+  </p:cSld>
+  <p:clrMapOvr>
+    <a:masterClrMapping/>
+  </p:clrMapOvr>
+</p:notes>
+</file>
+
 <file path=ppt/slideLayouts/slideLayout1.xml><?xml version="1.0" encoding="utf-8"?>
 <p:sldLayout xmlns:a="http://schemas.openxmlformats.org/drawingml/2006/main" xmlns:r="http://schemas.openxmlformats.org/officeDocument/2006/relationships" xmlns:p="http://schemas.openxmlformats.org/presentationml/2006/main" type="title" preserve="1">
   <p:cSld name="Diapositiva titolo">
@@ -255,7 +697,7 @@
           <a:p>
             <a:fld id="{94DBA810-ACBD-4CD2-8C61-37513094F750}" type="datetimeFigureOut">
               <a:rPr lang="it-IT" smtClean="0"/>
-              <a:t>07/01/2017</a:t>
+              <a:t>20/01/2017</a:t>
             </a:fld>
             <a:endParaRPr lang="it-IT"/>
           </a:p>
@@ -425,7 +867,7 @@
           <a:p>
             <a:fld id="{94DBA810-ACBD-4CD2-8C61-37513094F750}" type="datetimeFigureOut">
               <a:rPr lang="it-IT" smtClean="0"/>
-              <a:t>07/01/2017</a:t>
+              <a:t>20/01/2017</a:t>
             </a:fld>
             <a:endParaRPr lang="it-IT"/>
           </a:p>
@@ -605,7 +1047,7 @@
           <a:p>
             <a:fld id="{94DBA810-ACBD-4CD2-8C61-37513094F750}" type="datetimeFigureOut">
               <a:rPr lang="it-IT" smtClean="0"/>
-              <a:t>07/01/2017</a:t>
+              <a:t>20/01/2017</a:t>
             </a:fld>
             <a:endParaRPr lang="it-IT"/>
           </a:p>
@@ -775,7 +1217,7 @@
           <a:p>
             <a:fld id="{94DBA810-ACBD-4CD2-8C61-37513094F750}" type="datetimeFigureOut">
               <a:rPr lang="it-IT" smtClean="0"/>
-              <a:t>07/01/2017</a:t>
+              <a:t>20/01/2017</a:t>
             </a:fld>
             <a:endParaRPr lang="it-IT"/>
           </a:p>
@@ -1021,7 +1463,7 @@
           <a:p>
             <a:fld id="{94DBA810-ACBD-4CD2-8C61-37513094F750}" type="datetimeFigureOut">
               <a:rPr lang="it-IT" smtClean="0"/>
-              <a:t>07/01/2017</a:t>
+              <a:t>20/01/2017</a:t>
             </a:fld>
             <a:endParaRPr lang="it-IT"/>
           </a:p>
@@ -1253,7 +1695,7 @@
           <a:p>
             <a:fld id="{94DBA810-ACBD-4CD2-8C61-37513094F750}" type="datetimeFigureOut">
               <a:rPr lang="it-IT" smtClean="0"/>
-              <a:t>07/01/2017</a:t>
+              <a:t>20/01/2017</a:t>
             </a:fld>
             <a:endParaRPr lang="it-IT"/>
           </a:p>
@@ -1620,7 +2062,7 @@
           <a:p>
             <a:fld id="{94DBA810-ACBD-4CD2-8C61-37513094F750}" type="datetimeFigureOut">
               <a:rPr lang="it-IT" smtClean="0"/>
-              <a:t>07/01/2017</a:t>
+              <a:t>20/01/2017</a:t>
             </a:fld>
             <a:endParaRPr lang="it-IT"/>
           </a:p>
@@ -1738,7 +2180,7 @@
           <a:p>
             <a:fld id="{94DBA810-ACBD-4CD2-8C61-37513094F750}" type="datetimeFigureOut">
               <a:rPr lang="it-IT" smtClean="0"/>
-              <a:t>07/01/2017</a:t>
+              <a:t>20/01/2017</a:t>
             </a:fld>
             <a:endParaRPr lang="it-IT"/>
           </a:p>
@@ -1833,7 +2275,7 @@
           <a:p>
             <a:fld id="{94DBA810-ACBD-4CD2-8C61-37513094F750}" type="datetimeFigureOut">
               <a:rPr lang="it-IT" smtClean="0"/>
-              <a:t>07/01/2017</a:t>
+              <a:t>20/01/2017</a:t>
             </a:fld>
             <a:endParaRPr lang="it-IT"/>
           </a:p>
@@ -2110,7 +2552,7 @@
           <a:p>
             <a:fld id="{94DBA810-ACBD-4CD2-8C61-37513094F750}" type="datetimeFigureOut">
               <a:rPr lang="it-IT" smtClean="0"/>
-              <a:t>07/01/2017</a:t>
+              <a:t>20/01/2017</a:t>
             </a:fld>
             <a:endParaRPr lang="it-IT"/>
           </a:p>
@@ -2363,7 +2805,7 @@
           <a:p>
             <a:fld id="{94DBA810-ACBD-4CD2-8C61-37513094F750}" type="datetimeFigureOut">
               <a:rPr lang="it-IT" smtClean="0"/>
-              <a:t>07/01/2017</a:t>
+              <a:t>20/01/2017</a:t>
             </a:fld>
             <a:endParaRPr lang="it-IT"/>
           </a:p>
@@ -2597,7 +3039,7 @@
           <a:p>
             <a:fld id="{94DBA810-ACBD-4CD2-8C61-37513094F750}" type="datetimeFigureOut">
               <a:rPr lang="it-IT" smtClean="0"/>
-              <a:t>07/01/2017</a:t>
+              <a:t>20/01/2017</a:t>
             </a:fld>
             <a:endParaRPr lang="it-IT"/>
           </a:p>
@@ -3149,6 +3591,1478 @@
         <p:spPr/>
         <p:txBody>
           <a:bodyPr>
+            <a:normAutofit/>
+          </a:bodyPr>
+          <a:lstStyle/>
+          <a:p>
+            <a:pPr algn="ctr"/>
+            <a:r>
+              <a:rPr lang="it-IT" sz="4800" b="1" dirty="0" smtClean="0">
+                <a:solidFill>
+                  <a:schemeClr val="accent5"/>
+                </a:solidFill>
+                <a:latin typeface="Times New Roman" panose="02020603050405020304" pitchFamily="18" charset="0"/>
+                <a:cs typeface="Times New Roman" panose="02020603050405020304" pitchFamily="18" charset="0"/>
+              </a:rPr>
+              <a:t>Rilevamento dei dispositivi</a:t>
+            </a:r>
+            <a:endParaRPr lang="it-IT" sz="4800" b="1" dirty="0">
+              <a:solidFill>
+                <a:schemeClr val="accent5"/>
+              </a:solidFill>
+              <a:latin typeface="Times New Roman" panose="02020603050405020304" pitchFamily="18" charset="0"/>
+              <a:cs typeface="Times New Roman" panose="02020603050405020304" pitchFamily="18" charset="0"/>
+            </a:endParaRPr>
+          </a:p>
+        </p:txBody>
+      </p:sp>
+      <p:sp>
+        <p:nvSpPr>
+          <p:cNvPr id="3" name="Segnaposto contenuto 2"/>
+          <p:cNvSpPr>
+            <a:spLocks noGrp="1"/>
+          </p:cNvSpPr>
+          <p:nvPr>
+            <p:ph sz="half" idx="1"/>
+          </p:nvPr>
+        </p:nvSpPr>
+        <p:spPr/>
+        <p:txBody>
+          <a:bodyPr>
+            <a:normAutofit lnSpcReduction="10000"/>
+          </a:bodyPr>
+          <a:lstStyle/>
+          <a:p>
+            <a:r>
+              <a:rPr lang="it-IT" dirty="0" smtClean="0">
+                <a:solidFill>
+                  <a:schemeClr val="bg1"/>
+                </a:solidFill>
+                <a:effectLst>
+                  <a:outerShdw blurRad="38100" dist="38100" dir="2700000" algn="tl">
+                    <a:srgbClr val="000000">
+                      <a:alpha val="43137"/>
+                    </a:srgbClr>
+                  </a:outerShdw>
+                </a:effectLst>
+              </a:rPr>
+              <a:t>Rileva solo i dispositivi </a:t>
+            </a:r>
+            <a:r>
+              <a:rPr lang="it-IT" dirty="0">
+                <a:solidFill>
+                  <a:schemeClr val="bg1"/>
+                </a:solidFill>
+                <a:effectLst>
+                  <a:outerShdw blurRad="38100" dist="38100" dir="2700000" algn="tl">
+                    <a:srgbClr val="000000">
+                      <a:alpha val="43137"/>
+                    </a:srgbClr>
+                  </a:outerShdw>
+                </a:effectLst>
+              </a:rPr>
+              <a:t>che hanno installato </a:t>
+            </a:r>
+            <a:r>
+              <a:rPr lang="it-IT" dirty="0" err="1" smtClean="0">
+                <a:solidFill>
+                  <a:schemeClr val="bg1"/>
+                </a:solidFill>
+                <a:effectLst>
+                  <a:outerShdw blurRad="38100" dist="38100" dir="2700000" algn="tl">
+                    <a:srgbClr val="000000">
+                      <a:alpha val="43137"/>
+                    </a:srgbClr>
+                  </a:outerShdw>
+                </a:effectLst>
+              </a:rPr>
+              <a:t>WiChat</a:t>
+            </a:r>
+            <a:r>
+              <a:rPr lang="it-IT" dirty="0" smtClean="0">
+                <a:solidFill>
+                  <a:schemeClr val="bg1"/>
+                </a:solidFill>
+                <a:effectLst>
+                  <a:outerShdw blurRad="38100" dist="38100" dir="2700000" algn="tl">
+                    <a:srgbClr val="000000">
+                      <a:alpha val="43137"/>
+                    </a:srgbClr>
+                  </a:outerShdw>
+                </a:effectLst>
+              </a:rPr>
+              <a:t> e che </a:t>
+            </a:r>
+            <a:r>
+              <a:rPr lang="it-IT" dirty="0">
+                <a:solidFill>
+                  <a:schemeClr val="bg1"/>
+                </a:solidFill>
+                <a:effectLst>
+                  <a:outerShdw blurRad="38100" dist="38100" dir="2700000" algn="tl">
+                    <a:srgbClr val="000000">
+                      <a:alpha val="43137"/>
+                    </a:srgbClr>
+                  </a:outerShdw>
+                </a:effectLst>
+              </a:rPr>
+              <a:t>rientrano nel campo del segnale Wi-Fi del dispositivo in uso </a:t>
+            </a:r>
+          </a:p>
+          <a:p>
+            <a:r>
+              <a:rPr lang="it-IT" dirty="0" smtClean="0">
+                <a:solidFill>
+                  <a:schemeClr val="bg1"/>
+                </a:solidFill>
+                <a:effectLst>
+                  <a:outerShdw blurRad="38100" dist="38100" dir="2700000" algn="tl">
+                    <a:srgbClr val="000000">
+                      <a:alpha val="43137"/>
+                    </a:srgbClr>
+                  </a:outerShdw>
+                </a:effectLst>
+              </a:rPr>
+              <a:t>Una volta rilevato, il dispositivo verrà aggiunto alla lista dei dispositivi rilevati </a:t>
+            </a:r>
+            <a:r>
+              <a:rPr lang="it-IT" dirty="0" err="1" smtClean="0">
+                <a:solidFill>
+                  <a:schemeClr val="bg1"/>
+                </a:solidFill>
+                <a:effectLst>
+                  <a:outerShdw blurRad="38100" dist="38100" dir="2700000" algn="tl">
+                    <a:srgbClr val="000000">
+                      <a:alpha val="43137"/>
+                    </a:srgbClr>
+                  </a:outerShdw>
+                </a:effectLst>
+              </a:rPr>
+              <a:t>nell’activity</a:t>
+            </a:r>
+            <a:r>
+              <a:rPr lang="it-IT" dirty="0" smtClean="0">
+                <a:solidFill>
+                  <a:schemeClr val="bg1"/>
+                </a:solidFill>
+                <a:effectLst>
+                  <a:outerShdw blurRad="38100" dist="38100" dir="2700000" algn="tl">
+                    <a:srgbClr val="000000">
+                      <a:alpha val="43137"/>
+                    </a:srgbClr>
+                  </a:outerShdw>
+                </a:effectLst>
+              </a:rPr>
+              <a:t> principale</a:t>
+            </a:r>
+          </a:p>
+          <a:p>
+            <a:r>
+              <a:rPr lang="it-IT" dirty="0" smtClean="0">
+                <a:solidFill>
+                  <a:schemeClr val="bg1"/>
+                </a:solidFill>
+                <a:effectLst>
+                  <a:outerShdw blurRad="38100" dist="38100" dir="2700000" algn="tl">
+                    <a:srgbClr val="000000">
+                      <a:alpha val="43137"/>
+                    </a:srgbClr>
+                  </a:outerShdw>
+                </a:effectLst>
+              </a:rPr>
+              <a:t>Viene visualizzato il nominativo del proprietario del dispositivo rilevato</a:t>
+            </a:r>
+            <a:endParaRPr lang="it-IT" dirty="0">
+              <a:solidFill>
+                <a:schemeClr val="bg1"/>
+              </a:solidFill>
+              <a:effectLst>
+                <a:outerShdw blurRad="38100" dist="38100" dir="2700000" algn="tl">
+                  <a:srgbClr val="000000">
+                    <a:alpha val="43137"/>
+                  </a:srgbClr>
+                </a:outerShdw>
+              </a:effectLst>
+            </a:endParaRPr>
+          </a:p>
+        </p:txBody>
+      </p:sp>
+      <p:pic>
+        <p:nvPicPr>
+          <p:cNvPr id="8" name="Segnaposto contenuto 7"/>
+          <p:cNvPicPr>
+            <a:picLocks noGrp="1" noChangeAspect="1"/>
+          </p:cNvPicPr>
+          <p:nvPr>
+            <p:ph sz="half" idx="2"/>
+          </p:nvPr>
+        </p:nvPicPr>
+        <p:blipFill>
+          <a:blip r:embed="rId2" cstate="print">
+            <a:extLst>
+              <a:ext uri="{28A0092B-C50C-407E-A947-70E740481C1C}">
+                <a14:useLocalDpi xmlns:a14="http://schemas.microsoft.com/office/drawing/2010/main" val="0"/>
+              </a:ext>
+            </a:extLst>
+          </a:blip>
+          <a:stretch>
+            <a:fillRect/>
+          </a:stretch>
+        </p:blipFill>
+        <p:spPr>
+          <a:xfrm>
+            <a:off x="9583855" y="1825625"/>
+            <a:ext cx="2803290" cy="4351338"/>
+          </a:xfrm>
+        </p:spPr>
+      </p:pic>
+      <p:pic>
+        <p:nvPicPr>
+          <p:cNvPr id="9" name="Immagine 8"/>
+          <p:cNvPicPr>
+            <a:picLocks noChangeAspect="1"/>
+          </p:cNvPicPr>
+          <p:nvPr/>
+        </p:nvPicPr>
+        <p:blipFill>
+          <a:blip r:embed="rId3" cstate="print">
+            <a:extLst>
+              <a:ext uri="{28A0092B-C50C-407E-A947-70E740481C1C}">
+                <a14:useLocalDpi xmlns:a14="http://schemas.microsoft.com/office/drawing/2010/main" val="0"/>
+              </a:ext>
+            </a:extLst>
+          </a:blip>
+          <a:stretch>
+            <a:fillRect/>
+          </a:stretch>
+        </p:blipFill>
+        <p:spPr>
+          <a:xfrm>
+            <a:off x="5677614" y="1825625"/>
+            <a:ext cx="2803290" cy="4351338"/>
+          </a:xfrm>
+          <a:prstGeom prst="rect">
+            <a:avLst/>
+          </a:prstGeom>
+        </p:spPr>
+      </p:pic>
+      <p:sp>
+        <p:nvSpPr>
+          <p:cNvPr id="10" name="Freccia a destra 9"/>
+          <p:cNvSpPr/>
+          <p:nvPr/>
+        </p:nvSpPr>
+        <p:spPr>
+          <a:xfrm>
+            <a:off x="8480904" y="3327400"/>
+            <a:ext cx="1209196" cy="1193800"/>
+          </a:xfrm>
+          <a:prstGeom prst="rightArrow">
+            <a:avLst/>
+          </a:prstGeom>
+        </p:spPr>
+        <p:style>
+          <a:lnRef idx="2">
+            <a:schemeClr val="accent1">
+              <a:shade val="50000"/>
+            </a:schemeClr>
+          </a:lnRef>
+          <a:fillRef idx="1">
+            <a:schemeClr val="accent1"/>
+          </a:fillRef>
+          <a:effectRef idx="0">
+            <a:schemeClr val="accent1"/>
+          </a:effectRef>
+          <a:fontRef idx="minor">
+            <a:schemeClr val="lt1"/>
+          </a:fontRef>
+        </p:style>
+        <p:txBody>
+          <a:bodyPr rtlCol="0" anchor="ctr"/>
+          <a:lstStyle/>
+          <a:p>
+            <a:pPr algn="ctr"/>
+            <a:endParaRPr lang="it-IT"/>
+          </a:p>
+        </p:txBody>
+      </p:sp>
+    </p:spTree>
+    <p:extLst>
+      <p:ext uri="{BB962C8B-B14F-4D97-AF65-F5344CB8AC3E}">
+        <p14:creationId xmlns:p14="http://schemas.microsoft.com/office/powerpoint/2010/main" val="3996525850"/>
+      </p:ext>
+    </p:extLst>
+  </p:cSld>
+  <p:clrMapOvr>
+    <a:masterClrMapping/>
+  </p:clrMapOvr>
+  <p:timing>
+    <p:tnLst>
+      <p:par>
+        <p:cTn id="1" dur="indefinite" restart="never" nodeType="tmRoot"/>
+      </p:par>
+    </p:tnLst>
+  </p:timing>
+</p:sld>
+</file>
+
+<file path=ppt/slides/slide11.xml><?xml version="1.0" encoding="utf-8"?>
+<p:sld xmlns:a="http://schemas.openxmlformats.org/drawingml/2006/main" xmlns:r="http://schemas.openxmlformats.org/officeDocument/2006/relationships" xmlns:p="http://schemas.openxmlformats.org/presentationml/2006/main">
+  <p:cSld>
+    <p:spTree>
+      <p:nvGrpSpPr>
+        <p:cNvPr id="1" name=""/>
+        <p:cNvGrpSpPr/>
+        <p:nvPr/>
+      </p:nvGrpSpPr>
+      <p:grpSpPr>
+        <a:xfrm>
+          <a:off x="0" y="0"/>
+          <a:ext cx="0" cy="0"/>
+          <a:chOff x="0" y="0"/>
+          <a:chExt cx="0" cy="0"/>
+        </a:xfrm>
+      </p:grpSpPr>
+      <p:sp>
+        <p:nvSpPr>
+          <p:cNvPr id="2" name="Titolo 1"/>
+          <p:cNvSpPr>
+            <a:spLocks noGrp="1"/>
+          </p:cNvSpPr>
+          <p:nvPr>
+            <p:ph type="title"/>
+          </p:nvPr>
+        </p:nvSpPr>
+        <p:spPr/>
+        <p:txBody>
+          <a:bodyPr>
+            <a:normAutofit/>
+          </a:bodyPr>
+          <a:lstStyle/>
+          <a:p>
+            <a:pPr algn="ctr"/>
+            <a:r>
+              <a:rPr lang="it-IT" sz="4800" b="1" dirty="0" smtClean="0">
+                <a:solidFill>
+                  <a:schemeClr val="accent5"/>
+                </a:solidFill>
+                <a:latin typeface="Times New Roman" panose="02020603050405020304" pitchFamily="18" charset="0"/>
+                <a:cs typeface="Times New Roman" panose="02020603050405020304" pitchFamily="18" charset="0"/>
+              </a:rPr>
+              <a:t>Scambio di messaggi - Connessione</a:t>
+            </a:r>
+            <a:endParaRPr lang="it-IT" sz="4800" b="1" dirty="0">
+              <a:solidFill>
+                <a:schemeClr val="accent5"/>
+              </a:solidFill>
+              <a:latin typeface="Times New Roman" panose="02020603050405020304" pitchFamily="18" charset="0"/>
+              <a:cs typeface="Times New Roman" panose="02020603050405020304" pitchFamily="18" charset="0"/>
+            </a:endParaRPr>
+          </a:p>
+        </p:txBody>
+      </p:sp>
+      <p:sp>
+        <p:nvSpPr>
+          <p:cNvPr id="3" name="Segnaposto contenuto 2"/>
+          <p:cNvSpPr>
+            <a:spLocks noGrp="1"/>
+          </p:cNvSpPr>
+          <p:nvPr>
+            <p:ph sz="half" idx="1"/>
+          </p:nvPr>
+        </p:nvSpPr>
+        <p:spPr/>
+        <p:txBody>
+          <a:bodyPr/>
+          <a:lstStyle/>
+          <a:p>
+            <a:r>
+              <a:rPr lang="it-IT" dirty="0" smtClean="0">
+                <a:solidFill>
+                  <a:schemeClr val="bg1"/>
+                </a:solidFill>
+                <a:effectLst>
+                  <a:outerShdw blurRad="38100" dist="38100" dir="2700000" algn="tl">
+                    <a:srgbClr val="000000">
+                      <a:alpha val="43137"/>
+                    </a:srgbClr>
+                  </a:outerShdw>
+                </a:effectLst>
+              </a:rPr>
+              <a:t>Prima di poter scambiare i messaggi con un dispositivo rilevato, bisogna connettersi ad esso tramite Wi-Fi Direct</a:t>
+            </a:r>
+          </a:p>
+          <a:p>
+            <a:r>
+              <a:rPr lang="it-IT" dirty="0" smtClean="0">
+                <a:solidFill>
+                  <a:schemeClr val="bg1"/>
+                </a:solidFill>
+                <a:effectLst>
+                  <a:outerShdw blurRad="38100" dist="38100" dir="2700000" algn="tl">
+                    <a:srgbClr val="000000">
+                      <a:alpha val="43137"/>
+                    </a:srgbClr>
+                  </a:outerShdw>
+                </a:effectLst>
+              </a:rPr>
+              <a:t>Se il dispositivo accetta la connessione, la conversazione può iniziare</a:t>
+            </a:r>
+          </a:p>
+          <a:p>
+            <a:r>
+              <a:rPr lang="it-IT" dirty="0" smtClean="0">
+                <a:solidFill>
+                  <a:schemeClr val="bg1"/>
+                </a:solidFill>
+                <a:effectLst>
+                  <a:outerShdw blurRad="38100" dist="38100" dir="2700000" algn="tl">
+                    <a:srgbClr val="000000">
+                      <a:alpha val="43137"/>
+                    </a:srgbClr>
+                  </a:outerShdw>
+                </a:effectLst>
+              </a:rPr>
+              <a:t>Si connette ad un solo dispositivo per volta, tramite Wi-Fi Direct</a:t>
+            </a:r>
+            <a:endParaRPr lang="it-IT" dirty="0">
+              <a:solidFill>
+                <a:schemeClr val="bg1"/>
+              </a:solidFill>
+              <a:effectLst>
+                <a:outerShdw blurRad="38100" dist="38100" dir="2700000" algn="tl">
+                  <a:srgbClr val="000000">
+                    <a:alpha val="43137"/>
+                  </a:srgbClr>
+                </a:outerShdw>
+              </a:effectLst>
+            </a:endParaRPr>
+          </a:p>
+        </p:txBody>
+      </p:sp>
+      <p:pic>
+        <p:nvPicPr>
+          <p:cNvPr id="6" name="Immagine 5"/>
+          <p:cNvPicPr>
+            <a:picLocks noChangeAspect="1"/>
+          </p:cNvPicPr>
+          <p:nvPr/>
+        </p:nvPicPr>
+        <p:blipFill>
+          <a:blip r:embed="rId2" cstate="print">
+            <a:extLst>
+              <a:ext uri="{28A0092B-C50C-407E-A947-70E740481C1C}">
+                <a14:useLocalDpi xmlns:a14="http://schemas.microsoft.com/office/drawing/2010/main" val="0"/>
+              </a:ext>
+            </a:extLst>
+          </a:blip>
+          <a:stretch>
+            <a:fillRect/>
+          </a:stretch>
+        </p:blipFill>
+        <p:spPr>
+          <a:xfrm>
+            <a:off x="9614487" y="1825625"/>
+            <a:ext cx="2803290" cy="4351338"/>
+          </a:xfrm>
+          <a:prstGeom prst="rect">
+            <a:avLst/>
+          </a:prstGeom>
+        </p:spPr>
+      </p:pic>
+      <p:pic>
+        <p:nvPicPr>
+          <p:cNvPr id="8" name="Segnaposto contenuto 7"/>
+          <p:cNvPicPr>
+            <a:picLocks noGrp="1" noChangeAspect="1"/>
+          </p:cNvPicPr>
+          <p:nvPr>
+            <p:ph sz="half" idx="2"/>
+          </p:nvPr>
+        </p:nvPicPr>
+        <p:blipFill>
+          <a:blip r:embed="rId3" cstate="print">
+            <a:extLst>
+              <a:ext uri="{28A0092B-C50C-407E-A947-70E740481C1C}">
+                <a14:useLocalDpi xmlns:a14="http://schemas.microsoft.com/office/drawing/2010/main" val="0"/>
+              </a:ext>
+            </a:extLst>
+          </a:blip>
+          <a:stretch>
+            <a:fillRect/>
+          </a:stretch>
+        </p:blipFill>
+        <p:spPr>
+          <a:xfrm>
+            <a:off x="5634155" y="1825625"/>
+            <a:ext cx="2803290" cy="4351338"/>
+          </a:xfrm>
+        </p:spPr>
+      </p:pic>
+      <p:sp>
+        <p:nvSpPr>
+          <p:cNvPr id="9" name="Freccia a destra 8"/>
+          <p:cNvSpPr/>
+          <p:nvPr/>
+        </p:nvSpPr>
+        <p:spPr>
+          <a:xfrm>
+            <a:off x="8437445" y="3525044"/>
+            <a:ext cx="1354842" cy="952500"/>
+          </a:xfrm>
+          <a:prstGeom prst="rightArrow">
+            <a:avLst/>
+          </a:prstGeom>
+        </p:spPr>
+        <p:style>
+          <a:lnRef idx="2">
+            <a:schemeClr val="accent1">
+              <a:shade val="50000"/>
+            </a:schemeClr>
+          </a:lnRef>
+          <a:fillRef idx="1">
+            <a:schemeClr val="accent1"/>
+          </a:fillRef>
+          <a:effectRef idx="0">
+            <a:schemeClr val="accent1"/>
+          </a:effectRef>
+          <a:fontRef idx="minor">
+            <a:schemeClr val="lt1"/>
+          </a:fontRef>
+        </p:style>
+        <p:txBody>
+          <a:bodyPr rtlCol="0" anchor="ctr"/>
+          <a:lstStyle/>
+          <a:p>
+            <a:pPr algn="ctr"/>
+            <a:endParaRPr lang="it-IT"/>
+          </a:p>
+        </p:txBody>
+      </p:sp>
+    </p:spTree>
+    <p:extLst>
+      <p:ext uri="{BB962C8B-B14F-4D97-AF65-F5344CB8AC3E}">
+        <p14:creationId xmlns:p14="http://schemas.microsoft.com/office/powerpoint/2010/main" val="2048356594"/>
+      </p:ext>
+    </p:extLst>
+  </p:cSld>
+  <p:clrMapOvr>
+    <a:masterClrMapping/>
+  </p:clrMapOvr>
+  <p:timing>
+    <p:tnLst>
+      <p:par>
+        <p:cTn id="1" dur="indefinite" restart="never" nodeType="tmRoot"/>
+      </p:par>
+    </p:tnLst>
+  </p:timing>
+</p:sld>
+</file>
+
+<file path=ppt/slides/slide12.xml><?xml version="1.0" encoding="utf-8"?>
+<p:sld xmlns:a="http://schemas.openxmlformats.org/drawingml/2006/main" xmlns:r="http://schemas.openxmlformats.org/officeDocument/2006/relationships" xmlns:p="http://schemas.openxmlformats.org/presentationml/2006/main">
+  <p:cSld>
+    <p:spTree>
+      <p:nvGrpSpPr>
+        <p:cNvPr id="1" name=""/>
+        <p:cNvGrpSpPr/>
+        <p:nvPr/>
+      </p:nvGrpSpPr>
+      <p:grpSpPr>
+        <a:xfrm>
+          <a:off x="0" y="0"/>
+          <a:ext cx="0" cy="0"/>
+          <a:chOff x="0" y="0"/>
+          <a:chExt cx="0" cy="0"/>
+        </a:xfrm>
+      </p:grpSpPr>
+      <p:sp>
+        <p:nvSpPr>
+          <p:cNvPr id="2" name="Titolo 1"/>
+          <p:cNvSpPr>
+            <a:spLocks noGrp="1"/>
+          </p:cNvSpPr>
+          <p:nvPr>
+            <p:ph type="title"/>
+          </p:nvPr>
+        </p:nvSpPr>
+        <p:spPr/>
+        <p:txBody>
+          <a:bodyPr>
+            <a:normAutofit/>
+          </a:bodyPr>
+          <a:lstStyle/>
+          <a:p>
+            <a:pPr algn="ctr"/>
+            <a:r>
+              <a:rPr lang="it-IT" sz="4800" b="1" dirty="0" smtClean="0">
+                <a:solidFill>
+                  <a:schemeClr val="accent5"/>
+                </a:solidFill>
+                <a:latin typeface="Times New Roman" panose="02020603050405020304" pitchFamily="18" charset="0"/>
+                <a:cs typeface="Times New Roman" panose="02020603050405020304" pitchFamily="18" charset="0"/>
+              </a:rPr>
+              <a:t>Scambio di messaggi - Conversazione</a:t>
+            </a:r>
+            <a:endParaRPr lang="it-IT" sz="4800" b="1" dirty="0">
+              <a:solidFill>
+                <a:schemeClr val="accent5"/>
+              </a:solidFill>
+              <a:latin typeface="Times New Roman" panose="02020603050405020304" pitchFamily="18" charset="0"/>
+              <a:cs typeface="Times New Roman" panose="02020603050405020304" pitchFamily="18" charset="0"/>
+            </a:endParaRPr>
+          </a:p>
+        </p:txBody>
+      </p:sp>
+      <p:sp>
+        <p:nvSpPr>
+          <p:cNvPr id="3" name="Segnaposto contenuto 2"/>
+          <p:cNvSpPr>
+            <a:spLocks noGrp="1"/>
+          </p:cNvSpPr>
+          <p:nvPr>
+            <p:ph sz="half" idx="1"/>
+          </p:nvPr>
+        </p:nvSpPr>
+        <p:spPr/>
+        <p:txBody>
+          <a:bodyPr/>
+          <a:lstStyle/>
+          <a:p>
+            <a:r>
+              <a:rPr lang="it-IT" dirty="0" smtClean="0">
+                <a:solidFill>
+                  <a:schemeClr val="bg1"/>
+                </a:solidFill>
+                <a:effectLst>
+                  <a:outerShdw blurRad="38100" dist="38100" dir="2700000" algn="tl">
+                    <a:srgbClr val="000000">
+                      <a:alpha val="43137"/>
+                    </a:srgbClr>
+                  </a:outerShdw>
+                </a:effectLst>
+              </a:rPr>
+              <a:t>Dopo essersi connessi con un dispositivo rilevato, lo scambio di messaggi può iniziare</a:t>
+            </a:r>
+          </a:p>
+          <a:p>
+            <a:r>
+              <a:rPr lang="it-IT" dirty="0" smtClean="0">
+                <a:solidFill>
+                  <a:schemeClr val="bg1"/>
+                </a:solidFill>
+                <a:effectLst>
+                  <a:outerShdw blurRad="38100" dist="38100" dir="2700000" algn="tl">
+                    <a:srgbClr val="000000">
+                      <a:alpha val="43137"/>
+                    </a:srgbClr>
+                  </a:outerShdw>
+                </a:effectLst>
+              </a:rPr>
+              <a:t>Vengono visualizzati anche i messaggi scambiati nelle sessioni precedenti</a:t>
+            </a:r>
+          </a:p>
+          <a:p>
+            <a:r>
+              <a:rPr lang="it-IT" dirty="0" smtClean="0">
+                <a:solidFill>
+                  <a:schemeClr val="bg1"/>
+                </a:solidFill>
+                <a:effectLst>
+                  <a:outerShdw blurRad="38100" dist="38100" dir="2700000" algn="tl">
+                    <a:srgbClr val="000000">
+                      <a:alpha val="43137"/>
+                    </a:srgbClr>
+                  </a:outerShdw>
+                </a:effectLst>
+              </a:rPr>
+              <a:t>I nuovi messaggi scambiati verranno memorizzati nella memoria interna del dispositivo</a:t>
+            </a:r>
+            <a:endParaRPr lang="it-IT" dirty="0">
+              <a:solidFill>
+                <a:schemeClr val="bg1"/>
+              </a:solidFill>
+              <a:effectLst>
+                <a:outerShdw blurRad="38100" dist="38100" dir="2700000" algn="tl">
+                  <a:srgbClr val="000000">
+                    <a:alpha val="43137"/>
+                  </a:srgbClr>
+                </a:outerShdw>
+              </a:effectLst>
+            </a:endParaRPr>
+          </a:p>
+        </p:txBody>
+      </p:sp>
+      <p:pic>
+        <p:nvPicPr>
+          <p:cNvPr id="5" name="Segnaposto contenuto 4"/>
+          <p:cNvPicPr>
+            <a:picLocks noGrp="1" noChangeAspect="1"/>
+          </p:cNvPicPr>
+          <p:nvPr>
+            <p:ph sz="half" idx="2"/>
+          </p:nvPr>
+        </p:nvPicPr>
+        <p:blipFill>
+          <a:blip r:embed="rId2" cstate="print">
+            <a:extLst>
+              <a:ext uri="{28A0092B-C50C-407E-A947-70E740481C1C}">
+                <a14:useLocalDpi xmlns:a14="http://schemas.microsoft.com/office/drawing/2010/main" val="0"/>
+              </a:ext>
+            </a:extLst>
+          </a:blip>
+          <a:stretch>
+            <a:fillRect/>
+          </a:stretch>
+        </p:blipFill>
+        <p:spPr>
+          <a:xfrm>
+            <a:off x="5380155" y="1825625"/>
+            <a:ext cx="2803290" cy="4351338"/>
+          </a:xfrm>
+        </p:spPr>
+      </p:pic>
+      <p:pic>
+        <p:nvPicPr>
+          <p:cNvPr id="6" name="Immagine 5"/>
+          <p:cNvPicPr>
+            <a:picLocks noChangeAspect="1"/>
+          </p:cNvPicPr>
+          <p:nvPr/>
+        </p:nvPicPr>
+        <p:blipFill>
+          <a:blip r:embed="rId3" cstate="print">
+            <a:extLst>
+              <a:ext uri="{28A0092B-C50C-407E-A947-70E740481C1C}">
+                <a14:useLocalDpi xmlns:a14="http://schemas.microsoft.com/office/drawing/2010/main" val="0"/>
+              </a:ext>
+            </a:extLst>
+          </a:blip>
+          <a:stretch>
+            <a:fillRect/>
+          </a:stretch>
+        </p:blipFill>
+        <p:spPr>
+          <a:xfrm>
+            <a:off x="9504246" y="1825625"/>
+            <a:ext cx="2835506" cy="4401344"/>
+          </a:xfrm>
+          <a:prstGeom prst="rect">
+            <a:avLst/>
+          </a:prstGeom>
+        </p:spPr>
+      </p:pic>
+      <p:sp>
+        <p:nvSpPr>
+          <p:cNvPr id="7" name="Freccia a destra 6"/>
+          <p:cNvSpPr/>
+          <p:nvPr/>
+        </p:nvSpPr>
+        <p:spPr>
+          <a:xfrm>
+            <a:off x="8183445" y="3289300"/>
+            <a:ext cx="1384300" cy="1104900"/>
+          </a:xfrm>
+          <a:prstGeom prst="rightArrow">
+            <a:avLst/>
+          </a:prstGeom>
+        </p:spPr>
+        <p:style>
+          <a:lnRef idx="2">
+            <a:schemeClr val="accent1">
+              <a:shade val="50000"/>
+            </a:schemeClr>
+          </a:lnRef>
+          <a:fillRef idx="1">
+            <a:schemeClr val="accent1"/>
+          </a:fillRef>
+          <a:effectRef idx="0">
+            <a:schemeClr val="accent1"/>
+          </a:effectRef>
+          <a:fontRef idx="minor">
+            <a:schemeClr val="lt1"/>
+          </a:fontRef>
+        </p:style>
+        <p:txBody>
+          <a:bodyPr rtlCol="0" anchor="ctr"/>
+          <a:lstStyle/>
+          <a:p>
+            <a:pPr algn="ctr"/>
+            <a:endParaRPr lang="it-IT"/>
+          </a:p>
+        </p:txBody>
+      </p:sp>
+    </p:spTree>
+    <p:extLst>
+      <p:ext uri="{BB962C8B-B14F-4D97-AF65-F5344CB8AC3E}">
+        <p14:creationId xmlns:p14="http://schemas.microsoft.com/office/powerpoint/2010/main" val="86900876"/>
+      </p:ext>
+    </p:extLst>
+  </p:cSld>
+  <p:clrMapOvr>
+    <a:masterClrMapping/>
+  </p:clrMapOvr>
+  <p:timing>
+    <p:tnLst>
+      <p:par>
+        <p:cTn id="1" dur="indefinite" restart="never" nodeType="tmRoot"/>
+      </p:par>
+    </p:tnLst>
+  </p:timing>
+</p:sld>
+</file>
+
+<file path=ppt/slides/slide13.xml><?xml version="1.0" encoding="utf-8"?>
+<p:sld xmlns:a="http://schemas.openxmlformats.org/drawingml/2006/main" xmlns:r="http://schemas.openxmlformats.org/officeDocument/2006/relationships" xmlns:p="http://schemas.openxmlformats.org/presentationml/2006/main">
+  <p:cSld>
+    <p:spTree>
+      <p:nvGrpSpPr>
+        <p:cNvPr id="1" name=""/>
+        <p:cNvGrpSpPr/>
+        <p:nvPr/>
+      </p:nvGrpSpPr>
+      <p:grpSpPr>
+        <a:xfrm>
+          <a:off x="0" y="0"/>
+          <a:ext cx="0" cy="0"/>
+          <a:chOff x="0" y="0"/>
+          <a:chExt cx="0" cy="0"/>
+        </a:xfrm>
+      </p:grpSpPr>
+      <p:sp>
+        <p:nvSpPr>
+          <p:cNvPr id="2" name="Titolo 1"/>
+          <p:cNvSpPr>
+            <a:spLocks noGrp="1"/>
+          </p:cNvSpPr>
+          <p:nvPr>
+            <p:ph type="title"/>
+          </p:nvPr>
+        </p:nvSpPr>
+        <p:spPr/>
+        <p:txBody>
+          <a:bodyPr>
+            <a:normAutofit/>
+          </a:bodyPr>
+          <a:lstStyle/>
+          <a:p>
+            <a:pPr algn="ctr"/>
+            <a:r>
+              <a:rPr lang="it-IT" sz="4800" b="1" dirty="0" smtClean="0">
+                <a:solidFill>
+                  <a:schemeClr val="accent5"/>
+                </a:solidFill>
+                <a:latin typeface="Times New Roman" panose="02020603050405020304" pitchFamily="18" charset="0"/>
+                <a:cs typeface="Times New Roman" panose="02020603050405020304" pitchFamily="18" charset="0"/>
+              </a:rPr>
+              <a:t>Scambio di messaggi - Disconnessione</a:t>
+            </a:r>
+            <a:endParaRPr lang="it-IT" sz="4800" b="1" dirty="0">
+              <a:solidFill>
+                <a:schemeClr val="accent5"/>
+              </a:solidFill>
+              <a:latin typeface="Times New Roman" panose="02020603050405020304" pitchFamily="18" charset="0"/>
+              <a:cs typeface="Times New Roman" panose="02020603050405020304" pitchFamily="18" charset="0"/>
+            </a:endParaRPr>
+          </a:p>
+        </p:txBody>
+      </p:sp>
+      <p:sp>
+        <p:nvSpPr>
+          <p:cNvPr id="3" name="Segnaposto contenuto 2"/>
+          <p:cNvSpPr>
+            <a:spLocks noGrp="1"/>
+          </p:cNvSpPr>
+          <p:nvPr>
+            <p:ph sz="half" idx="1"/>
+          </p:nvPr>
+        </p:nvSpPr>
+        <p:spPr/>
+        <p:txBody>
+          <a:bodyPr/>
+          <a:lstStyle/>
+          <a:p>
+            <a:r>
+              <a:rPr lang="it-IT" dirty="0" smtClean="0">
+                <a:solidFill>
+                  <a:schemeClr val="bg1"/>
+                </a:solidFill>
+                <a:effectLst>
+                  <a:outerShdw blurRad="38100" dist="38100" dir="2700000" algn="tl">
+                    <a:srgbClr val="000000">
+                      <a:alpha val="43137"/>
+                    </a:srgbClr>
+                  </a:outerShdw>
+                </a:effectLst>
+              </a:rPr>
+              <a:t>Prima di poter scambiare messaggi con un altro contatto, bisogna prima disconnettersi con quello corrente</a:t>
+            </a:r>
+          </a:p>
+          <a:p>
+            <a:r>
+              <a:rPr lang="it-IT" dirty="0" smtClean="0">
+                <a:solidFill>
+                  <a:schemeClr val="bg1"/>
+                </a:solidFill>
+                <a:effectLst>
+                  <a:outerShdw blurRad="38100" dist="38100" dir="2700000" algn="tl">
+                    <a:srgbClr val="000000">
+                      <a:alpha val="43137"/>
+                    </a:srgbClr>
+                  </a:outerShdw>
+                </a:effectLst>
+              </a:rPr>
+              <a:t>Può essere fatto accettando la richiesta di disconnessione quando si tenta di iniziare la conversazione con il contatto, oppure toccando «Disconnetti» dal menù</a:t>
+            </a:r>
+            <a:endParaRPr lang="it-IT" dirty="0">
+              <a:solidFill>
+                <a:schemeClr val="bg1"/>
+              </a:solidFill>
+              <a:effectLst>
+                <a:outerShdw blurRad="38100" dist="38100" dir="2700000" algn="tl">
+                  <a:srgbClr val="000000">
+                    <a:alpha val="43137"/>
+                  </a:srgbClr>
+                </a:outerShdw>
+              </a:effectLst>
+            </a:endParaRPr>
+          </a:p>
+        </p:txBody>
+      </p:sp>
+      <p:pic>
+        <p:nvPicPr>
+          <p:cNvPr id="7" name="Segnaposto contenuto 6"/>
+          <p:cNvPicPr>
+            <a:picLocks noGrp="1" noChangeAspect="1"/>
+          </p:cNvPicPr>
+          <p:nvPr>
+            <p:ph sz="half" idx="2"/>
+          </p:nvPr>
+        </p:nvPicPr>
+        <p:blipFill>
+          <a:blip r:embed="rId2" cstate="print">
+            <a:extLst>
+              <a:ext uri="{28A0092B-C50C-407E-A947-70E740481C1C}">
+                <a14:useLocalDpi xmlns:a14="http://schemas.microsoft.com/office/drawing/2010/main" val="0"/>
+              </a:ext>
+            </a:extLst>
+          </a:blip>
+          <a:stretch>
+            <a:fillRect/>
+          </a:stretch>
+        </p:blipFill>
+        <p:spPr>
+          <a:xfrm>
+            <a:off x="6192955" y="1825625"/>
+            <a:ext cx="2803290" cy="4351338"/>
+          </a:xfrm>
+        </p:spPr>
+      </p:pic>
+    </p:spTree>
+    <p:extLst>
+      <p:ext uri="{BB962C8B-B14F-4D97-AF65-F5344CB8AC3E}">
+        <p14:creationId xmlns:p14="http://schemas.microsoft.com/office/powerpoint/2010/main" val="3221939569"/>
+      </p:ext>
+    </p:extLst>
+  </p:cSld>
+  <p:clrMapOvr>
+    <a:masterClrMapping/>
+  </p:clrMapOvr>
+  <p:timing>
+    <p:tnLst>
+      <p:par>
+        <p:cTn id="1" dur="indefinite" restart="never" nodeType="tmRoot"/>
+      </p:par>
+    </p:tnLst>
+  </p:timing>
+</p:sld>
+</file>
+
+<file path=ppt/slides/slide14.xml><?xml version="1.0" encoding="utf-8"?>
+<p:sld xmlns:a="http://schemas.openxmlformats.org/drawingml/2006/main" xmlns:r="http://schemas.openxmlformats.org/officeDocument/2006/relationships" xmlns:p="http://schemas.openxmlformats.org/presentationml/2006/main">
+  <p:cSld>
+    <p:spTree>
+      <p:nvGrpSpPr>
+        <p:cNvPr id="1" name=""/>
+        <p:cNvGrpSpPr/>
+        <p:nvPr/>
+      </p:nvGrpSpPr>
+      <p:grpSpPr>
+        <a:xfrm>
+          <a:off x="0" y="0"/>
+          <a:ext cx="0" cy="0"/>
+          <a:chOff x="0" y="0"/>
+          <a:chExt cx="0" cy="0"/>
+        </a:xfrm>
+      </p:grpSpPr>
+      <p:sp>
+        <p:nvSpPr>
+          <p:cNvPr id="2" name="Titolo 1"/>
+          <p:cNvSpPr>
+            <a:spLocks noGrp="1"/>
+          </p:cNvSpPr>
+          <p:nvPr>
+            <p:ph type="title"/>
+          </p:nvPr>
+        </p:nvSpPr>
+        <p:spPr/>
+        <p:txBody>
+          <a:bodyPr>
+            <a:noAutofit/>
+          </a:bodyPr>
+          <a:lstStyle/>
+          <a:p>
+            <a:pPr algn="ctr"/>
+            <a:r>
+              <a:rPr lang="it-IT" sz="4800" b="1" dirty="0" smtClean="0">
+                <a:solidFill>
+                  <a:schemeClr val="accent5"/>
+                </a:solidFill>
+                <a:latin typeface="Times New Roman" panose="02020603050405020304" pitchFamily="18" charset="0"/>
+                <a:cs typeface="Times New Roman" panose="02020603050405020304" pitchFamily="18" charset="0"/>
+              </a:rPr>
+              <a:t>Scambio di messaggi – Connessione rifiutata</a:t>
+            </a:r>
+            <a:endParaRPr lang="it-IT" sz="4800" b="1" dirty="0">
+              <a:solidFill>
+                <a:schemeClr val="accent5"/>
+              </a:solidFill>
+              <a:latin typeface="Times New Roman" panose="02020603050405020304" pitchFamily="18" charset="0"/>
+              <a:cs typeface="Times New Roman" panose="02020603050405020304" pitchFamily="18" charset="0"/>
+            </a:endParaRPr>
+          </a:p>
+        </p:txBody>
+      </p:sp>
+      <p:sp>
+        <p:nvSpPr>
+          <p:cNvPr id="3" name="Segnaposto contenuto 2"/>
+          <p:cNvSpPr>
+            <a:spLocks noGrp="1"/>
+          </p:cNvSpPr>
+          <p:nvPr>
+            <p:ph sz="half" idx="1"/>
+          </p:nvPr>
+        </p:nvSpPr>
+        <p:spPr/>
+        <p:txBody>
+          <a:bodyPr/>
+          <a:lstStyle/>
+          <a:p>
+            <a:r>
+              <a:rPr lang="it-IT" dirty="0" smtClean="0">
+                <a:solidFill>
+                  <a:schemeClr val="bg1"/>
+                </a:solidFill>
+                <a:effectLst>
+                  <a:outerShdw blurRad="38100" dist="38100" dir="2700000" algn="tl">
+                    <a:srgbClr val="000000">
+                      <a:alpha val="43137"/>
+                    </a:srgbClr>
+                  </a:outerShdw>
+                </a:effectLst>
+              </a:rPr>
+              <a:t>Per stabilire una connessione Wi-Fi Direct con il dispositivo remoto, esso deve accettare la richiesta di connessione entro 30 secondi</a:t>
+            </a:r>
+          </a:p>
+          <a:p>
+            <a:r>
+              <a:rPr lang="it-IT" dirty="0" smtClean="0">
+                <a:solidFill>
+                  <a:schemeClr val="bg1"/>
+                </a:solidFill>
+                <a:effectLst>
+                  <a:outerShdw blurRad="38100" dist="38100" dir="2700000" algn="tl">
+                    <a:srgbClr val="000000">
+                      <a:alpha val="43137"/>
+                    </a:srgbClr>
+                  </a:outerShdw>
+                </a:effectLst>
+              </a:rPr>
+              <a:t>Se la richiesta non viene accettata, allo scadere dei 30 secondi il dispositivo in uso considererà la richiesta di connessione come rifiutata</a:t>
+            </a:r>
+            <a:endParaRPr lang="it-IT" dirty="0">
+              <a:solidFill>
+                <a:schemeClr val="bg1"/>
+              </a:solidFill>
+              <a:effectLst>
+                <a:outerShdw blurRad="38100" dist="38100" dir="2700000" algn="tl">
+                  <a:srgbClr val="000000">
+                    <a:alpha val="43137"/>
+                  </a:srgbClr>
+                </a:outerShdw>
+              </a:effectLst>
+            </a:endParaRPr>
+          </a:p>
+        </p:txBody>
+      </p:sp>
+      <p:pic>
+        <p:nvPicPr>
+          <p:cNvPr id="5" name="Segnaposto contenuto 4"/>
+          <p:cNvPicPr>
+            <a:picLocks noGrp="1" noChangeAspect="1"/>
+          </p:cNvPicPr>
+          <p:nvPr>
+            <p:ph sz="half" idx="2"/>
+          </p:nvPr>
+        </p:nvPicPr>
+        <p:blipFill>
+          <a:blip r:embed="rId2" cstate="print">
+            <a:extLst>
+              <a:ext uri="{28A0092B-C50C-407E-A947-70E740481C1C}">
+                <a14:useLocalDpi xmlns:a14="http://schemas.microsoft.com/office/drawing/2010/main" val="0"/>
+              </a:ext>
+            </a:extLst>
+          </a:blip>
+          <a:stretch>
+            <a:fillRect/>
+          </a:stretch>
+        </p:blipFill>
+        <p:spPr>
+          <a:xfrm>
+            <a:off x="5723055" y="1825625"/>
+            <a:ext cx="2803290" cy="4351338"/>
+          </a:xfrm>
+        </p:spPr>
+      </p:pic>
+      <p:pic>
+        <p:nvPicPr>
+          <p:cNvPr id="6" name="Immagine 5"/>
+          <p:cNvPicPr>
+            <a:picLocks noChangeAspect="1"/>
+          </p:cNvPicPr>
+          <p:nvPr/>
+        </p:nvPicPr>
+        <p:blipFill>
+          <a:blip r:embed="rId3" cstate="print">
+            <a:extLst>
+              <a:ext uri="{28A0092B-C50C-407E-A947-70E740481C1C}">
+                <a14:useLocalDpi xmlns:a14="http://schemas.microsoft.com/office/drawing/2010/main" val="0"/>
+              </a:ext>
+            </a:extLst>
+          </a:blip>
+          <a:stretch>
+            <a:fillRect/>
+          </a:stretch>
+        </p:blipFill>
+        <p:spPr>
+          <a:xfrm>
+            <a:off x="9602628" y="1825625"/>
+            <a:ext cx="2803290" cy="4351338"/>
+          </a:xfrm>
+          <a:prstGeom prst="rect">
+            <a:avLst/>
+          </a:prstGeom>
+        </p:spPr>
+      </p:pic>
+      <p:sp>
+        <p:nvSpPr>
+          <p:cNvPr id="7" name="Freccia a destra 6"/>
+          <p:cNvSpPr/>
+          <p:nvPr/>
+        </p:nvSpPr>
+        <p:spPr>
+          <a:xfrm>
+            <a:off x="8526345" y="3480594"/>
+            <a:ext cx="1182528" cy="1041400"/>
+          </a:xfrm>
+          <a:prstGeom prst="rightArrow">
+            <a:avLst/>
+          </a:prstGeom>
+        </p:spPr>
+        <p:style>
+          <a:lnRef idx="2">
+            <a:schemeClr val="accent1">
+              <a:shade val="50000"/>
+            </a:schemeClr>
+          </a:lnRef>
+          <a:fillRef idx="1">
+            <a:schemeClr val="accent1"/>
+          </a:fillRef>
+          <a:effectRef idx="0">
+            <a:schemeClr val="accent1"/>
+          </a:effectRef>
+          <a:fontRef idx="minor">
+            <a:schemeClr val="lt1"/>
+          </a:fontRef>
+        </p:style>
+        <p:txBody>
+          <a:bodyPr rtlCol="0" anchor="ctr"/>
+          <a:lstStyle/>
+          <a:p>
+            <a:pPr algn="ctr"/>
+            <a:endParaRPr lang="it-IT"/>
+          </a:p>
+        </p:txBody>
+      </p:sp>
+    </p:spTree>
+    <p:extLst>
+      <p:ext uri="{BB962C8B-B14F-4D97-AF65-F5344CB8AC3E}">
+        <p14:creationId xmlns:p14="http://schemas.microsoft.com/office/powerpoint/2010/main" val="1827038865"/>
+      </p:ext>
+    </p:extLst>
+  </p:cSld>
+  <p:clrMapOvr>
+    <a:masterClrMapping/>
+  </p:clrMapOvr>
+</p:sld>
+</file>
+
+<file path=ppt/slides/slide15.xml><?xml version="1.0" encoding="utf-8"?>
+<p:sld xmlns:a="http://schemas.openxmlformats.org/drawingml/2006/main" xmlns:r="http://schemas.openxmlformats.org/officeDocument/2006/relationships" xmlns:p="http://schemas.openxmlformats.org/presentationml/2006/main">
+  <p:cSld>
+    <p:spTree>
+      <p:nvGrpSpPr>
+        <p:cNvPr id="1" name=""/>
+        <p:cNvGrpSpPr/>
+        <p:nvPr/>
+      </p:nvGrpSpPr>
+      <p:grpSpPr>
+        <a:xfrm>
+          <a:off x="0" y="0"/>
+          <a:ext cx="0" cy="0"/>
+          <a:chOff x="0" y="0"/>
+          <a:chExt cx="0" cy="0"/>
+        </a:xfrm>
+      </p:grpSpPr>
+      <p:sp>
+        <p:nvSpPr>
+          <p:cNvPr id="2" name="Titolo 1"/>
+          <p:cNvSpPr>
+            <a:spLocks noGrp="1"/>
+          </p:cNvSpPr>
+          <p:nvPr>
+            <p:ph type="title"/>
+          </p:nvPr>
+        </p:nvSpPr>
+        <p:spPr/>
+        <p:txBody>
+          <a:bodyPr>
+            <a:normAutofit fontScale="90000"/>
+          </a:bodyPr>
+          <a:lstStyle/>
+          <a:p>
+            <a:pPr algn="ctr"/>
+            <a:r>
+              <a:rPr lang="it-IT" sz="4800" b="1" dirty="0" smtClean="0">
+                <a:solidFill>
+                  <a:schemeClr val="accent5"/>
+                </a:solidFill>
+                <a:latin typeface="Times New Roman" panose="02020603050405020304" pitchFamily="18" charset="0"/>
+                <a:cs typeface="Times New Roman" panose="02020603050405020304" pitchFamily="18" charset="0"/>
+              </a:rPr>
+              <a:t>Memorizzazione dei messaggi scambiati</a:t>
+            </a:r>
+            <a:endParaRPr lang="it-IT" sz="4800" b="1" dirty="0">
+              <a:solidFill>
+                <a:schemeClr val="accent5"/>
+              </a:solidFill>
+              <a:latin typeface="Times New Roman" panose="02020603050405020304" pitchFamily="18" charset="0"/>
+              <a:cs typeface="Times New Roman" panose="02020603050405020304" pitchFamily="18" charset="0"/>
+            </a:endParaRPr>
+          </a:p>
+        </p:txBody>
+      </p:sp>
+      <p:sp>
+        <p:nvSpPr>
+          <p:cNvPr id="3" name="Segnaposto contenuto 2"/>
+          <p:cNvSpPr>
+            <a:spLocks noGrp="1"/>
+          </p:cNvSpPr>
+          <p:nvPr>
+            <p:ph sz="half" idx="1"/>
+          </p:nvPr>
+        </p:nvSpPr>
+        <p:spPr/>
+        <p:txBody>
+          <a:bodyPr/>
+          <a:lstStyle/>
+          <a:p>
+            <a:r>
+              <a:rPr lang="it-IT" dirty="0" smtClean="0">
+                <a:solidFill>
+                  <a:schemeClr val="bg1"/>
+                </a:solidFill>
+                <a:effectLst>
+                  <a:outerShdw blurRad="38100" dist="38100" dir="2700000" algn="tl">
+                    <a:srgbClr val="000000">
+                      <a:alpha val="43137"/>
+                    </a:srgbClr>
+                  </a:outerShdw>
+                </a:effectLst>
+              </a:rPr>
+              <a:t>Prima di chiudersi, </a:t>
+            </a:r>
+            <a:r>
+              <a:rPr lang="it-IT" dirty="0" err="1" smtClean="0">
+                <a:solidFill>
+                  <a:schemeClr val="bg1"/>
+                </a:solidFill>
+                <a:effectLst>
+                  <a:outerShdw blurRad="38100" dist="38100" dir="2700000" algn="tl">
+                    <a:srgbClr val="000000">
+                      <a:alpha val="43137"/>
+                    </a:srgbClr>
+                  </a:outerShdw>
+                </a:effectLst>
+              </a:rPr>
+              <a:t>l’activity</a:t>
+            </a:r>
+            <a:r>
+              <a:rPr lang="it-IT" dirty="0" smtClean="0">
+                <a:solidFill>
+                  <a:schemeClr val="bg1"/>
+                </a:solidFill>
+                <a:effectLst>
+                  <a:outerShdw blurRad="38100" dist="38100" dir="2700000" algn="tl">
+                    <a:srgbClr val="000000">
+                      <a:alpha val="43137"/>
+                    </a:srgbClr>
+                  </a:outerShdw>
+                </a:effectLst>
+              </a:rPr>
+              <a:t> o il </a:t>
+            </a:r>
+            <a:r>
+              <a:rPr lang="it-IT" dirty="0" err="1" smtClean="0">
+                <a:solidFill>
+                  <a:schemeClr val="bg1"/>
+                </a:solidFill>
+                <a:effectLst>
+                  <a:outerShdw blurRad="38100" dist="38100" dir="2700000" algn="tl">
+                    <a:srgbClr val="000000">
+                      <a:alpha val="43137"/>
+                    </a:srgbClr>
+                  </a:outerShdw>
+                </a:effectLst>
+              </a:rPr>
+              <a:t>fragment</a:t>
+            </a:r>
+            <a:r>
+              <a:rPr lang="it-IT" dirty="0" smtClean="0">
+                <a:solidFill>
+                  <a:schemeClr val="bg1"/>
+                </a:solidFill>
+                <a:effectLst>
+                  <a:outerShdw blurRad="38100" dist="38100" dir="2700000" algn="tl">
+                    <a:srgbClr val="000000">
+                      <a:alpha val="43137"/>
+                    </a:srgbClr>
+                  </a:outerShdw>
+                </a:effectLst>
+              </a:rPr>
+              <a:t> per la conversazione salva nella memoria interna del dispositivo i nuovi messaggi scambiati con il contatto in un apposito file</a:t>
+            </a:r>
+          </a:p>
+          <a:p>
+            <a:r>
+              <a:rPr lang="it-IT" dirty="0" smtClean="0">
+                <a:solidFill>
+                  <a:schemeClr val="bg1"/>
+                </a:solidFill>
+                <a:effectLst>
+                  <a:outerShdw blurRad="38100" dist="38100" dir="2700000" algn="tl">
+                    <a:srgbClr val="000000">
+                      <a:alpha val="43137"/>
+                    </a:srgbClr>
+                  </a:outerShdw>
+                </a:effectLst>
+              </a:rPr>
+              <a:t>Tutti i messaggi scambiati con un dato contatto possono essere eliminati tramite l’opzione del menù contestuale</a:t>
+            </a:r>
+            <a:endParaRPr lang="it-IT" dirty="0">
+              <a:solidFill>
+                <a:schemeClr val="bg1"/>
+              </a:solidFill>
+              <a:effectLst>
+                <a:outerShdw blurRad="38100" dist="38100" dir="2700000" algn="tl">
+                  <a:srgbClr val="000000">
+                    <a:alpha val="43137"/>
+                  </a:srgbClr>
+                </a:outerShdw>
+              </a:effectLst>
+            </a:endParaRPr>
+          </a:p>
+        </p:txBody>
+      </p:sp>
+      <p:pic>
+        <p:nvPicPr>
+          <p:cNvPr id="5" name="Segnaposto contenuto 4"/>
+          <p:cNvPicPr>
+            <a:picLocks noGrp="1" noChangeAspect="1"/>
+          </p:cNvPicPr>
+          <p:nvPr>
+            <p:ph sz="half" idx="2"/>
+          </p:nvPr>
+        </p:nvPicPr>
+        <p:blipFill>
+          <a:blip r:embed="rId2" cstate="print">
+            <a:extLst>
+              <a:ext uri="{28A0092B-C50C-407E-A947-70E740481C1C}">
+                <a14:useLocalDpi xmlns:a14="http://schemas.microsoft.com/office/drawing/2010/main" val="0"/>
+              </a:ext>
+            </a:extLst>
+          </a:blip>
+          <a:stretch>
+            <a:fillRect/>
+          </a:stretch>
+        </p:blipFill>
+        <p:spPr>
+          <a:xfrm>
+            <a:off x="7361355" y="1825625"/>
+            <a:ext cx="2803290" cy="4351338"/>
+          </a:xfrm>
+        </p:spPr>
+      </p:pic>
+    </p:spTree>
+    <p:extLst>
+      <p:ext uri="{BB962C8B-B14F-4D97-AF65-F5344CB8AC3E}">
+        <p14:creationId xmlns:p14="http://schemas.microsoft.com/office/powerpoint/2010/main" val="3040229753"/>
+      </p:ext>
+    </p:extLst>
+  </p:cSld>
+  <p:clrMapOvr>
+    <a:masterClrMapping/>
+  </p:clrMapOvr>
+  <p:timing>
+    <p:tnLst>
+      <p:par>
+        <p:cTn id="1" dur="indefinite" restart="never" nodeType="tmRoot"/>
+      </p:par>
+    </p:tnLst>
+  </p:timing>
+</p:sld>
+</file>
+
+<file path=ppt/slides/slide16.xml><?xml version="1.0" encoding="utf-8"?>
+<p:sld xmlns:a="http://schemas.openxmlformats.org/drawingml/2006/main" xmlns:r="http://schemas.openxmlformats.org/officeDocument/2006/relationships" xmlns:p="http://schemas.openxmlformats.org/presentationml/2006/main">
+  <p:cSld>
+    <p:spTree>
+      <p:nvGrpSpPr>
+        <p:cNvPr id="1" name=""/>
+        <p:cNvGrpSpPr/>
+        <p:nvPr/>
+      </p:nvGrpSpPr>
+      <p:grpSpPr>
+        <a:xfrm>
+          <a:off x="0" y="0"/>
+          <a:ext cx="0" cy="0"/>
+          <a:chOff x="0" y="0"/>
+          <a:chExt cx="0" cy="0"/>
+        </a:xfrm>
+      </p:grpSpPr>
+      <p:sp>
+        <p:nvSpPr>
+          <p:cNvPr id="2" name="Titolo 1"/>
+          <p:cNvSpPr>
+            <a:spLocks noGrp="1"/>
+          </p:cNvSpPr>
+          <p:nvPr>
+            <p:ph type="title"/>
+          </p:nvPr>
+        </p:nvSpPr>
+        <p:spPr/>
+        <p:txBody>
+          <a:bodyPr>
             <a:noAutofit/>
           </a:bodyPr>
           <a:lstStyle/>
@@ -3364,7 +5278,7 @@
 </p:sld>
 </file>
 
-<file path=ppt/slides/slide11.xml><?xml version="1.0" encoding="utf-8"?>
+<file path=ppt/slides/slide17.xml><?xml version="1.0" encoding="utf-8"?>
 <p:sld xmlns:a="http://schemas.openxmlformats.org/drawingml/2006/main" xmlns:r="http://schemas.openxmlformats.org/officeDocument/2006/relationships" xmlns:p="http://schemas.openxmlformats.org/presentationml/2006/main">
   <p:cSld>
     <p:spTree>
@@ -3441,7 +5355,9 @@
         </p:nvSpPr>
         <p:spPr/>
         <p:txBody>
-          <a:bodyPr/>
+          <a:bodyPr>
+            <a:normAutofit lnSpcReduction="10000"/>
+          </a:bodyPr>
           <a:lstStyle/>
           <a:p>
             <a:r>
@@ -3517,7 +5433,22 @@
                   </a:outerShdw>
                 </a:effectLst>
               </a:rPr>
-              <a:t> applicherà i principi del </a:t>
+              <a:t> applicherà </a:t>
+            </a:r>
+            <a:r>
+              <a:rPr lang="it-IT" dirty="0" smtClean="0">
+                <a:solidFill>
+                  <a:schemeClr val="bg1"/>
+                </a:solidFill>
+                <a:effectLst>
+                  <a:outerShdw blurRad="38100" dist="38100" dir="2700000" algn="tl">
+                    <a:srgbClr val="000000">
+                      <a:alpha val="43137"/>
+                    </a:srgbClr>
+                  </a:outerShdw>
+                </a:effectLst>
+              </a:rPr>
+              <a:t>le caratteristiche del </a:t>
             </a:r>
             <a:r>
               <a:rPr lang="it-IT" dirty="0" err="1" smtClean="0">
@@ -3608,7 +5539,52 @@
                   </a:outerShdw>
                 </a:effectLst>
               </a:rPr>
-              <a:t>Alcuni principi sono applicati anche per versioni precedenti</a:t>
+              <a:t>Alcune </a:t>
+            </a:r>
+            <a:r>
+              <a:rPr lang="it-IT" smtClean="0">
+                <a:solidFill>
+                  <a:schemeClr val="bg1"/>
+                </a:solidFill>
+                <a:effectLst>
+                  <a:outerShdw blurRad="38100" dist="38100" dir="2700000" algn="tl">
+                    <a:srgbClr val="000000">
+                      <a:alpha val="43137"/>
+                    </a:srgbClr>
+                  </a:outerShdw>
+                </a:effectLst>
+              </a:rPr>
+              <a:t>caratteristiche vengono </a:t>
+            </a:r>
+            <a:r>
+              <a:rPr lang="it-IT" dirty="0" smtClean="0">
+                <a:solidFill>
+                  <a:schemeClr val="bg1"/>
+                </a:solidFill>
+                <a:effectLst>
+                  <a:outerShdw blurRad="38100" dist="38100" dir="2700000" algn="tl">
+                    <a:srgbClr val="000000">
+                      <a:alpha val="43137"/>
+                    </a:srgbClr>
+                  </a:outerShdw>
+                </a:effectLst>
+              </a:rPr>
+              <a:t>applicate </a:t>
+            </a:r>
+            <a:r>
+              <a:rPr lang="it-IT" dirty="0" smtClean="0">
+                <a:solidFill>
+                  <a:schemeClr val="bg1"/>
+                </a:solidFill>
+                <a:effectLst>
+                  <a:outerShdw blurRad="38100" dist="38100" dir="2700000" algn="tl">
+                    <a:srgbClr val="000000">
+                      <a:alpha val="43137"/>
+                    </a:srgbClr>
+                  </a:outerShdw>
+                </a:effectLst>
+              </a:rPr>
+              <a:t>anche per versioni precedenti</a:t>
             </a:r>
             <a:endParaRPr lang="it-IT" dirty="0">
               <a:solidFill>
@@ -3637,7 +5613,9 @@
         </p:nvSpPr>
         <p:spPr/>
         <p:txBody>
-          <a:bodyPr/>
+          <a:bodyPr>
+            <a:normAutofit lnSpcReduction="10000"/>
+          </a:bodyPr>
           <a:lstStyle/>
           <a:p>
             <a:endParaRPr lang="it-IT"/>
@@ -3657,351 +5635,7 @@
 </p:sld>
 </file>
 
-<file path=ppt/slides/slide12.xml><?xml version="1.0" encoding="utf-8"?>
-<p:sld xmlns:a="http://schemas.openxmlformats.org/drawingml/2006/main" xmlns:r="http://schemas.openxmlformats.org/officeDocument/2006/relationships" xmlns:p="http://schemas.openxmlformats.org/presentationml/2006/main">
-  <p:cSld>
-    <p:spTree>
-      <p:nvGrpSpPr>
-        <p:cNvPr id="1" name=""/>
-        <p:cNvGrpSpPr/>
-        <p:nvPr/>
-      </p:nvGrpSpPr>
-      <p:grpSpPr>
-        <a:xfrm>
-          <a:off x="0" y="0"/>
-          <a:ext cx="0" cy="0"/>
-          <a:chOff x="0" y="0"/>
-          <a:chExt cx="0" cy="0"/>
-        </a:xfrm>
-      </p:grpSpPr>
-      <p:sp>
-        <p:nvSpPr>
-          <p:cNvPr id="2" name="Titolo 1"/>
-          <p:cNvSpPr>
-            <a:spLocks noGrp="1"/>
-          </p:cNvSpPr>
-          <p:nvPr>
-            <p:ph type="title"/>
-          </p:nvPr>
-        </p:nvSpPr>
-        <p:spPr/>
-        <p:txBody>
-          <a:bodyPr>
-            <a:normAutofit/>
-          </a:bodyPr>
-          <a:lstStyle/>
-          <a:p>
-            <a:pPr algn="ctr"/>
-            <a:r>
-              <a:rPr lang="it-IT" sz="4800" b="1" dirty="0" smtClean="0">
-                <a:solidFill>
-                  <a:schemeClr val="accent5"/>
-                </a:solidFill>
-                <a:latin typeface="Times New Roman" panose="02020603050405020304" pitchFamily="18" charset="0"/>
-                <a:cs typeface="Times New Roman" panose="02020603050405020304" pitchFamily="18" charset="0"/>
-              </a:rPr>
-              <a:t>Il Service di </a:t>
-            </a:r>
-            <a:r>
-              <a:rPr lang="it-IT" sz="4800" b="1" dirty="0" err="1" smtClean="0">
-                <a:solidFill>
-                  <a:schemeClr val="accent5"/>
-                </a:solidFill>
-                <a:latin typeface="Times New Roman" panose="02020603050405020304" pitchFamily="18" charset="0"/>
-                <a:cs typeface="Times New Roman" panose="02020603050405020304" pitchFamily="18" charset="0"/>
-              </a:rPr>
-              <a:t>WiChat</a:t>
-            </a:r>
-            <a:endParaRPr lang="it-IT" sz="4800" b="1" dirty="0">
-              <a:solidFill>
-                <a:schemeClr val="accent5"/>
-              </a:solidFill>
-              <a:latin typeface="Times New Roman" panose="02020603050405020304" pitchFamily="18" charset="0"/>
-              <a:cs typeface="Times New Roman" panose="02020603050405020304" pitchFamily="18" charset="0"/>
-            </a:endParaRPr>
-          </a:p>
-        </p:txBody>
-      </p:sp>
-      <p:sp>
-        <p:nvSpPr>
-          <p:cNvPr id="3" name="Segnaposto contenuto 2"/>
-          <p:cNvSpPr>
-            <a:spLocks noGrp="1"/>
-          </p:cNvSpPr>
-          <p:nvPr>
-            <p:ph idx="1"/>
-          </p:nvPr>
-        </p:nvSpPr>
-        <p:spPr>
-          <a:xfrm>
-            <a:off x="254000" y="1825624"/>
-            <a:ext cx="11684000" cy="4702175"/>
-          </a:xfrm>
-        </p:spPr>
-        <p:txBody>
-          <a:bodyPr/>
-          <a:lstStyle/>
-          <a:p>
-            <a:r>
-              <a:rPr lang="it-IT" dirty="0" err="1" smtClean="0">
-                <a:solidFill>
-                  <a:schemeClr val="bg1"/>
-                </a:solidFill>
-                <a:effectLst>
-                  <a:outerShdw blurRad="38100" dist="38100" dir="2700000" algn="tl">
-                    <a:srgbClr val="000000">
-                      <a:alpha val="43137"/>
-                    </a:srgbClr>
-                  </a:outerShdw>
-                </a:effectLst>
-              </a:rPr>
-              <a:t>WiChat</a:t>
-            </a:r>
-            <a:r>
-              <a:rPr lang="it-IT" dirty="0" smtClean="0">
-                <a:solidFill>
-                  <a:schemeClr val="bg1"/>
-                </a:solidFill>
-                <a:effectLst>
-                  <a:outerShdw blurRad="38100" dist="38100" dir="2700000" algn="tl">
-                    <a:srgbClr val="000000">
-                      <a:alpha val="43137"/>
-                    </a:srgbClr>
-                  </a:outerShdw>
-                </a:effectLst>
-              </a:rPr>
-              <a:t> possiede un componente Service (di tipo </a:t>
-            </a:r>
-            <a:r>
-              <a:rPr lang="it-IT" dirty="0" err="1" smtClean="0">
-                <a:solidFill>
-                  <a:schemeClr val="bg1"/>
-                </a:solidFill>
-                <a:effectLst>
-                  <a:outerShdw blurRad="38100" dist="38100" dir="2700000" algn="tl">
-                    <a:srgbClr val="000000">
-                      <a:alpha val="43137"/>
-                    </a:srgbClr>
-                  </a:outerShdw>
-                </a:effectLst>
-              </a:rPr>
-              <a:t>started</a:t>
-            </a:r>
-            <a:r>
-              <a:rPr lang="it-IT" dirty="0" smtClean="0">
-                <a:solidFill>
-                  <a:schemeClr val="bg1"/>
-                </a:solidFill>
-                <a:effectLst>
-                  <a:outerShdw blurRad="38100" dist="38100" dir="2700000" algn="tl">
-                    <a:srgbClr val="000000">
-                      <a:alpha val="43137"/>
-                    </a:srgbClr>
-                  </a:outerShdw>
-                </a:effectLst>
-              </a:rPr>
-              <a:t>) che rappresenta il cuore dell’applicazione.</a:t>
-            </a:r>
-          </a:p>
-          <a:p>
-            <a:r>
-              <a:rPr lang="it-IT" dirty="0" smtClean="0">
-                <a:solidFill>
-                  <a:schemeClr val="bg1"/>
-                </a:solidFill>
-                <a:effectLst>
-                  <a:outerShdw blurRad="38100" dist="38100" dir="2700000" algn="tl">
-                    <a:srgbClr val="000000">
-                      <a:alpha val="43137"/>
-                    </a:srgbClr>
-                  </a:outerShdw>
-                </a:effectLst>
-              </a:rPr>
-              <a:t>Esso si occupa della gestione delle funzionalità fornite dall’API del Wi-Fi Direct di </a:t>
-            </a:r>
-            <a:r>
-              <a:rPr lang="it-IT" dirty="0" err="1" smtClean="0">
-                <a:solidFill>
-                  <a:schemeClr val="bg1"/>
-                </a:solidFill>
-                <a:effectLst>
-                  <a:outerShdw blurRad="38100" dist="38100" dir="2700000" algn="tl">
-                    <a:srgbClr val="000000">
-                      <a:alpha val="43137"/>
-                    </a:srgbClr>
-                  </a:outerShdw>
-                </a:effectLst>
-              </a:rPr>
-              <a:t>Android</a:t>
-            </a:r>
-            <a:r>
-              <a:rPr lang="it-IT" dirty="0" smtClean="0">
-                <a:solidFill>
-                  <a:schemeClr val="bg1"/>
-                </a:solidFill>
-                <a:effectLst>
-                  <a:outerShdw blurRad="38100" dist="38100" dir="2700000" algn="tl">
-                    <a:srgbClr val="000000">
-                      <a:alpha val="43137"/>
-                    </a:srgbClr>
-                  </a:outerShdw>
-                </a:effectLst>
-              </a:rPr>
-              <a:t>.</a:t>
-            </a:r>
-          </a:p>
-          <a:p>
-            <a:r>
-              <a:rPr lang="it-IT" dirty="0" smtClean="0">
-                <a:solidFill>
-                  <a:schemeClr val="bg1"/>
-                </a:solidFill>
-                <a:effectLst>
-                  <a:outerShdw blurRad="38100" dist="38100" dir="2700000" algn="tl">
-                    <a:srgbClr val="000000">
-                      <a:alpha val="43137"/>
-                    </a:srgbClr>
-                  </a:outerShdw>
-                </a:effectLst>
-              </a:rPr>
-              <a:t>Esso si occupa, in particolare, di rendere il dispositivo in uso visibile ai dispositivi nelle vicinanze, rilevare tali dispositivi, connettersi ad essi, inviare e ricevere i messaggi.</a:t>
-            </a:r>
-          </a:p>
-          <a:p>
-            <a:r>
-              <a:rPr lang="it-IT" dirty="0" smtClean="0">
-                <a:solidFill>
-                  <a:schemeClr val="bg1"/>
-                </a:solidFill>
-                <a:effectLst>
-                  <a:outerShdw blurRad="38100" dist="38100" dir="2700000" algn="tl">
-                    <a:srgbClr val="000000">
-                      <a:alpha val="43137"/>
-                    </a:srgbClr>
-                  </a:outerShdw>
-                </a:effectLst>
-              </a:rPr>
-              <a:t>Tale Service viene avviato quando il dispositivo in uso viene acceso, grazie ad un Broadcast </a:t>
-            </a:r>
-            <a:r>
-              <a:rPr lang="it-IT" dirty="0" err="1" smtClean="0">
-                <a:solidFill>
-                  <a:schemeClr val="bg1"/>
-                </a:solidFill>
-                <a:effectLst>
-                  <a:outerShdw blurRad="38100" dist="38100" dir="2700000" algn="tl">
-                    <a:srgbClr val="000000">
-                      <a:alpha val="43137"/>
-                    </a:srgbClr>
-                  </a:outerShdw>
-                </a:effectLst>
-              </a:rPr>
-              <a:t>Receiver</a:t>
-            </a:r>
-            <a:r>
-              <a:rPr lang="it-IT" dirty="0" smtClean="0">
-                <a:solidFill>
-                  <a:schemeClr val="bg1"/>
-                </a:solidFill>
-                <a:effectLst>
-                  <a:outerShdw blurRad="38100" dist="38100" dir="2700000" algn="tl">
-                    <a:srgbClr val="000000">
-                      <a:alpha val="43137"/>
-                    </a:srgbClr>
-                  </a:outerShdw>
-                </a:effectLst>
-              </a:rPr>
-              <a:t> che si mette in ascolto dell’</a:t>
-            </a:r>
-            <a:r>
-              <a:rPr lang="it-IT" dirty="0" err="1" smtClean="0">
-                <a:solidFill>
-                  <a:schemeClr val="bg1"/>
-                </a:solidFill>
-                <a:effectLst>
-                  <a:outerShdw blurRad="38100" dist="38100" dir="2700000" algn="tl">
-                    <a:srgbClr val="000000">
-                      <a:alpha val="43137"/>
-                    </a:srgbClr>
-                  </a:outerShdw>
-                </a:effectLst>
-              </a:rPr>
-              <a:t>intent</a:t>
-            </a:r>
-            <a:r>
-              <a:rPr lang="it-IT" dirty="0" smtClean="0">
-                <a:solidFill>
-                  <a:schemeClr val="bg1"/>
-                </a:solidFill>
-                <a:effectLst>
-                  <a:outerShdw blurRad="38100" dist="38100" dir="2700000" algn="tl">
-                    <a:srgbClr val="000000">
-                      <a:alpha val="43137"/>
-                    </a:srgbClr>
-                  </a:outerShdw>
-                </a:effectLst>
-              </a:rPr>
-              <a:t> di accensione del dispositivo.</a:t>
-            </a:r>
-            <a:endParaRPr lang="it-IT" dirty="0">
-              <a:solidFill>
-                <a:schemeClr val="bg1"/>
-              </a:solidFill>
-              <a:effectLst>
-                <a:outerShdw blurRad="38100" dist="38100" dir="2700000" algn="tl">
-                  <a:srgbClr val="000000">
-                    <a:alpha val="43137"/>
-                  </a:srgbClr>
-                </a:outerShdw>
-              </a:effectLst>
-            </a:endParaRPr>
-          </a:p>
-        </p:txBody>
-      </p:sp>
-      <p:pic>
-        <p:nvPicPr>
-          <p:cNvPr id="4" name="Immagine 3"/>
-          <p:cNvPicPr>
-            <a:picLocks noChangeAspect="1"/>
-          </p:cNvPicPr>
-          <p:nvPr/>
-        </p:nvPicPr>
-        <p:blipFill>
-          <a:blip r:embed="rId2" cstate="print">
-            <a:extLst>
-              <a:ext uri="{28A0092B-C50C-407E-A947-70E740481C1C}">
-                <a14:useLocalDpi xmlns:a14="http://schemas.microsoft.com/office/drawing/2010/main" val="0"/>
-              </a:ext>
-            </a:extLst>
-          </a:blip>
-          <a:stretch>
-            <a:fillRect/>
-          </a:stretch>
-        </p:blipFill>
-        <p:spPr>
-          <a:xfrm>
-            <a:off x="10054886" y="217942"/>
-            <a:ext cx="1540214" cy="1540214"/>
-          </a:xfrm>
-          <a:prstGeom prst="rect">
-            <a:avLst/>
-          </a:prstGeom>
-        </p:spPr>
-      </p:pic>
-    </p:spTree>
-    <p:extLst>
-      <p:ext uri="{BB962C8B-B14F-4D97-AF65-F5344CB8AC3E}">
-        <p14:creationId xmlns:p14="http://schemas.microsoft.com/office/powerpoint/2010/main" val="1218638761"/>
-      </p:ext>
-    </p:extLst>
-  </p:cSld>
-  <p:clrMapOvr>
-    <a:masterClrMapping/>
-  </p:clrMapOvr>
-</p:sld>
-</file>
-
-<file path=ppt/slides/slide13.xml><?xml version="1.0" encoding="utf-8"?>
+<file path=ppt/slides/slide18.xml><?xml version="1.0" encoding="utf-8"?>
 <p:sld xmlns:a="http://schemas.openxmlformats.org/drawingml/2006/main" xmlns:r="http://schemas.openxmlformats.org/officeDocument/2006/relationships" xmlns:p="http://schemas.openxmlformats.org/presentationml/2006/main">
   <p:cSld>
     <p:spTree>
@@ -4538,7 +6172,41 @@
                   </a:outerShdw>
                 </a:effectLst>
               </a:rPr>
-              <a:t> Bean 4.1.2 e superiori (API </a:t>
+              <a:t> Bean 4.1.2 e superiori </a:t>
+            </a:r>
+          </a:p>
+          <a:p>
+            <a:r>
+              <a:rPr lang="it-IT" dirty="0" smtClean="0">
+                <a:solidFill>
+                  <a:schemeClr val="bg1"/>
+                </a:solidFill>
+                <a:effectLst>
+                  <a:outerShdw blurRad="38100" dist="38100" dir="2700000" algn="tl">
+                    <a:srgbClr val="000000">
+                      <a:alpha val="43137"/>
+                    </a:srgbClr>
+                  </a:outerShdw>
+                </a:effectLst>
+              </a:rPr>
+              <a:t>Utilizza il Wi-Fi Direct</a:t>
+            </a:r>
+          </a:p>
+          <a:p>
+            <a:r>
+              <a:rPr lang="it-IT" dirty="0" smtClean="0">
+                <a:solidFill>
+                  <a:schemeClr val="bg1"/>
+                </a:solidFill>
+                <a:effectLst>
+                  <a:outerShdw blurRad="38100" dist="38100" dir="2700000" algn="tl">
+                    <a:srgbClr val="000000">
+                      <a:alpha val="43137"/>
+                    </a:srgbClr>
+                  </a:outerShdw>
+                </a:effectLst>
+              </a:rPr>
+              <a:t>Supporta il </a:t>
             </a:r>
             <a:r>
               <a:rPr lang="it-IT" dirty="0" err="1" smtClean="0">
@@ -4553,7 +6221,7 @@
                   </a:outerShdw>
                 </a:effectLst>
               </a:rPr>
-              <a:t>level</a:t>
+              <a:t>Material</a:t>
             </a:r>
             <a:r>
               <a:rPr lang="it-IT" dirty="0" smtClean="0">
@@ -4568,10 +6236,23 @@
                   </a:outerShdw>
                 </a:effectLst>
               </a:rPr>
-              <a:t> 16 e superiori)</a:t>
-            </a:r>
-          </a:p>
-          <a:p>
+              <a:t> Design su dispositivi con </a:t>
+            </a:r>
+            <a:r>
+              <a:rPr lang="it-IT" dirty="0" err="1" smtClean="0">
+                <a:solidFill>
+                  <a:schemeClr val="bg1"/>
+                </a:solidFill>
+                <a:effectLst>
+                  <a:outerShdw blurRad="38100" dist="38100" dir="2700000" algn="tl">
+                    <a:srgbClr val="000000">
+                      <a:alpha val="43137"/>
+                    </a:srgbClr>
+                  </a:outerShdw>
+                </a:effectLst>
+              </a:rPr>
+              <a:t>Android</a:t>
+            </a:r>
             <a:r>
               <a:rPr lang="it-IT" dirty="0" smtClean="0">
                 <a:solidFill>
@@ -4585,114 +6266,7 @@
                   </a:outerShdw>
                 </a:effectLst>
               </a:rPr>
-              <a:t>Utilizza il Wi-Fi Direct</a:t>
-            </a:r>
-          </a:p>
-          <a:p>
-            <a:r>
-              <a:rPr lang="it-IT" dirty="0" smtClean="0">
-                <a:solidFill>
-                  <a:schemeClr val="bg1"/>
-                </a:solidFill>
-                <a:effectLst>
-                  <a:outerShdw blurRad="38100" dist="38100" dir="2700000" algn="tl">
-                    <a:srgbClr val="000000">
-                      <a:alpha val="43137"/>
-                    </a:srgbClr>
-                  </a:outerShdw>
-                </a:effectLst>
-              </a:rPr>
-              <a:t>Supporta il </a:t>
-            </a:r>
-            <a:r>
-              <a:rPr lang="it-IT" dirty="0" err="1" smtClean="0">
-                <a:solidFill>
-                  <a:schemeClr val="bg1"/>
-                </a:solidFill>
-                <a:effectLst>
-                  <a:outerShdw blurRad="38100" dist="38100" dir="2700000" algn="tl">
-                    <a:srgbClr val="000000">
-                      <a:alpha val="43137"/>
-                    </a:srgbClr>
-                  </a:outerShdw>
-                </a:effectLst>
-              </a:rPr>
-              <a:t>Material</a:t>
-            </a:r>
-            <a:r>
-              <a:rPr lang="it-IT" dirty="0" smtClean="0">
-                <a:solidFill>
-                  <a:schemeClr val="bg1"/>
-                </a:solidFill>
-                <a:effectLst>
-                  <a:outerShdw blurRad="38100" dist="38100" dir="2700000" algn="tl">
-                    <a:srgbClr val="000000">
-                      <a:alpha val="43137"/>
-                    </a:srgbClr>
-                  </a:outerShdw>
-                </a:effectLst>
-              </a:rPr>
-              <a:t> Design su dispositivi con </a:t>
-            </a:r>
-            <a:r>
-              <a:rPr lang="it-IT" dirty="0" err="1" smtClean="0">
-                <a:solidFill>
-                  <a:schemeClr val="bg1"/>
-                </a:solidFill>
-                <a:effectLst>
-                  <a:outerShdw blurRad="38100" dist="38100" dir="2700000" algn="tl">
-                    <a:srgbClr val="000000">
-                      <a:alpha val="43137"/>
-                    </a:srgbClr>
-                  </a:outerShdw>
-                </a:effectLst>
-              </a:rPr>
-              <a:t>Android</a:t>
-            </a:r>
-            <a:r>
-              <a:rPr lang="it-IT" dirty="0" smtClean="0">
-                <a:solidFill>
-                  <a:schemeClr val="bg1"/>
-                </a:solidFill>
-                <a:effectLst>
-                  <a:outerShdw blurRad="38100" dist="38100" dir="2700000" algn="tl">
-                    <a:srgbClr val="000000">
-                      <a:alpha val="43137"/>
-                    </a:srgbClr>
-                  </a:outerShdw>
-                </a:effectLst>
-              </a:rPr>
-              <a:t> Lollipop 5.0 e superiori (API </a:t>
-            </a:r>
-            <a:r>
-              <a:rPr lang="it-IT" dirty="0" err="1" smtClean="0">
-                <a:solidFill>
-                  <a:schemeClr val="bg1"/>
-                </a:solidFill>
-                <a:effectLst>
-                  <a:outerShdw blurRad="38100" dist="38100" dir="2700000" algn="tl">
-                    <a:srgbClr val="000000">
-                      <a:alpha val="43137"/>
-                    </a:srgbClr>
-                  </a:outerShdw>
-                </a:effectLst>
-              </a:rPr>
-              <a:t>level</a:t>
-            </a:r>
-            <a:r>
-              <a:rPr lang="it-IT" dirty="0" smtClean="0">
-                <a:solidFill>
-                  <a:schemeClr val="bg1"/>
-                </a:solidFill>
-                <a:effectLst>
-                  <a:outerShdw blurRad="38100" dist="38100" dir="2700000" algn="tl">
-                    <a:srgbClr val="000000">
-                      <a:alpha val="43137"/>
-                    </a:srgbClr>
-                  </a:outerShdw>
-                </a:effectLst>
-              </a:rPr>
-              <a:t> 21 e superiori)</a:t>
+              <a:t> Lollipop 5.0 e superiori</a:t>
             </a:r>
           </a:p>
           <a:p>
@@ -4822,6 +6396,1830 @@
                 <a:latin typeface="Times New Roman" panose="02020603050405020304" pitchFamily="18" charset="0"/>
                 <a:cs typeface="Times New Roman" panose="02020603050405020304" pitchFamily="18" charset="0"/>
               </a:rPr>
+              <a:t>Componenti principali di </a:t>
+            </a:r>
+            <a:r>
+              <a:rPr lang="it-IT" sz="4800" b="1" dirty="0" err="1" smtClean="0">
+                <a:solidFill>
+                  <a:schemeClr val="accent5"/>
+                </a:solidFill>
+                <a:latin typeface="Times New Roman" panose="02020603050405020304" pitchFamily="18" charset="0"/>
+                <a:cs typeface="Times New Roman" panose="02020603050405020304" pitchFamily="18" charset="0"/>
+              </a:rPr>
+              <a:t>WiChat</a:t>
+            </a:r>
+            <a:endParaRPr lang="it-IT" sz="4800" b="1" dirty="0">
+              <a:solidFill>
+                <a:schemeClr val="accent5"/>
+              </a:solidFill>
+              <a:latin typeface="Times New Roman" panose="02020603050405020304" pitchFamily="18" charset="0"/>
+              <a:cs typeface="Times New Roman" panose="02020603050405020304" pitchFamily="18" charset="0"/>
+            </a:endParaRPr>
+          </a:p>
+        </p:txBody>
+      </p:sp>
+      <p:sp>
+        <p:nvSpPr>
+          <p:cNvPr id="3" name="Segnaposto contenuto 2"/>
+          <p:cNvSpPr>
+            <a:spLocks noGrp="1"/>
+          </p:cNvSpPr>
+          <p:nvPr>
+            <p:ph idx="1"/>
+          </p:nvPr>
+        </p:nvSpPr>
+        <p:spPr/>
+        <p:txBody>
+          <a:bodyPr/>
+          <a:lstStyle/>
+          <a:p>
+            <a:pPr marL="0" indent="0" algn="ctr">
+              <a:buNone/>
+            </a:pPr>
+            <a:r>
+              <a:rPr lang="it-IT" dirty="0" smtClean="0">
+                <a:solidFill>
+                  <a:schemeClr val="bg1"/>
+                </a:solidFill>
+                <a:effectLst>
+                  <a:outerShdw blurRad="38100" dist="38100" dir="2700000" algn="tl">
+                    <a:srgbClr val="000000">
+                      <a:alpha val="43137"/>
+                    </a:srgbClr>
+                  </a:outerShdw>
+                </a:effectLst>
+              </a:rPr>
+              <a:t>Back-end:</a:t>
+            </a:r>
+            <a:endParaRPr lang="it-IT" dirty="0">
+              <a:solidFill>
+                <a:schemeClr val="bg1"/>
+              </a:solidFill>
+              <a:effectLst>
+                <a:outerShdw blurRad="38100" dist="38100" dir="2700000" algn="tl">
+                  <a:srgbClr val="000000">
+                    <a:alpha val="43137"/>
+                  </a:srgbClr>
+                </a:outerShdw>
+              </a:effectLst>
+            </a:endParaRPr>
+          </a:p>
+        </p:txBody>
+      </p:sp>
+      <p:pic>
+        <p:nvPicPr>
+          <p:cNvPr id="4" name="Immagine 3"/>
+          <p:cNvPicPr>
+            <a:picLocks noChangeAspect="1"/>
+          </p:cNvPicPr>
+          <p:nvPr/>
+        </p:nvPicPr>
+        <p:blipFill>
+          <a:blip r:embed="rId3" cstate="print">
+            <a:extLst>
+              <a:ext uri="{28A0092B-C50C-407E-A947-70E740481C1C}">
+                <a14:useLocalDpi xmlns:a14="http://schemas.microsoft.com/office/drawing/2010/main" val="0"/>
+              </a:ext>
+            </a:extLst>
+          </a:blip>
+          <a:stretch>
+            <a:fillRect/>
+          </a:stretch>
+        </p:blipFill>
+        <p:spPr>
+          <a:xfrm>
+            <a:off x="2247217" y="2195033"/>
+            <a:ext cx="1283041" cy="1283041"/>
+          </a:xfrm>
+          <a:prstGeom prst="rect">
+            <a:avLst/>
+          </a:prstGeom>
+        </p:spPr>
+      </p:pic>
+      <p:sp>
+        <p:nvSpPr>
+          <p:cNvPr id="5" name="CasellaDiTesto 4"/>
+          <p:cNvSpPr txBox="1"/>
+          <p:nvPr/>
+        </p:nvSpPr>
+        <p:spPr>
+          <a:xfrm>
+            <a:off x="1688587" y="3478074"/>
+            <a:ext cx="2400300" cy="461665"/>
+          </a:xfrm>
+          <a:prstGeom prst="rect">
+            <a:avLst/>
+          </a:prstGeom>
+          <a:noFill/>
+        </p:spPr>
+        <p:txBody>
+          <a:bodyPr wrap="square" rtlCol="0">
+            <a:spAutoFit/>
+          </a:bodyPr>
+          <a:lstStyle/>
+          <a:p>
+            <a:pPr algn="ctr"/>
+            <a:r>
+              <a:rPr lang="it-IT" sz="2400" dirty="0" err="1" smtClean="0">
+                <a:solidFill>
+                  <a:schemeClr val="bg1"/>
+                </a:solidFill>
+                <a:effectLst>
+                  <a:outerShdw blurRad="38100" dist="38100" dir="2700000" algn="tl">
+                    <a:srgbClr val="000000">
+                      <a:alpha val="43137"/>
+                    </a:srgbClr>
+                  </a:outerShdw>
+                </a:effectLst>
+              </a:rPr>
+              <a:t>WiChatService</a:t>
+            </a:r>
+            <a:endParaRPr lang="it-IT" sz="2400" dirty="0">
+              <a:solidFill>
+                <a:schemeClr val="bg1"/>
+              </a:solidFill>
+              <a:effectLst>
+                <a:outerShdw blurRad="38100" dist="38100" dir="2700000" algn="tl">
+                  <a:srgbClr val="000000">
+                    <a:alpha val="43137"/>
+                  </a:srgbClr>
+                </a:outerShdw>
+              </a:effectLst>
+            </a:endParaRPr>
+          </a:p>
+        </p:txBody>
+      </p:sp>
+      <p:pic>
+        <p:nvPicPr>
+          <p:cNvPr id="6" name="Immagine 5"/>
+          <p:cNvPicPr>
+            <a:picLocks noChangeAspect="1"/>
+          </p:cNvPicPr>
+          <p:nvPr/>
+        </p:nvPicPr>
+        <p:blipFill>
+          <a:blip r:embed="rId4" cstate="print">
+            <a:extLst>
+              <a:ext uri="{28A0092B-C50C-407E-A947-70E740481C1C}">
+                <a14:useLocalDpi xmlns:a14="http://schemas.microsoft.com/office/drawing/2010/main" val="0"/>
+              </a:ext>
+            </a:extLst>
+          </a:blip>
+          <a:stretch>
+            <a:fillRect/>
+          </a:stretch>
+        </p:blipFill>
+        <p:spPr>
+          <a:xfrm>
+            <a:off x="5530850" y="2271403"/>
+            <a:ext cx="1130300" cy="1130300"/>
+          </a:xfrm>
+          <a:prstGeom prst="rect">
+            <a:avLst/>
+          </a:prstGeom>
+        </p:spPr>
+      </p:pic>
+      <p:sp>
+        <p:nvSpPr>
+          <p:cNvPr id="7" name="CasellaDiTesto 6"/>
+          <p:cNvSpPr txBox="1"/>
+          <p:nvPr/>
+        </p:nvSpPr>
+        <p:spPr>
+          <a:xfrm>
+            <a:off x="5003800" y="3484285"/>
+            <a:ext cx="2184400" cy="461665"/>
+          </a:xfrm>
+          <a:prstGeom prst="rect">
+            <a:avLst/>
+          </a:prstGeom>
+          <a:noFill/>
+        </p:spPr>
+        <p:txBody>
+          <a:bodyPr wrap="square" rtlCol="0">
+            <a:spAutoFit/>
+          </a:bodyPr>
+          <a:lstStyle/>
+          <a:p>
+            <a:pPr algn="ctr"/>
+            <a:r>
+              <a:rPr lang="it-IT" sz="2400" dirty="0" err="1" smtClean="0">
+                <a:solidFill>
+                  <a:schemeClr val="bg1"/>
+                </a:solidFill>
+                <a:effectLst>
+                  <a:outerShdw blurRad="38100" dist="38100" dir="2700000" algn="tl">
+                    <a:srgbClr val="000000">
+                      <a:alpha val="43137"/>
+                    </a:srgbClr>
+                  </a:outerShdw>
+                </a:effectLst>
+              </a:rPr>
+              <a:t>BootReceiver</a:t>
+            </a:r>
+            <a:endParaRPr lang="it-IT" sz="2400" dirty="0">
+              <a:solidFill>
+                <a:schemeClr val="bg1"/>
+              </a:solidFill>
+              <a:effectLst>
+                <a:outerShdw blurRad="38100" dist="38100" dir="2700000" algn="tl">
+                  <a:srgbClr val="000000">
+                    <a:alpha val="43137"/>
+                  </a:srgbClr>
+                </a:outerShdw>
+              </a:effectLst>
+            </a:endParaRPr>
+          </a:p>
+        </p:txBody>
+      </p:sp>
+      <p:sp>
+        <p:nvSpPr>
+          <p:cNvPr id="9" name="CasellaDiTesto 8"/>
+          <p:cNvSpPr txBox="1"/>
+          <p:nvPr/>
+        </p:nvSpPr>
+        <p:spPr>
+          <a:xfrm>
+            <a:off x="7772230" y="3478074"/>
+            <a:ext cx="4140200" cy="461665"/>
+          </a:xfrm>
+          <a:prstGeom prst="rect">
+            <a:avLst/>
+          </a:prstGeom>
+          <a:noFill/>
+        </p:spPr>
+        <p:txBody>
+          <a:bodyPr wrap="square" rtlCol="0">
+            <a:spAutoFit/>
+          </a:bodyPr>
+          <a:lstStyle/>
+          <a:p>
+            <a:pPr algn="ctr"/>
+            <a:r>
+              <a:rPr lang="it-IT" sz="2400" dirty="0" smtClean="0">
+                <a:solidFill>
+                  <a:schemeClr val="bg1"/>
+                </a:solidFill>
+                <a:effectLst>
+                  <a:outerShdw blurRad="38100" dist="38100" dir="2700000" algn="tl">
+                    <a:srgbClr val="000000">
+                      <a:alpha val="43137"/>
+                    </a:srgbClr>
+                  </a:outerShdw>
+                </a:effectLst>
+              </a:rPr>
+              <a:t>WifiP2pBroadcastReceiver</a:t>
+            </a:r>
+            <a:endParaRPr lang="it-IT" sz="2400" dirty="0">
+              <a:solidFill>
+                <a:schemeClr val="bg1"/>
+              </a:solidFill>
+              <a:effectLst>
+                <a:outerShdw blurRad="38100" dist="38100" dir="2700000" algn="tl">
+                  <a:srgbClr val="000000">
+                    <a:alpha val="43137"/>
+                  </a:srgbClr>
+                </a:outerShdw>
+              </a:effectLst>
+            </a:endParaRPr>
+          </a:p>
+        </p:txBody>
+      </p:sp>
+      <p:sp>
+        <p:nvSpPr>
+          <p:cNvPr id="10" name="CasellaDiTesto 9"/>
+          <p:cNvSpPr txBox="1"/>
+          <p:nvPr/>
+        </p:nvSpPr>
+        <p:spPr>
+          <a:xfrm>
+            <a:off x="5229225" y="4080887"/>
+            <a:ext cx="1733550" cy="523220"/>
+          </a:xfrm>
+          <a:prstGeom prst="rect">
+            <a:avLst/>
+          </a:prstGeom>
+          <a:noFill/>
+        </p:spPr>
+        <p:txBody>
+          <a:bodyPr wrap="square" rtlCol="0">
+            <a:spAutoFit/>
+          </a:bodyPr>
+          <a:lstStyle/>
+          <a:p>
+            <a:pPr algn="ctr"/>
+            <a:r>
+              <a:rPr lang="it-IT" sz="2800" dirty="0" smtClean="0">
+                <a:solidFill>
+                  <a:schemeClr val="bg1"/>
+                </a:solidFill>
+                <a:effectLst>
+                  <a:outerShdw blurRad="38100" dist="38100" dir="2700000" algn="tl">
+                    <a:srgbClr val="000000">
+                      <a:alpha val="43137"/>
+                    </a:srgbClr>
+                  </a:outerShdw>
+                </a:effectLst>
+              </a:rPr>
+              <a:t>Front-end:</a:t>
+            </a:r>
+            <a:endParaRPr lang="it-IT" sz="2800" dirty="0">
+              <a:solidFill>
+                <a:schemeClr val="bg1"/>
+              </a:solidFill>
+              <a:effectLst>
+                <a:outerShdw blurRad="38100" dist="38100" dir="2700000" algn="tl">
+                  <a:srgbClr val="000000">
+                    <a:alpha val="43137"/>
+                  </a:srgbClr>
+                </a:outerShdw>
+              </a:effectLst>
+            </a:endParaRPr>
+          </a:p>
+        </p:txBody>
+      </p:sp>
+      <p:pic>
+        <p:nvPicPr>
+          <p:cNvPr id="11" name="Immagine 10"/>
+          <p:cNvPicPr>
+            <a:picLocks noChangeAspect="1"/>
+          </p:cNvPicPr>
+          <p:nvPr/>
+        </p:nvPicPr>
+        <p:blipFill>
+          <a:blip r:embed="rId5">
+            <a:extLst>
+              <a:ext uri="{28A0092B-C50C-407E-A947-70E740481C1C}">
+                <a14:useLocalDpi xmlns:a14="http://schemas.microsoft.com/office/drawing/2010/main" val="0"/>
+              </a:ext>
+            </a:extLst>
+          </a:blip>
+          <a:stretch>
+            <a:fillRect/>
+          </a:stretch>
+        </p:blipFill>
+        <p:spPr>
+          <a:xfrm>
+            <a:off x="2196759" y="4561470"/>
+            <a:ext cx="1230884" cy="1230884"/>
+          </a:xfrm>
+          <a:prstGeom prst="rect">
+            <a:avLst/>
+          </a:prstGeom>
+        </p:spPr>
+      </p:pic>
+      <p:sp>
+        <p:nvSpPr>
+          <p:cNvPr id="12" name="CasellaDiTesto 11"/>
+          <p:cNvSpPr txBox="1"/>
+          <p:nvPr/>
+        </p:nvSpPr>
+        <p:spPr>
+          <a:xfrm>
+            <a:off x="1218351" y="5792354"/>
+            <a:ext cx="3187700" cy="461665"/>
+          </a:xfrm>
+          <a:prstGeom prst="rect">
+            <a:avLst/>
+          </a:prstGeom>
+          <a:noFill/>
+        </p:spPr>
+        <p:txBody>
+          <a:bodyPr wrap="square" rtlCol="0">
+            <a:spAutoFit/>
+          </a:bodyPr>
+          <a:lstStyle/>
+          <a:p>
+            <a:pPr algn="ctr"/>
+            <a:r>
+              <a:rPr lang="it-IT" sz="2400" dirty="0" err="1" smtClean="0">
+                <a:solidFill>
+                  <a:schemeClr val="bg1"/>
+                </a:solidFill>
+                <a:effectLst>
+                  <a:outerShdw blurRad="38100" dist="38100" dir="2700000" algn="tl">
+                    <a:srgbClr val="000000">
+                      <a:alpha val="43137"/>
+                    </a:srgbClr>
+                  </a:outerShdw>
+                </a:effectLst>
+              </a:rPr>
+              <a:t>ConversationListActivity</a:t>
+            </a:r>
+            <a:endParaRPr lang="it-IT" sz="2400" dirty="0">
+              <a:solidFill>
+                <a:schemeClr val="bg1"/>
+              </a:solidFill>
+              <a:effectLst>
+                <a:outerShdw blurRad="38100" dist="38100" dir="2700000" algn="tl">
+                  <a:srgbClr val="000000">
+                    <a:alpha val="43137"/>
+                  </a:srgbClr>
+                </a:outerShdw>
+              </a:effectLst>
+            </a:endParaRPr>
+          </a:p>
+        </p:txBody>
+      </p:sp>
+      <p:sp>
+        <p:nvSpPr>
+          <p:cNvPr id="14" name="CasellaDiTesto 13"/>
+          <p:cNvSpPr txBox="1"/>
+          <p:nvPr/>
+        </p:nvSpPr>
+        <p:spPr>
+          <a:xfrm>
+            <a:off x="4386461" y="5782766"/>
+            <a:ext cx="3486150" cy="461665"/>
+          </a:xfrm>
+          <a:prstGeom prst="rect">
+            <a:avLst/>
+          </a:prstGeom>
+          <a:noFill/>
+        </p:spPr>
+        <p:txBody>
+          <a:bodyPr wrap="square" rtlCol="0">
+            <a:spAutoFit/>
+          </a:bodyPr>
+          <a:lstStyle/>
+          <a:p>
+            <a:r>
+              <a:rPr lang="it-IT" sz="2400" dirty="0" err="1" smtClean="0">
+                <a:solidFill>
+                  <a:schemeClr val="bg1"/>
+                </a:solidFill>
+                <a:effectLst>
+                  <a:outerShdw blurRad="38100" dist="38100" dir="2700000" algn="tl">
+                    <a:srgbClr val="000000">
+                      <a:alpha val="43137"/>
+                    </a:srgbClr>
+                  </a:outerShdw>
+                </a:effectLst>
+              </a:rPr>
+              <a:t>ConversationDetailActivity</a:t>
+            </a:r>
+            <a:endParaRPr lang="it-IT" sz="2400" dirty="0">
+              <a:solidFill>
+                <a:schemeClr val="bg1"/>
+              </a:solidFill>
+              <a:effectLst>
+                <a:outerShdw blurRad="38100" dist="38100" dir="2700000" algn="tl">
+                  <a:srgbClr val="000000">
+                    <a:alpha val="43137"/>
+                  </a:srgbClr>
+                </a:outerShdw>
+              </a:effectLst>
+            </a:endParaRPr>
+          </a:p>
+        </p:txBody>
+      </p:sp>
+      <p:pic>
+        <p:nvPicPr>
+          <p:cNvPr id="17" name="Immagine 16"/>
+          <p:cNvPicPr>
+            <a:picLocks noChangeAspect="1"/>
+          </p:cNvPicPr>
+          <p:nvPr/>
+        </p:nvPicPr>
+        <p:blipFill>
+          <a:blip r:embed="rId6" cstate="print">
+            <a:extLst>
+              <a:ext uri="{28A0092B-C50C-407E-A947-70E740481C1C}">
+                <a14:useLocalDpi xmlns:a14="http://schemas.microsoft.com/office/drawing/2010/main" val="0"/>
+              </a:ext>
+            </a:extLst>
+          </a:blip>
+          <a:stretch>
+            <a:fillRect/>
+          </a:stretch>
+        </p:blipFill>
+        <p:spPr>
+          <a:xfrm>
+            <a:off x="9188792" y="2195033"/>
+            <a:ext cx="1325329" cy="1325329"/>
+          </a:xfrm>
+          <a:prstGeom prst="rect">
+            <a:avLst/>
+          </a:prstGeom>
+        </p:spPr>
+      </p:pic>
+      <p:pic>
+        <p:nvPicPr>
+          <p:cNvPr id="21" name="Immagine 20"/>
+          <p:cNvPicPr>
+            <a:picLocks noChangeAspect="1"/>
+          </p:cNvPicPr>
+          <p:nvPr/>
+        </p:nvPicPr>
+        <p:blipFill>
+          <a:blip r:embed="rId7"/>
+          <a:stretch>
+            <a:fillRect/>
+          </a:stretch>
+        </p:blipFill>
+        <p:spPr>
+          <a:xfrm>
+            <a:off x="8610831" y="4607030"/>
+            <a:ext cx="1231499" cy="1231499"/>
+          </a:xfrm>
+          <a:prstGeom prst="rect">
+            <a:avLst/>
+          </a:prstGeom>
+        </p:spPr>
+      </p:pic>
+      <p:pic>
+        <p:nvPicPr>
+          <p:cNvPr id="22" name="Immagine 21"/>
+          <p:cNvPicPr>
+            <a:picLocks noChangeAspect="1"/>
+          </p:cNvPicPr>
+          <p:nvPr/>
+        </p:nvPicPr>
+        <p:blipFill>
+          <a:blip r:embed="rId8" cstate="print">
+            <a:extLst>
+              <a:ext uri="{28A0092B-C50C-407E-A947-70E740481C1C}">
+                <a14:useLocalDpi xmlns:a14="http://schemas.microsoft.com/office/drawing/2010/main" val="0"/>
+              </a:ext>
+            </a:extLst>
+          </a:blip>
+          <a:stretch>
+            <a:fillRect/>
+          </a:stretch>
+        </p:blipFill>
+        <p:spPr>
+          <a:xfrm>
+            <a:off x="9824609" y="4795860"/>
+            <a:ext cx="853114" cy="853114"/>
+          </a:xfrm>
+          <a:prstGeom prst="rect">
+            <a:avLst/>
+          </a:prstGeom>
+        </p:spPr>
+      </p:pic>
+      <p:sp>
+        <p:nvSpPr>
+          <p:cNvPr id="23" name="Rettangolo arrotondato 22"/>
+          <p:cNvSpPr/>
+          <p:nvPr/>
+        </p:nvSpPr>
+        <p:spPr>
+          <a:xfrm>
+            <a:off x="9694632" y="4699000"/>
+            <a:ext cx="1113068" cy="1083766"/>
+          </a:xfrm>
+          <a:prstGeom prst="roundRect">
+            <a:avLst/>
+          </a:prstGeom>
+          <a:noFill/>
+          <a:ln w="38100">
+            <a:solidFill>
+              <a:schemeClr val="tx1"/>
+            </a:solidFill>
+          </a:ln>
+        </p:spPr>
+        <p:style>
+          <a:lnRef idx="2">
+            <a:schemeClr val="accent6"/>
+          </a:lnRef>
+          <a:fillRef idx="1">
+            <a:schemeClr val="lt1"/>
+          </a:fillRef>
+          <a:effectRef idx="0">
+            <a:schemeClr val="accent6"/>
+          </a:effectRef>
+          <a:fontRef idx="minor">
+            <a:schemeClr val="dk1"/>
+          </a:fontRef>
+        </p:style>
+        <p:txBody>
+          <a:bodyPr rtlCol="0" anchor="ctr"/>
+          <a:lstStyle/>
+          <a:p>
+            <a:pPr algn="ctr"/>
+            <a:endParaRPr lang="it-IT"/>
+          </a:p>
+        </p:txBody>
+      </p:sp>
+      <p:pic>
+        <p:nvPicPr>
+          <p:cNvPr id="24" name="Immagine 23"/>
+          <p:cNvPicPr>
+            <a:picLocks noChangeAspect="1"/>
+          </p:cNvPicPr>
+          <p:nvPr/>
+        </p:nvPicPr>
+        <p:blipFill>
+          <a:blip r:embed="rId8">
+            <a:extLst>
+              <a:ext uri="{28A0092B-C50C-407E-A947-70E740481C1C}">
+                <a14:useLocalDpi xmlns:a14="http://schemas.microsoft.com/office/drawing/2010/main" val="0"/>
+              </a:ext>
+            </a:extLst>
+          </a:blip>
+          <a:stretch>
+            <a:fillRect/>
+          </a:stretch>
+        </p:blipFill>
+        <p:spPr>
+          <a:xfrm>
+            <a:off x="5538476" y="4481058"/>
+            <a:ext cx="1281424" cy="1281424"/>
+          </a:xfrm>
+          <a:prstGeom prst="rect">
+            <a:avLst/>
+          </a:prstGeom>
+        </p:spPr>
+      </p:pic>
+      <p:sp>
+        <p:nvSpPr>
+          <p:cNvPr id="25" name="CasellaDiTesto 24"/>
+          <p:cNvSpPr txBox="1"/>
+          <p:nvPr/>
+        </p:nvSpPr>
+        <p:spPr>
+          <a:xfrm>
+            <a:off x="7959241" y="5792354"/>
+            <a:ext cx="3784430" cy="461665"/>
+          </a:xfrm>
+          <a:prstGeom prst="rect">
+            <a:avLst/>
+          </a:prstGeom>
+          <a:noFill/>
+        </p:spPr>
+        <p:txBody>
+          <a:bodyPr wrap="square" rtlCol="0">
+            <a:spAutoFit/>
+          </a:bodyPr>
+          <a:lstStyle/>
+          <a:p>
+            <a:r>
+              <a:rPr lang="it-IT" sz="2400" dirty="0" err="1" smtClean="0">
+                <a:solidFill>
+                  <a:schemeClr val="bg1"/>
+                </a:solidFill>
+                <a:effectLst>
+                  <a:outerShdw blurRad="38100" dist="38100" dir="2700000" algn="tl">
+                    <a:srgbClr val="000000">
+                      <a:alpha val="43137"/>
+                    </a:srgbClr>
+                  </a:outerShdw>
+                </a:effectLst>
+              </a:rPr>
+              <a:t>ConversationDetailFragment</a:t>
+            </a:r>
+            <a:endParaRPr lang="it-IT" sz="2400" dirty="0">
+              <a:solidFill>
+                <a:schemeClr val="bg1"/>
+              </a:solidFill>
+              <a:effectLst>
+                <a:outerShdw blurRad="38100" dist="38100" dir="2700000" algn="tl">
+                  <a:srgbClr val="000000">
+                    <a:alpha val="43137"/>
+                  </a:srgbClr>
+                </a:outerShdw>
+              </a:effectLst>
+            </a:endParaRPr>
+          </a:p>
+        </p:txBody>
+      </p:sp>
+    </p:spTree>
+    <p:extLst>
+      <p:ext uri="{BB962C8B-B14F-4D97-AF65-F5344CB8AC3E}">
+        <p14:creationId xmlns:p14="http://schemas.microsoft.com/office/powerpoint/2010/main" val="1924965794"/>
+      </p:ext>
+    </p:extLst>
+  </p:cSld>
+  <p:clrMapOvr>
+    <a:masterClrMapping/>
+  </p:clrMapOvr>
+  <p:timing>
+    <p:tnLst>
+      <p:par>
+        <p:cTn id="1" dur="indefinite" restart="never" nodeType="tmRoot"/>
+      </p:par>
+    </p:tnLst>
+  </p:timing>
+</p:sld>
+</file>
+
+<file path=ppt/slides/slide4.xml><?xml version="1.0" encoding="utf-8"?>
+<p:sld xmlns:a="http://schemas.openxmlformats.org/drawingml/2006/main" xmlns:r="http://schemas.openxmlformats.org/officeDocument/2006/relationships" xmlns:p="http://schemas.openxmlformats.org/presentationml/2006/main">
+  <p:cSld>
+    <p:spTree>
+      <p:nvGrpSpPr>
+        <p:cNvPr id="1" name=""/>
+        <p:cNvGrpSpPr/>
+        <p:nvPr/>
+      </p:nvGrpSpPr>
+      <p:grpSpPr>
+        <a:xfrm>
+          <a:off x="0" y="0"/>
+          <a:ext cx="0" cy="0"/>
+          <a:chOff x="0" y="0"/>
+          <a:chExt cx="0" cy="0"/>
+        </a:xfrm>
+      </p:grpSpPr>
+      <p:sp>
+        <p:nvSpPr>
+          <p:cNvPr id="2" name="Titolo 1"/>
+          <p:cNvSpPr>
+            <a:spLocks noGrp="1"/>
+          </p:cNvSpPr>
+          <p:nvPr>
+            <p:ph type="title"/>
+          </p:nvPr>
+        </p:nvSpPr>
+        <p:spPr>
+          <a:xfrm>
+            <a:off x="876300" y="2727325"/>
+            <a:ext cx="10515600" cy="1325563"/>
+          </a:xfrm>
+        </p:spPr>
+        <p:txBody>
+          <a:bodyPr>
+            <a:normAutofit/>
+          </a:bodyPr>
+          <a:lstStyle/>
+          <a:p>
+            <a:pPr algn="ctr"/>
+            <a:r>
+              <a:rPr lang="it-IT" sz="5400" b="1" dirty="0" smtClean="0">
+                <a:solidFill>
+                  <a:schemeClr val="accent5"/>
+                </a:solidFill>
+                <a:effectLst>
+                  <a:outerShdw blurRad="38100" dist="38100" dir="2700000" algn="tl">
+                    <a:srgbClr val="000000">
+                      <a:alpha val="43137"/>
+                    </a:srgbClr>
+                  </a:outerShdw>
+                </a:effectLst>
+                <a:latin typeface="Times New Roman" panose="02020603050405020304" pitchFamily="18" charset="0"/>
+                <a:cs typeface="Times New Roman" panose="02020603050405020304" pitchFamily="18" charset="0"/>
+              </a:rPr>
+              <a:t>Componenti back-end</a:t>
+            </a:r>
+            <a:endParaRPr lang="it-IT" sz="5400" b="1" dirty="0">
+              <a:solidFill>
+                <a:schemeClr val="accent5"/>
+              </a:solidFill>
+              <a:effectLst>
+                <a:outerShdw blurRad="38100" dist="38100" dir="2700000" algn="tl">
+                  <a:srgbClr val="000000">
+                    <a:alpha val="43137"/>
+                  </a:srgbClr>
+                </a:outerShdw>
+              </a:effectLst>
+              <a:latin typeface="Times New Roman" panose="02020603050405020304" pitchFamily="18" charset="0"/>
+              <a:cs typeface="Times New Roman" panose="02020603050405020304" pitchFamily="18" charset="0"/>
+            </a:endParaRPr>
+          </a:p>
+        </p:txBody>
+      </p:sp>
+    </p:spTree>
+    <p:extLst>
+      <p:ext uri="{BB962C8B-B14F-4D97-AF65-F5344CB8AC3E}">
+        <p14:creationId xmlns:p14="http://schemas.microsoft.com/office/powerpoint/2010/main" val="2874530894"/>
+      </p:ext>
+    </p:extLst>
+  </p:cSld>
+  <p:clrMapOvr>
+    <a:masterClrMapping/>
+  </p:clrMapOvr>
+  <p:timing>
+    <p:tnLst>
+      <p:par>
+        <p:cTn id="1" dur="indefinite" restart="never" nodeType="tmRoot"/>
+      </p:par>
+    </p:tnLst>
+  </p:timing>
+</p:sld>
+</file>
+
+<file path=ppt/slides/slide5.xml><?xml version="1.0" encoding="utf-8"?>
+<p:sld xmlns:a="http://schemas.openxmlformats.org/drawingml/2006/main" xmlns:r="http://schemas.openxmlformats.org/officeDocument/2006/relationships" xmlns:p="http://schemas.openxmlformats.org/presentationml/2006/main">
+  <p:cSld>
+    <p:spTree>
+      <p:nvGrpSpPr>
+        <p:cNvPr id="1" name=""/>
+        <p:cNvGrpSpPr/>
+        <p:nvPr/>
+      </p:nvGrpSpPr>
+      <p:grpSpPr>
+        <a:xfrm>
+          <a:off x="0" y="0"/>
+          <a:ext cx="0" cy="0"/>
+          <a:chOff x="0" y="0"/>
+          <a:chExt cx="0" cy="0"/>
+        </a:xfrm>
+      </p:grpSpPr>
+      <p:sp>
+        <p:nvSpPr>
+          <p:cNvPr id="2" name="Titolo 1"/>
+          <p:cNvSpPr>
+            <a:spLocks noGrp="1"/>
+          </p:cNvSpPr>
+          <p:nvPr>
+            <p:ph type="title"/>
+          </p:nvPr>
+        </p:nvSpPr>
+        <p:spPr/>
+        <p:txBody>
+          <a:bodyPr>
+            <a:normAutofit/>
+          </a:bodyPr>
+          <a:lstStyle/>
+          <a:p>
+            <a:pPr algn="ctr"/>
+            <a:r>
+              <a:rPr lang="it-IT" sz="4800" b="1" dirty="0" err="1" smtClean="0">
+                <a:solidFill>
+                  <a:schemeClr val="accent5"/>
+                </a:solidFill>
+                <a:latin typeface="Times New Roman" panose="02020603050405020304" pitchFamily="18" charset="0"/>
+                <a:cs typeface="Times New Roman" panose="02020603050405020304" pitchFamily="18" charset="0"/>
+              </a:rPr>
+              <a:t>WiChatService</a:t>
+            </a:r>
+            <a:endParaRPr lang="it-IT" sz="4800" b="1" dirty="0">
+              <a:solidFill>
+                <a:schemeClr val="accent5"/>
+              </a:solidFill>
+              <a:latin typeface="Times New Roman" panose="02020603050405020304" pitchFamily="18" charset="0"/>
+              <a:cs typeface="Times New Roman" panose="02020603050405020304" pitchFamily="18" charset="0"/>
+            </a:endParaRPr>
+          </a:p>
+        </p:txBody>
+      </p:sp>
+      <p:sp>
+        <p:nvSpPr>
+          <p:cNvPr id="3" name="Segnaposto contenuto 2"/>
+          <p:cNvSpPr>
+            <a:spLocks noGrp="1"/>
+          </p:cNvSpPr>
+          <p:nvPr>
+            <p:ph idx="1"/>
+          </p:nvPr>
+        </p:nvSpPr>
+        <p:spPr>
+          <a:xfrm>
+            <a:off x="254000" y="1825624"/>
+            <a:ext cx="11684000" cy="4702175"/>
+          </a:xfrm>
+        </p:spPr>
+        <p:txBody>
+          <a:bodyPr/>
+          <a:lstStyle/>
+          <a:p>
+            <a:r>
+              <a:rPr lang="it-IT" dirty="0" err="1" smtClean="0">
+                <a:solidFill>
+                  <a:schemeClr val="bg1"/>
+                </a:solidFill>
+                <a:effectLst>
+                  <a:outerShdw blurRad="38100" dist="38100" dir="2700000" algn="tl">
+                    <a:srgbClr val="000000">
+                      <a:alpha val="43137"/>
+                    </a:srgbClr>
+                  </a:outerShdw>
+                </a:effectLst>
+              </a:rPr>
+              <a:t>WiChat</a:t>
+            </a:r>
+            <a:r>
+              <a:rPr lang="it-IT" dirty="0" smtClean="0">
+                <a:solidFill>
+                  <a:schemeClr val="bg1"/>
+                </a:solidFill>
+                <a:effectLst>
+                  <a:outerShdw blurRad="38100" dist="38100" dir="2700000" algn="tl">
+                    <a:srgbClr val="000000">
+                      <a:alpha val="43137"/>
+                    </a:srgbClr>
+                  </a:outerShdw>
+                </a:effectLst>
+              </a:rPr>
+              <a:t> possiede un componente Service (di tipo </a:t>
+            </a:r>
+            <a:r>
+              <a:rPr lang="it-IT" dirty="0" err="1" smtClean="0">
+                <a:solidFill>
+                  <a:schemeClr val="bg1"/>
+                </a:solidFill>
+                <a:effectLst>
+                  <a:outerShdw blurRad="38100" dist="38100" dir="2700000" algn="tl">
+                    <a:srgbClr val="000000">
+                      <a:alpha val="43137"/>
+                    </a:srgbClr>
+                  </a:outerShdw>
+                </a:effectLst>
+              </a:rPr>
+              <a:t>started</a:t>
+            </a:r>
+            <a:r>
+              <a:rPr lang="it-IT" dirty="0" smtClean="0">
+                <a:solidFill>
+                  <a:schemeClr val="bg1"/>
+                </a:solidFill>
+                <a:effectLst>
+                  <a:outerShdw blurRad="38100" dist="38100" dir="2700000" algn="tl">
+                    <a:srgbClr val="000000">
+                      <a:alpha val="43137"/>
+                    </a:srgbClr>
+                  </a:outerShdw>
+                </a:effectLst>
+              </a:rPr>
+              <a:t>) che rappresenta il cuore dell’applicazione.</a:t>
+            </a:r>
+          </a:p>
+          <a:p>
+            <a:r>
+              <a:rPr lang="it-IT" dirty="0" smtClean="0">
+                <a:solidFill>
+                  <a:schemeClr val="bg1"/>
+                </a:solidFill>
+                <a:effectLst>
+                  <a:outerShdw blurRad="38100" dist="38100" dir="2700000" algn="tl">
+                    <a:srgbClr val="000000">
+                      <a:alpha val="43137"/>
+                    </a:srgbClr>
+                  </a:outerShdw>
+                </a:effectLst>
+              </a:rPr>
+              <a:t>Esso si occupa della gestione delle funzionalità fornite dall’API del Wi-Fi Direct di </a:t>
+            </a:r>
+            <a:r>
+              <a:rPr lang="it-IT" dirty="0" err="1" smtClean="0">
+                <a:solidFill>
+                  <a:schemeClr val="bg1"/>
+                </a:solidFill>
+                <a:effectLst>
+                  <a:outerShdw blurRad="38100" dist="38100" dir="2700000" algn="tl">
+                    <a:srgbClr val="000000">
+                      <a:alpha val="43137"/>
+                    </a:srgbClr>
+                  </a:outerShdw>
+                </a:effectLst>
+              </a:rPr>
+              <a:t>Android</a:t>
+            </a:r>
+            <a:r>
+              <a:rPr lang="it-IT" dirty="0" smtClean="0">
+                <a:solidFill>
+                  <a:schemeClr val="bg1"/>
+                </a:solidFill>
+                <a:effectLst>
+                  <a:outerShdw blurRad="38100" dist="38100" dir="2700000" algn="tl">
+                    <a:srgbClr val="000000">
+                      <a:alpha val="43137"/>
+                    </a:srgbClr>
+                  </a:outerShdw>
+                </a:effectLst>
+              </a:rPr>
+              <a:t>.</a:t>
+            </a:r>
+          </a:p>
+          <a:p>
+            <a:r>
+              <a:rPr lang="it-IT" dirty="0" smtClean="0">
+                <a:solidFill>
+                  <a:schemeClr val="bg1"/>
+                </a:solidFill>
+                <a:effectLst>
+                  <a:outerShdw blurRad="38100" dist="38100" dir="2700000" algn="tl">
+                    <a:srgbClr val="000000">
+                      <a:alpha val="43137"/>
+                    </a:srgbClr>
+                  </a:outerShdw>
+                </a:effectLst>
+              </a:rPr>
+              <a:t>Esso si occupa, in particolare, di rendere il dispositivo in uso visibile ai dispositivi nelle </a:t>
+            </a:r>
+            <a:r>
+              <a:rPr lang="it-IT" dirty="0" smtClean="0">
+                <a:solidFill>
+                  <a:schemeClr val="bg1"/>
+                </a:solidFill>
+                <a:effectLst>
+                  <a:outerShdw blurRad="38100" dist="38100" dir="2700000" algn="tl">
+                    <a:srgbClr val="000000">
+                      <a:alpha val="43137"/>
+                    </a:srgbClr>
+                  </a:outerShdw>
+                </a:effectLst>
+              </a:rPr>
+              <a:t>vicinanze (utilizzando il Network Service </a:t>
+            </a:r>
+            <a:r>
+              <a:rPr lang="it-IT" dirty="0" err="1" smtClean="0">
+                <a:solidFill>
+                  <a:schemeClr val="bg1"/>
+                </a:solidFill>
+                <a:effectLst>
+                  <a:outerShdw blurRad="38100" dist="38100" dir="2700000" algn="tl">
+                    <a:srgbClr val="000000">
+                      <a:alpha val="43137"/>
+                    </a:srgbClr>
+                  </a:outerShdw>
+                </a:effectLst>
+              </a:rPr>
+              <a:t>Discovery</a:t>
+            </a:r>
+            <a:r>
+              <a:rPr lang="it-IT" dirty="0" smtClean="0">
+                <a:solidFill>
+                  <a:schemeClr val="bg1"/>
+                </a:solidFill>
+                <a:effectLst>
+                  <a:outerShdw blurRad="38100" dist="38100" dir="2700000" algn="tl">
+                    <a:srgbClr val="000000">
+                      <a:alpha val="43137"/>
+                    </a:srgbClr>
+                  </a:outerShdw>
+                </a:effectLst>
+              </a:rPr>
+              <a:t>), </a:t>
+            </a:r>
+            <a:r>
+              <a:rPr lang="it-IT" dirty="0" smtClean="0">
+                <a:solidFill>
+                  <a:schemeClr val="bg1"/>
+                </a:solidFill>
+                <a:effectLst>
+                  <a:outerShdw blurRad="38100" dist="38100" dir="2700000" algn="tl">
+                    <a:srgbClr val="000000">
+                      <a:alpha val="43137"/>
+                    </a:srgbClr>
+                  </a:outerShdw>
+                </a:effectLst>
+              </a:rPr>
+              <a:t>rilevare </a:t>
+            </a:r>
+            <a:r>
+              <a:rPr lang="it-IT" dirty="0" smtClean="0">
+                <a:solidFill>
+                  <a:schemeClr val="bg1"/>
+                </a:solidFill>
+                <a:effectLst>
+                  <a:outerShdw blurRad="38100" dist="38100" dir="2700000" algn="tl">
+                    <a:srgbClr val="000000">
+                      <a:alpha val="43137"/>
+                    </a:srgbClr>
+                  </a:outerShdw>
+                </a:effectLst>
+              </a:rPr>
+              <a:t>i dispositivi nelle vicinanze, </a:t>
+            </a:r>
+            <a:r>
+              <a:rPr lang="it-IT" dirty="0" smtClean="0">
+                <a:solidFill>
+                  <a:schemeClr val="bg1"/>
+                </a:solidFill>
+                <a:effectLst>
+                  <a:outerShdw blurRad="38100" dist="38100" dir="2700000" algn="tl">
+                    <a:srgbClr val="000000">
+                      <a:alpha val="43137"/>
+                    </a:srgbClr>
+                  </a:outerShdw>
+                </a:effectLst>
+              </a:rPr>
+              <a:t>connettersi ad essi, inviare e ricevere i messaggi.</a:t>
+            </a:r>
+          </a:p>
+          <a:p>
+            <a:r>
+              <a:rPr lang="it-IT" dirty="0" smtClean="0">
+                <a:solidFill>
+                  <a:schemeClr val="bg1"/>
+                </a:solidFill>
+                <a:effectLst>
+                  <a:outerShdw blurRad="38100" dist="38100" dir="2700000" algn="tl">
+                    <a:srgbClr val="000000">
+                      <a:alpha val="43137"/>
+                    </a:srgbClr>
+                  </a:outerShdw>
+                </a:effectLst>
+              </a:rPr>
+              <a:t>Comunica con gli altri componenti dell’applicazione tramite </a:t>
+            </a:r>
+            <a:r>
+              <a:rPr lang="it-IT" dirty="0" err="1" smtClean="0">
+                <a:solidFill>
+                  <a:schemeClr val="bg1"/>
+                </a:solidFill>
+                <a:effectLst>
+                  <a:outerShdw blurRad="38100" dist="38100" dir="2700000" algn="tl">
+                    <a:srgbClr val="000000">
+                      <a:alpha val="43137"/>
+                    </a:srgbClr>
+                  </a:outerShdw>
+                </a:effectLst>
+              </a:rPr>
+              <a:t>intent</a:t>
+            </a:r>
+            <a:r>
+              <a:rPr lang="it-IT" dirty="0" smtClean="0">
+                <a:solidFill>
+                  <a:schemeClr val="bg1"/>
+                </a:solidFill>
+                <a:effectLst>
+                  <a:outerShdw blurRad="38100" dist="38100" dir="2700000" algn="tl">
+                    <a:srgbClr val="000000">
+                      <a:alpha val="43137"/>
+                    </a:srgbClr>
+                  </a:outerShdw>
+                </a:effectLst>
+              </a:rPr>
+              <a:t> di broadcast locali.</a:t>
+            </a:r>
+            <a:endParaRPr lang="it-IT" dirty="0">
+              <a:solidFill>
+                <a:schemeClr val="bg1"/>
+              </a:solidFill>
+              <a:effectLst>
+                <a:outerShdw blurRad="38100" dist="38100" dir="2700000" algn="tl">
+                  <a:srgbClr val="000000">
+                    <a:alpha val="43137"/>
+                  </a:srgbClr>
+                </a:outerShdw>
+              </a:effectLst>
+            </a:endParaRPr>
+          </a:p>
+        </p:txBody>
+      </p:sp>
+      <p:pic>
+        <p:nvPicPr>
+          <p:cNvPr id="4" name="Immagine 3"/>
+          <p:cNvPicPr>
+            <a:picLocks noChangeAspect="1"/>
+          </p:cNvPicPr>
+          <p:nvPr/>
+        </p:nvPicPr>
+        <p:blipFill>
+          <a:blip r:embed="rId2" cstate="print">
+            <a:extLst>
+              <a:ext uri="{28A0092B-C50C-407E-A947-70E740481C1C}">
+                <a14:useLocalDpi xmlns:a14="http://schemas.microsoft.com/office/drawing/2010/main" val="0"/>
+              </a:ext>
+            </a:extLst>
+          </a:blip>
+          <a:stretch>
+            <a:fillRect/>
+          </a:stretch>
+        </p:blipFill>
+        <p:spPr>
+          <a:xfrm>
+            <a:off x="10054886" y="217942"/>
+            <a:ext cx="1540214" cy="1540214"/>
+          </a:xfrm>
+          <a:prstGeom prst="rect">
+            <a:avLst/>
+          </a:prstGeom>
+        </p:spPr>
+      </p:pic>
+    </p:spTree>
+    <p:extLst>
+      <p:ext uri="{BB962C8B-B14F-4D97-AF65-F5344CB8AC3E}">
+        <p14:creationId xmlns:p14="http://schemas.microsoft.com/office/powerpoint/2010/main" val="1218638761"/>
+      </p:ext>
+    </p:extLst>
+  </p:cSld>
+  <p:clrMapOvr>
+    <a:masterClrMapping/>
+  </p:clrMapOvr>
+  <p:timing>
+    <p:tnLst>
+      <p:par>
+        <p:cTn id="1" dur="indefinite" restart="never" nodeType="tmRoot"/>
+      </p:par>
+    </p:tnLst>
+  </p:timing>
+</p:sld>
+</file>
+
+<file path=ppt/slides/slide6.xml><?xml version="1.0" encoding="utf-8"?>
+<p:sld xmlns:a="http://schemas.openxmlformats.org/drawingml/2006/main" xmlns:r="http://schemas.openxmlformats.org/officeDocument/2006/relationships" xmlns:p="http://schemas.openxmlformats.org/presentationml/2006/main">
+  <p:cSld>
+    <p:spTree>
+      <p:nvGrpSpPr>
+        <p:cNvPr id="1" name=""/>
+        <p:cNvGrpSpPr/>
+        <p:nvPr/>
+      </p:nvGrpSpPr>
+      <p:grpSpPr>
+        <a:xfrm>
+          <a:off x="0" y="0"/>
+          <a:ext cx="0" cy="0"/>
+          <a:chOff x="0" y="0"/>
+          <a:chExt cx="0" cy="0"/>
+        </a:xfrm>
+      </p:grpSpPr>
+      <p:sp>
+        <p:nvSpPr>
+          <p:cNvPr id="2" name="Titolo 1"/>
+          <p:cNvSpPr>
+            <a:spLocks noGrp="1"/>
+          </p:cNvSpPr>
+          <p:nvPr>
+            <p:ph type="title"/>
+          </p:nvPr>
+        </p:nvSpPr>
+        <p:spPr/>
+        <p:txBody>
+          <a:bodyPr>
+            <a:normAutofit/>
+          </a:bodyPr>
+          <a:lstStyle/>
+          <a:p>
+            <a:pPr algn="ctr"/>
+            <a:r>
+              <a:rPr lang="it-IT" sz="4800" b="1" dirty="0" err="1" smtClean="0">
+                <a:solidFill>
+                  <a:schemeClr val="accent5"/>
+                </a:solidFill>
+                <a:latin typeface="Times New Roman" panose="02020603050405020304" pitchFamily="18" charset="0"/>
+                <a:cs typeface="Times New Roman" panose="02020603050405020304" pitchFamily="18" charset="0"/>
+              </a:rPr>
+              <a:t>BootReceiver</a:t>
+            </a:r>
+            <a:endParaRPr lang="it-IT" sz="4800" b="1" dirty="0">
+              <a:solidFill>
+                <a:schemeClr val="accent5"/>
+              </a:solidFill>
+              <a:latin typeface="Times New Roman" panose="02020603050405020304" pitchFamily="18" charset="0"/>
+              <a:cs typeface="Times New Roman" panose="02020603050405020304" pitchFamily="18" charset="0"/>
+            </a:endParaRPr>
+          </a:p>
+        </p:txBody>
+      </p:sp>
+      <p:sp>
+        <p:nvSpPr>
+          <p:cNvPr id="3" name="Segnaposto contenuto 2"/>
+          <p:cNvSpPr>
+            <a:spLocks noGrp="1"/>
+          </p:cNvSpPr>
+          <p:nvPr>
+            <p:ph idx="1"/>
+          </p:nvPr>
+        </p:nvSpPr>
+        <p:spPr>
+          <a:xfrm>
+            <a:off x="838200" y="2622550"/>
+            <a:ext cx="10515600" cy="1974850"/>
+          </a:xfrm>
+        </p:spPr>
+        <p:txBody>
+          <a:bodyPr/>
+          <a:lstStyle/>
+          <a:p>
+            <a:r>
+              <a:rPr lang="it-IT" dirty="0" smtClean="0">
+                <a:solidFill>
+                  <a:schemeClr val="bg1"/>
+                </a:solidFill>
+                <a:effectLst>
+                  <a:outerShdw blurRad="38100" dist="38100" dir="2700000" algn="tl">
+                    <a:srgbClr val="000000">
+                      <a:alpha val="43137"/>
+                    </a:srgbClr>
+                  </a:outerShdw>
+                </a:effectLst>
+              </a:rPr>
+              <a:t>Si mette in ascolto dell’</a:t>
+            </a:r>
+            <a:r>
+              <a:rPr lang="it-IT" dirty="0" err="1" smtClean="0">
+                <a:solidFill>
+                  <a:schemeClr val="bg1"/>
+                </a:solidFill>
+                <a:effectLst>
+                  <a:outerShdw blurRad="38100" dist="38100" dir="2700000" algn="tl">
+                    <a:srgbClr val="000000">
+                      <a:alpha val="43137"/>
+                    </a:srgbClr>
+                  </a:outerShdw>
+                </a:effectLst>
+              </a:rPr>
+              <a:t>intent</a:t>
+            </a:r>
+            <a:r>
+              <a:rPr lang="it-IT" dirty="0" smtClean="0">
+                <a:solidFill>
+                  <a:schemeClr val="bg1"/>
+                </a:solidFill>
+                <a:effectLst>
+                  <a:outerShdw blurRad="38100" dist="38100" dir="2700000" algn="tl">
+                    <a:srgbClr val="000000">
+                      <a:alpha val="43137"/>
+                    </a:srgbClr>
+                  </a:outerShdw>
+                </a:effectLst>
+              </a:rPr>
+              <a:t> di broadcast che indica il completamento dell’avvio del dispositivo.</a:t>
+            </a:r>
+          </a:p>
+          <a:p>
+            <a:r>
+              <a:rPr lang="it-IT" dirty="0" smtClean="0">
+                <a:solidFill>
+                  <a:schemeClr val="bg1"/>
+                </a:solidFill>
+                <a:effectLst>
+                  <a:outerShdw blurRad="38100" dist="38100" dir="2700000" algn="tl">
+                    <a:srgbClr val="000000">
+                      <a:alpha val="43137"/>
+                    </a:srgbClr>
+                  </a:outerShdw>
+                </a:effectLst>
+              </a:rPr>
+              <a:t>Alla ricezione di tale </a:t>
+            </a:r>
+            <a:r>
+              <a:rPr lang="it-IT" dirty="0" err="1" smtClean="0">
+                <a:solidFill>
+                  <a:schemeClr val="bg1"/>
+                </a:solidFill>
+                <a:effectLst>
+                  <a:outerShdw blurRad="38100" dist="38100" dir="2700000" algn="tl">
+                    <a:srgbClr val="000000">
+                      <a:alpha val="43137"/>
+                    </a:srgbClr>
+                  </a:outerShdw>
+                </a:effectLst>
+              </a:rPr>
+              <a:t>intent</a:t>
+            </a:r>
+            <a:r>
+              <a:rPr lang="it-IT" dirty="0" smtClean="0">
+                <a:solidFill>
+                  <a:schemeClr val="bg1"/>
+                </a:solidFill>
+                <a:effectLst>
+                  <a:outerShdw blurRad="38100" dist="38100" dir="2700000" algn="tl">
+                    <a:srgbClr val="000000">
+                      <a:alpha val="43137"/>
+                    </a:srgbClr>
+                  </a:outerShdw>
+                </a:effectLst>
+              </a:rPr>
+              <a:t>, avvia </a:t>
+            </a:r>
+            <a:r>
+              <a:rPr lang="it-IT" dirty="0" err="1" smtClean="0">
+                <a:solidFill>
+                  <a:schemeClr val="bg1"/>
+                </a:solidFill>
+                <a:effectLst>
+                  <a:outerShdw blurRad="38100" dist="38100" dir="2700000" algn="tl">
+                    <a:srgbClr val="000000">
+                      <a:alpha val="43137"/>
+                    </a:srgbClr>
+                  </a:outerShdw>
+                </a:effectLst>
+              </a:rPr>
+              <a:t>WiChatService</a:t>
+            </a:r>
+            <a:r>
+              <a:rPr lang="it-IT" dirty="0" smtClean="0">
+                <a:solidFill>
+                  <a:schemeClr val="bg1"/>
+                </a:solidFill>
+                <a:effectLst>
+                  <a:outerShdw blurRad="38100" dist="38100" dir="2700000" algn="tl">
+                    <a:srgbClr val="000000">
+                      <a:alpha val="43137"/>
+                    </a:srgbClr>
+                  </a:outerShdw>
+                </a:effectLst>
+              </a:rPr>
+              <a:t> per rendere il dispositivo rilevabile dagli altri dispositivi.</a:t>
+            </a:r>
+          </a:p>
+          <a:p>
+            <a:endParaRPr lang="it-IT" dirty="0"/>
+          </a:p>
+        </p:txBody>
+      </p:sp>
+      <p:pic>
+        <p:nvPicPr>
+          <p:cNvPr id="5" name="Immagine 4"/>
+          <p:cNvPicPr>
+            <a:picLocks noChangeAspect="1"/>
+          </p:cNvPicPr>
+          <p:nvPr/>
+        </p:nvPicPr>
+        <p:blipFill>
+          <a:blip r:embed="rId2" cstate="print">
+            <a:extLst>
+              <a:ext uri="{28A0092B-C50C-407E-A947-70E740481C1C}">
+                <a14:useLocalDpi xmlns:a14="http://schemas.microsoft.com/office/drawing/2010/main" val="0"/>
+              </a:ext>
+            </a:extLst>
+          </a:blip>
+          <a:stretch>
+            <a:fillRect/>
+          </a:stretch>
+        </p:blipFill>
+        <p:spPr>
+          <a:xfrm>
+            <a:off x="10147300" y="365125"/>
+            <a:ext cx="1206500" cy="1206500"/>
+          </a:xfrm>
+          <a:prstGeom prst="rect">
+            <a:avLst/>
+          </a:prstGeom>
+        </p:spPr>
+      </p:pic>
+    </p:spTree>
+    <p:extLst>
+      <p:ext uri="{BB962C8B-B14F-4D97-AF65-F5344CB8AC3E}">
+        <p14:creationId xmlns:p14="http://schemas.microsoft.com/office/powerpoint/2010/main" val="965536992"/>
+      </p:ext>
+    </p:extLst>
+  </p:cSld>
+  <p:clrMapOvr>
+    <a:masterClrMapping/>
+  </p:clrMapOvr>
+</p:sld>
+</file>
+
+<file path=ppt/slides/slide7.xml><?xml version="1.0" encoding="utf-8"?>
+<p:sld xmlns:a="http://schemas.openxmlformats.org/drawingml/2006/main" xmlns:r="http://schemas.openxmlformats.org/officeDocument/2006/relationships" xmlns:p="http://schemas.openxmlformats.org/presentationml/2006/main">
+  <p:cSld>
+    <p:spTree>
+      <p:nvGrpSpPr>
+        <p:cNvPr id="1" name=""/>
+        <p:cNvGrpSpPr/>
+        <p:nvPr/>
+      </p:nvGrpSpPr>
+      <p:grpSpPr>
+        <a:xfrm>
+          <a:off x="0" y="0"/>
+          <a:ext cx="0" cy="0"/>
+          <a:chOff x="0" y="0"/>
+          <a:chExt cx="0" cy="0"/>
+        </a:xfrm>
+      </p:grpSpPr>
+      <p:sp>
+        <p:nvSpPr>
+          <p:cNvPr id="2" name="Titolo 1"/>
+          <p:cNvSpPr>
+            <a:spLocks noGrp="1"/>
+          </p:cNvSpPr>
+          <p:nvPr>
+            <p:ph type="title"/>
+          </p:nvPr>
+        </p:nvSpPr>
+        <p:spPr/>
+        <p:txBody>
+          <a:bodyPr>
+            <a:normAutofit/>
+          </a:bodyPr>
+          <a:lstStyle/>
+          <a:p>
+            <a:pPr algn="ctr"/>
+            <a:r>
+              <a:rPr lang="it-IT" sz="4800" b="1" dirty="0" smtClean="0">
+                <a:solidFill>
+                  <a:schemeClr val="accent5"/>
+                </a:solidFill>
+                <a:latin typeface="Times New Roman" panose="02020603050405020304" pitchFamily="18" charset="0"/>
+                <a:cs typeface="Times New Roman" panose="02020603050405020304" pitchFamily="18" charset="0"/>
+              </a:rPr>
+              <a:t>WifiP2pBroadcastReceiver</a:t>
+            </a:r>
+            <a:endParaRPr lang="it-IT" sz="4800" b="1" dirty="0">
+              <a:solidFill>
+                <a:schemeClr val="accent5"/>
+              </a:solidFill>
+              <a:latin typeface="Times New Roman" panose="02020603050405020304" pitchFamily="18" charset="0"/>
+              <a:cs typeface="Times New Roman" panose="02020603050405020304" pitchFamily="18" charset="0"/>
+            </a:endParaRPr>
+          </a:p>
+        </p:txBody>
+      </p:sp>
+      <p:sp>
+        <p:nvSpPr>
+          <p:cNvPr id="3" name="Segnaposto contenuto 2"/>
+          <p:cNvSpPr>
+            <a:spLocks noGrp="1"/>
+          </p:cNvSpPr>
+          <p:nvPr>
+            <p:ph idx="1"/>
+          </p:nvPr>
+        </p:nvSpPr>
+        <p:spPr>
+          <a:xfrm>
+            <a:off x="838200" y="2613025"/>
+            <a:ext cx="10515600" cy="3902075"/>
+          </a:xfrm>
+        </p:spPr>
+        <p:txBody>
+          <a:bodyPr>
+            <a:normAutofit/>
+          </a:bodyPr>
+          <a:lstStyle/>
+          <a:p>
+            <a:r>
+              <a:rPr lang="it-IT" dirty="0" smtClean="0">
+                <a:solidFill>
+                  <a:schemeClr val="bg1"/>
+                </a:solidFill>
+                <a:effectLst>
+                  <a:outerShdw blurRad="38100" dist="38100" dir="2700000" algn="tl">
+                    <a:srgbClr val="000000">
+                      <a:alpha val="43137"/>
+                    </a:srgbClr>
+                  </a:outerShdw>
+                </a:effectLst>
+              </a:rPr>
+              <a:t>Interno a </a:t>
+            </a:r>
+            <a:r>
+              <a:rPr lang="it-IT" dirty="0" err="1" smtClean="0">
+                <a:solidFill>
+                  <a:schemeClr val="bg1"/>
+                </a:solidFill>
+                <a:effectLst>
+                  <a:outerShdw blurRad="38100" dist="38100" dir="2700000" algn="tl">
+                    <a:srgbClr val="000000">
+                      <a:alpha val="43137"/>
+                    </a:srgbClr>
+                  </a:outerShdw>
+                </a:effectLst>
+              </a:rPr>
+              <a:t>WiChatService</a:t>
+            </a:r>
+            <a:r>
+              <a:rPr lang="it-IT" dirty="0" smtClean="0">
+                <a:solidFill>
+                  <a:schemeClr val="bg1"/>
+                </a:solidFill>
+                <a:effectLst>
+                  <a:outerShdw blurRad="38100" dist="38100" dir="2700000" algn="tl">
+                    <a:srgbClr val="000000">
+                      <a:alpha val="43137"/>
+                    </a:srgbClr>
+                  </a:outerShdw>
+                </a:effectLst>
+              </a:rPr>
+              <a:t>.</a:t>
+            </a:r>
+          </a:p>
+          <a:p>
+            <a:r>
+              <a:rPr lang="it-IT" dirty="0">
+                <a:solidFill>
+                  <a:schemeClr val="bg1"/>
+                </a:solidFill>
+                <a:effectLst>
+                  <a:outerShdw blurRad="38100" dist="38100" dir="2700000" algn="tl">
+                    <a:srgbClr val="000000">
+                      <a:alpha val="43137"/>
+                    </a:srgbClr>
+                  </a:outerShdw>
+                </a:effectLst>
+              </a:rPr>
+              <a:t>Si mette in ascolto degli </a:t>
+            </a:r>
+            <a:r>
+              <a:rPr lang="it-IT" dirty="0" err="1">
+                <a:solidFill>
+                  <a:schemeClr val="bg1"/>
+                </a:solidFill>
+                <a:effectLst>
+                  <a:outerShdw blurRad="38100" dist="38100" dir="2700000" algn="tl">
+                    <a:srgbClr val="000000">
+                      <a:alpha val="43137"/>
+                    </a:srgbClr>
+                  </a:outerShdw>
+                </a:effectLst>
+              </a:rPr>
+              <a:t>intent</a:t>
+            </a:r>
+            <a:r>
+              <a:rPr lang="it-IT" dirty="0">
+                <a:solidFill>
+                  <a:schemeClr val="bg1"/>
+                </a:solidFill>
+                <a:effectLst>
+                  <a:outerShdw blurRad="38100" dist="38100" dir="2700000" algn="tl">
+                    <a:srgbClr val="000000">
+                      <a:alpha val="43137"/>
+                    </a:srgbClr>
+                  </a:outerShdw>
+                </a:effectLst>
+              </a:rPr>
+              <a:t> di broadcast relativi al Wi-Fi Direct.</a:t>
+            </a:r>
+          </a:p>
+          <a:p>
+            <a:r>
+              <a:rPr lang="it-IT" dirty="0" smtClean="0">
+                <a:solidFill>
+                  <a:schemeClr val="bg1"/>
+                </a:solidFill>
+                <a:effectLst>
+                  <a:outerShdw blurRad="38100" dist="38100" dir="2700000" algn="tl">
+                    <a:srgbClr val="000000">
+                      <a:alpha val="43137"/>
+                    </a:srgbClr>
+                  </a:outerShdw>
+                </a:effectLst>
+              </a:rPr>
+              <a:t>Informa i componenti di front-end riguardo lo stato del Wi-Fi del dispositivo (acceso/spento) e l’avvenuta connessione o disconnessione da parte di un dispositivo remoto.</a:t>
+            </a:r>
+          </a:p>
+          <a:p>
+            <a:endParaRPr lang="it-IT" dirty="0">
+              <a:solidFill>
+                <a:schemeClr val="bg1"/>
+              </a:solidFill>
+              <a:effectLst>
+                <a:outerShdw blurRad="38100" dist="38100" dir="2700000" algn="tl">
+                  <a:srgbClr val="000000">
+                    <a:alpha val="43137"/>
+                  </a:srgbClr>
+                </a:outerShdw>
+              </a:effectLst>
+            </a:endParaRPr>
+          </a:p>
+        </p:txBody>
+      </p:sp>
+      <p:pic>
+        <p:nvPicPr>
+          <p:cNvPr id="4" name="Immagine 3"/>
+          <p:cNvPicPr>
+            <a:picLocks noChangeAspect="1"/>
+          </p:cNvPicPr>
+          <p:nvPr/>
+        </p:nvPicPr>
+        <p:blipFill>
+          <a:blip r:embed="rId2" cstate="print">
+            <a:extLst>
+              <a:ext uri="{28A0092B-C50C-407E-A947-70E740481C1C}">
+                <a14:useLocalDpi xmlns:a14="http://schemas.microsoft.com/office/drawing/2010/main" val="0"/>
+              </a:ext>
+            </a:extLst>
+          </a:blip>
+          <a:stretch>
+            <a:fillRect/>
+          </a:stretch>
+        </p:blipFill>
+        <p:spPr>
+          <a:xfrm>
+            <a:off x="10541407" y="339724"/>
+            <a:ext cx="1206093" cy="1206093"/>
+          </a:xfrm>
+          <a:prstGeom prst="rect">
+            <a:avLst/>
+          </a:prstGeom>
+        </p:spPr>
+      </p:pic>
+    </p:spTree>
+    <p:extLst>
+      <p:ext uri="{BB962C8B-B14F-4D97-AF65-F5344CB8AC3E}">
+        <p14:creationId xmlns:p14="http://schemas.microsoft.com/office/powerpoint/2010/main" val="2873542423"/>
+      </p:ext>
+    </p:extLst>
+  </p:cSld>
+  <p:clrMapOvr>
+    <a:masterClrMapping/>
+  </p:clrMapOvr>
+</p:sld>
+</file>
+
+<file path=ppt/slides/slide8.xml><?xml version="1.0" encoding="utf-8"?>
+<p:sld xmlns:a="http://schemas.openxmlformats.org/drawingml/2006/main" xmlns:r="http://schemas.openxmlformats.org/officeDocument/2006/relationships" xmlns:p="http://schemas.openxmlformats.org/presentationml/2006/main">
+  <p:cSld>
+    <p:spTree>
+      <p:nvGrpSpPr>
+        <p:cNvPr id="1" name=""/>
+        <p:cNvGrpSpPr/>
+        <p:nvPr/>
+      </p:nvGrpSpPr>
+      <p:grpSpPr>
+        <a:xfrm>
+          <a:off x="0" y="0"/>
+          <a:ext cx="0" cy="0"/>
+          <a:chOff x="0" y="0"/>
+          <a:chExt cx="0" cy="0"/>
+        </a:xfrm>
+      </p:grpSpPr>
+      <p:sp>
+        <p:nvSpPr>
+          <p:cNvPr id="2" name="Titolo 1"/>
+          <p:cNvSpPr>
+            <a:spLocks noGrp="1"/>
+          </p:cNvSpPr>
+          <p:nvPr>
+            <p:ph type="title"/>
+          </p:nvPr>
+        </p:nvSpPr>
+        <p:spPr>
+          <a:xfrm>
+            <a:off x="889000" y="2574925"/>
+            <a:ext cx="10515600" cy="1325563"/>
+          </a:xfrm>
+        </p:spPr>
+        <p:txBody>
+          <a:bodyPr>
+            <a:normAutofit/>
+          </a:bodyPr>
+          <a:lstStyle/>
+          <a:p>
+            <a:pPr algn="ctr"/>
+            <a:r>
+              <a:rPr lang="it-IT" sz="5400" b="1" dirty="0" smtClean="0">
+                <a:solidFill>
+                  <a:schemeClr val="accent5"/>
+                </a:solidFill>
+                <a:effectLst>
+                  <a:outerShdw blurRad="38100" dist="38100" dir="2700000" algn="tl">
+                    <a:srgbClr val="000000">
+                      <a:alpha val="43137"/>
+                    </a:srgbClr>
+                  </a:outerShdw>
+                </a:effectLst>
+                <a:latin typeface="Times New Roman" panose="02020603050405020304" pitchFamily="18" charset="0"/>
+                <a:cs typeface="Times New Roman" panose="02020603050405020304" pitchFamily="18" charset="0"/>
+              </a:rPr>
+              <a:t>Componenti front-end</a:t>
+            </a:r>
+            <a:endParaRPr lang="it-IT" sz="5400" b="1" dirty="0">
+              <a:solidFill>
+                <a:schemeClr val="accent5"/>
+              </a:solidFill>
+              <a:effectLst>
+                <a:outerShdw blurRad="38100" dist="38100" dir="2700000" algn="tl">
+                  <a:srgbClr val="000000">
+                    <a:alpha val="43137"/>
+                  </a:srgbClr>
+                </a:outerShdw>
+              </a:effectLst>
+              <a:latin typeface="Times New Roman" panose="02020603050405020304" pitchFamily="18" charset="0"/>
+              <a:cs typeface="Times New Roman" panose="02020603050405020304" pitchFamily="18" charset="0"/>
+            </a:endParaRPr>
+          </a:p>
+        </p:txBody>
+      </p:sp>
+    </p:spTree>
+    <p:extLst>
+      <p:ext uri="{BB962C8B-B14F-4D97-AF65-F5344CB8AC3E}">
+        <p14:creationId xmlns:p14="http://schemas.microsoft.com/office/powerpoint/2010/main" val="1951577448"/>
+      </p:ext>
+    </p:extLst>
+  </p:cSld>
+  <p:clrMapOvr>
+    <a:masterClrMapping/>
+  </p:clrMapOvr>
+</p:sld>
+</file>
+
+<file path=ppt/slides/slide9.xml><?xml version="1.0" encoding="utf-8"?>
+<p:sld xmlns:a="http://schemas.openxmlformats.org/drawingml/2006/main" xmlns:r="http://schemas.openxmlformats.org/officeDocument/2006/relationships" xmlns:p="http://schemas.openxmlformats.org/presentationml/2006/main">
+  <p:cSld>
+    <p:spTree>
+      <p:nvGrpSpPr>
+        <p:cNvPr id="1" name=""/>
+        <p:cNvGrpSpPr/>
+        <p:nvPr/>
+      </p:nvGrpSpPr>
+      <p:grpSpPr>
+        <a:xfrm>
+          <a:off x="0" y="0"/>
+          <a:ext cx="0" cy="0"/>
+          <a:chOff x="0" y="0"/>
+          <a:chExt cx="0" cy="0"/>
+        </a:xfrm>
+      </p:grpSpPr>
+      <p:sp>
+        <p:nvSpPr>
+          <p:cNvPr id="2" name="Titolo 1"/>
+          <p:cNvSpPr>
+            <a:spLocks noGrp="1"/>
+          </p:cNvSpPr>
+          <p:nvPr>
+            <p:ph type="title"/>
+          </p:nvPr>
+        </p:nvSpPr>
+        <p:spPr/>
+        <p:txBody>
+          <a:bodyPr>
+            <a:normAutofit/>
+          </a:bodyPr>
+          <a:lstStyle/>
+          <a:p>
+            <a:pPr algn="ctr"/>
+            <a:r>
+              <a:rPr lang="it-IT" sz="4800" b="1" dirty="0" smtClean="0">
+                <a:solidFill>
+                  <a:schemeClr val="accent5"/>
+                </a:solidFill>
+                <a:latin typeface="Times New Roman" panose="02020603050405020304" pitchFamily="18" charset="0"/>
+                <a:cs typeface="Times New Roman" panose="02020603050405020304" pitchFamily="18" charset="0"/>
+              </a:rPr>
               <a:t>Funzionalità</a:t>
             </a:r>
             <a:endParaRPr lang="it-IT" sz="4800" b="1" dirty="0">
@@ -5014,1478 +8412,6 @@
     <p:extLst>
       <p:ext uri="{BB962C8B-B14F-4D97-AF65-F5344CB8AC3E}">
         <p14:creationId xmlns:p14="http://schemas.microsoft.com/office/powerpoint/2010/main" val="761053149"/>
-      </p:ext>
-    </p:extLst>
-  </p:cSld>
-  <p:clrMapOvr>
-    <a:masterClrMapping/>
-  </p:clrMapOvr>
-  <p:timing>
-    <p:tnLst>
-      <p:par>
-        <p:cTn id="1" dur="indefinite" restart="never" nodeType="tmRoot"/>
-      </p:par>
-    </p:tnLst>
-  </p:timing>
-</p:sld>
-</file>
-
-<file path=ppt/slides/slide4.xml><?xml version="1.0" encoding="utf-8"?>
-<p:sld xmlns:a="http://schemas.openxmlformats.org/drawingml/2006/main" xmlns:r="http://schemas.openxmlformats.org/officeDocument/2006/relationships" xmlns:p="http://schemas.openxmlformats.org/presentationml/2006/main">
-  <p:cSld>
-    <p:spTree>
-      <p:nvGrpSpPr>
-        <p:cNvPr id="1" name=""/>
-        <p:cNvGrpSpPr/>
-        <p:nvPr/>
-      </p:nvGrpSpPr>
-      <p:grpSpPr>
-        <a:xfrm>
-          <a:off x="0" y="0"/>
-          <a:ext cx="0" cy="0"/>
-          <a:chOff x="0" y="0"/>
-          <a:chExt cx="0" cy="0"/>
-        </a:xfrm>
-      </p:grpSpPr>
-      <p:sp>
-        <p:nvSpPr>
-          <p:cNvPr id="2" name="Titolo 1"/>
-          <p:cNvSpPr>
-            <a:spLocks noGrp="1"/>
-          </p:cNvSpPr>
-          <p:nvPr>
-            <p:ph type="title"/>
-          </p:nvPr>
-        </p:nvSpPr>
-        <p:spPr/>
-        <p:txBody>
-          <a:bodyPr>
-            <a:normAutofit/>
-          </a:bodyPr>
-          <a:lstStyle/>
-          <a:p>
-            <a:pPr algn="ctr"/>
-            <a:r>
-              <a:rPr lang="it-IT" sz="4800" b="1" dirty="0" smtClean="0">
-                <a:solidFill>
-                  <a:schemeClr val="accent5"/>
-                </a:solidFill>
-                <a:latin typeface="Times New Roman" panose="02020603050405020304" pitchFamily="18" charset="0"/>
-                <a:cs typeface="Times New Roman" panose="02020603050405020304" pitchFamily="18" charset="0"/>
-              </a:rPr>
-              <a:t>Rilevamento dei dispositivi</a:t>
-            </a:r>
-            <a:endParaRPr lang="it-IT" sz="4800" b="1" dirty="0">
-              <a:solidFill>
-                <a:schemeClr val="accent5"/>
-              </a:solidFill>
-              <a:latin typeface="Times New Roman" panose="02020603050405020304" pitchFamily="18" charset="0"/>
-              <a:cs typeface="Times New Roman" panose="02020603050405020304" pitchFamily="18" charset="0"/>
-            </a:endParaRPr>
-          </a:p>
-        </p:txBody>
-      </p:sp>
-      <p:sp>
-        <p:nvSpPr>
-          <p:cNvPr id="3" name="Segnaposto contenuto 2"/>
-          <p:cNvSpPr>
-            <a:spLocks noGrp="1"/>
-          </p:cNvSpPr>
-          <p:nvPr>
-            <p:ph sz="half" idx="1"/>
-          </p:nvPr>
-        </p:nvSpPr>
-        <p:spPr/>
-        <p:txBody>
-          <a:bodyPr>
-            <a:normAutofit lnSpcReduction="10000"/>
-          </a:bodyPr>
-          <a:lstStyle/>
-          <a:p>
-            <a:r>
-              <a:rPr lang="it-IT" dirty="0" smtClean="0">
-                <a:solidFill>
-                  <a:schemeClr val="bg1"/>
-                </a:solidFill>
-                <a:effectLst>
-                  <a:outerShdw blurRad="38100" dist="38100" dir="2700000" algn="tl">
-                    <a:srgbClr val="000000">
-                      <a:alpha val="43137"/>
-                    </a:srgbClr>
-                  </a:outerShdw>
-                </a:effectLst>
-              </a:rPr>
-              <a:t>Rileva solo i dispositivi </a:t>
-            </a:r>
-            <a:r>
-              <a:rPr lang="it-IT" dirty="0">
-                <a:solidFill>
-                  <a:schemeClr val="bg1"/>
-                </a:solidFill>
-                <a:effectLst>
-                  <a:outerShdw blurRad="38100" dist="38100" dir="2700000" algn="tl">
-                    <a:srgbClr val="000000">
-                      <a:alpha val="43137"/>
-                    </a:srgbClr>
-                  </a:outerShdw>
-                </a:effectLst>
-              </a:rPr>
-              <a:t>che hanno installato </a:t>
-            </a:r>
-            <a:r>
-              <a:rPr lang="it-IT" dirty="0" err="1" smtClean="0">
-                <a:solidFill>
-                  <a:schemeClr val="bg1"/>
-                </a:solidFill>
-                <a:effectLst>
-                  <a:outerShdw blurRad="38100" dist="38100" dir="2700000" algn="tl">
-                    <a:srgbClr val="000000">
-                      <a:alpha val="43137"/>
-                    </a:srgbClr>
-                  </a:outerShdw>
-                </a:effectLst>
-              </a:rPr>
-              <a:t>WiChat</a:t>
-            </a:r>
-            <a:r>
-              <a:rPr lang="it-IT" dirty="0" smtClean="0">
-                <a:solidFill>
-                  <a:schemeClr val="bg1"/>
-                </a:solidFill>
-                <a:effectLst>
-                  <a:outerShdw blurRad="38100" dist="38100" dir="2700000" algn="tl">
-                    <a:srgbClr val="000000">
-                      <a:alpha val="43137"/>
-                    </a:srgbClr>
-                  </a:outerShdw>
-                </a:effectLst>
-              </a:rPr>
-              <a:t> e che </a:t>
-            </a:r>
-            <a:r>
-              <a:rPr lang="it-IT" dirty="0">
-                <a:solidFill>
-                  <a:schemeClr val="bg1"/>
-                </a:solidFill>
-                <a:effectLst>
-                  <a:outerShdw blurRad="38100" dist="38100" dir="2700000" algn="tl">
-                    <a:srgbClr val="000000">
-                      <a:alpha val="43137"/>
-                    </a:srgbClr>
-                  </a:outerShdw>
-                </a:effectLst>
-              </a:rPr>
-              <a:t>rientrano nel campo del segnale Wi-Fi del dispositivo in uso </a:t>
-            </a:r>
-          </a:p>
-          <a:p>
-            <a:r>
-              <a:rPr lang="it-IT" dirty="0" smtClean="0">
-                <a:solidFill>
-                  <a:schemeClr val="bg1"/>
-                </a:solidFill>
-                <a:effectLst>
-                  <a:outerShdw blurRad="38100" dist="38100" dir="2700000" algn="tl">
-                    <a:srgbClr val="000000">
-                      <a:alpha val="43137"/>
-                    </a:srgbClr>
-                  </a:outerShdw>
-                </a:effectLst>
-              </a:rPr>
-              <a:t>Una volta rilevato, il dispositivo verrà aggiunto alla lista dei dispositivi rilevati </a:t>
-            </a:r>
-            <a:r>
-              <a:rPr lang="it-IT" dirty="0" err="1" smtClean="0">
-                <a:solidFill>
-                  <a:schemeClr val="bg1"/>
-                </a:solidFill>
-                <a:effectLst>
-                  <a:outerShdw blurRad="38100" dist="38100" dir="2700000" algn="tl">
-                    <a:srgbClr val="000000">
-                      <a:alpha val="43137"/>
-                    </a:srgbClr>
-                  </a:outerShdw>
-                </a:effectLst>
-              </a:rPr>
-              <a:t>nell’activity</a:t>
-            </a:r>
-            <a:r>
-              <a:rPr lang="it-IT" dirty="0" smtClean="0">
-                <a:solidFill>
-                  <a:schemeClr val="bg1"/>
-                </a:solidFill>
-                <a:effectLst>
-                  <a:outerShdw blurRad="38100" dist="38100" dir="2700000" algn="tl">
-                    <a:srgbClr val="000000">
-                      <a:alpha val="43137"/>
-                    </a:srgbClr>
-                  </a:outerShdw>
-                </a:effectLst>
-              </a:rPr>
-              <a:t> principale</a:t>
-            </a:r>
-          </a:p>
-          <a:p>
-            <a:r>
-              <a:rPr lang="it-IT" dirty="0" smtClean="0">
-                <a:solidFill>
-                  <a:schemeClr val="bg1"/>
-                </a:solidFill>
-                <a:effectLst>
-                  <a:outerShdw blurRad="38100" dist="38100" dir="2700000" algn="tl">
-                    <a:srgbClr val="000000">
-                      <a:alpha val="43137"/>
-                    </a:srgbClr>
-                  </a:outerShdw>
-                </a:effectLst>
-              </a:rPr>
-              <a:t>Viene visualizzato il nominativo del proprietario del dispositivo rilevato</a:t>
-            </a:r>
-            <a:endParaRPr lang="it-IT" dirty="0">
-              <a:solidFill>
-                <a:schemeClr val="bg1"/>
-              </a:solidFill>
-              <a:effectLst>
-                <a:outerShdw blurRad="38100" dist="38100" dir="2700000" algn="tl">
-                  <a:srgbClr val="000000">
-                    <a:alpha val="43137"/>
-                  </a:srgbClr>
-                </a:outerShdw>
-              </a:effectLst>
-            </a:endParaRPr>
-          </a:p>
-        </p:txBody>
-      </p:sp>
-      <p:pic>
-        <p:nvPicPr>
-          <p:cNvPr id="8" name="Segnaposto contenuto 7"/>
-          <p:cNvPicPr>
-            <a:picLocks noGrp="1" noChangeAspect="1"/>
-          </p:cNvPicPr>
-          <p:nvPr>
-            <p:ph sz="half" idx="2"/>
-          </p:nvPr>
-        </p:nvPicPr>
-        <p:blipFill>
-          <a:blip r:embed="rId2" cstate="print">
-            <a:extLst>
-              <a:ext uri="{28A0092B-C50C-407E-A947-70E740481C1C}">
-                <a14:useLocalDpi xmlns:a14="http://schemas.microsoft.com/office/drawing/2010/main" val="0"/>
-              </a:ext>
-            </a:extLst>
-          </a:blip>
-          <a:stretch>
-            <a:fillRect/>
-          </a:stretch>
-        </p:blipFill>
-        <p:spPr>
-          <a:xfrm>
-            <a:off x="9583855" y="1825625"/>
-            <a:ext cx="2803290" cy="4351338"/>
-          </a:xfrm>
-        </p:spPr>
-      </p:pic>
-      <p:pic>
-        <p:nvPicPr>
-          <p:cNvPr id="9" name="Immagine 8"/>
-          <p:cNvPicPr>
-            <a:picLocks noChangeAspect="1"/>
-          </p:cNvPicPr>
-          <p:nvPr/>
-        </p:nvPicPr>
-        <p:blipFill>
-          <a:blip r:embed="rId3" cstate="print">
-            <a:extLst>
-              <a:ext uri="{28A0092B-C50C-407E-A947-70E740481C1C}">
-                <a14:useLocalDpi xmlns:a14="http://schemas.microsoft.com/office/drawing/2010/main" val="0"/>
-              </a:ext>
-            </a:extLst>
-          </a:blip>
-          <a:stretch>
-            <a:fillRect/>
-          </a:stretch>
-        </p:blipFill>
-        <p:spPr>
-          <a:xfrm>
-            <a:off x="5677614" y="1825625"/>
-            <a:ext cx="2803290" cy="4351338"/>
-          </a:xfrm>
-          <a:prstGeom prst="rect">
-            <a:avLst/>
-          </a:prstGeom>
-        </p:spPr>
-      </p:pic>
-      <p:sp>
-        <p:nvSpPr>
-          <p:cNvPr id="10" name="Freccia a destra 9"/>
-          <p:cNvSpPr/>
-          <p:nvPr/>
-        </p:nvSpPr>
-        <p:spPr>
-          <a:xfrm>
-            <a:off x="8480904" y="3327400"/>
-            <a:ext cx="1209196" cy="1193800"/>
-          </a:xfrm>
-          <a:prstGeom prst="rightArrow">
-            <a:avLst/>
-          </a:prstGeom>
-        </p:spPr>
-        <p:style>
-          <a:lnRef idx="2">
-            <a:schemeClr val="accent1">
-              <a:shade val="50000"/>
-            </a:schemeClr>
-          </a:lnRef>
-          <a:fillRef idx="1">
-            <a:schemeClr val="accent1"/>
-          </a:fillRef>
-          <a:effectRef idx="0">
-            <a:schemeClr val="accent1"/>
-          </a:effectRef>
-          <a:fontRef idx="minor">
-            <a:schemeClr val="lt1"/>
-          </a:fontRef>
-        </p:style>
-        <p:txBody>
-          <a:bodyPr rtlCol="0" anchor="ctr"/>
-          <a:lstStyle/>
-          <a:p>
-            <a:pPr algn="ctr"/>
-            <a:endParaRPr lang="it-IT"/>
-          </a:p>
-        </p:txBody>
-      </p:sp>
-    </p:spTree>
-    <p:extLst>
-      <p:ext uri="{BB962C8B-B14F-4D97-AF65-F5344CB8AC3E}">
-        <p14:creationId xmlns:p14="http://schemas.microsoft.com/office/powerpoint/2010/main" val="3996525850"/>
-      </p:ext>
-    </p:extLst>
-  </p:cSld>
-  <p:clrMapOvr>
-    <a:masterClrMapping/>
-  </p:clrMapOvr>
-  <p:timing>
-    <p:tnLst>
-      <p:par>
-        <p:cTn id="1" dur="indefinite" restart="never" nodeType="tmRoot"/>
-      </p:par>
-    </p:tnLst>
-  </p:timing>
-</p:sld>
-</file>
-
-<file path=ppt/slides/slide5.xml><?xml version="1.0" encoding="utf-8"?>
-<p:sld xmlns:a="http://schemas.openxmlformats.org/drawingml/2006/main" xmlns:r="http://schemas.openxmlformats.org/officeDocument/2006/relationships" xmlns:p="http://schemas.openxmlformats.org/presentationml/2006/main">
-  <p:cSld>
-    <p:spTree>
-      <p:nvGrpSpPr>
-        <p:cNvPr id="1" name=""/>
-        <p:cNvGrpSpPr/>
-        <p:nvPr/>
-      </p:nvGrpSpPr>
-      <p:grpSpPr>
-        <a:xfrm>
-          <a:off x="0" y="0"/>
-          <a:ext cx="0" cy="0"/>
-          <a:chOff x="0" y="0"/>
-          <a:chExt cx="0" cy="0"/>
-        </a:xfrm>
-      </p:grpSpPr>
-      <p:sp>
-        <p:nvSpPr>
-          <p:cNvPr id="2" name="Titolo 1"/>
-          <p:cNvSpPr>
-            <a:spLocks noGrp="1"/>
-          </p:cNvSpPr>
-          <p:nvPr>
-            <p:ph type="title"/>
-          </p:nvPr>
-        </p:nvSpPr>
-        <p:spPr/>
-        <p:txBody>
-          <a:bodyPr>
-            <a:normAutofit/>
-          </a:bodyPr>
-          <a:lstStyle/>
-          <a:p>
-            <a:pPr algn="ctr"/>
-            <a:r>
-              <a:rPr lang="it-IT" sz="4800" b="1" dirty="0" smtClean="0">
-                <a:solidFill>
-                  <a:schemeClr val="accent5"/>
-                </a:solidFill>
-                <a:latin typeface="Times New Roman" panose="02020603050405020304" pitchFamily="18" charset="0"/>
-                <a:cs typeface="Times New Roman" panose="02020603050405020304" pitchFamily="18" charset="0"/>
-              </a:rPr>
-              <a:t>Scambio di messaggi - Connessione</a:t>
-            </a:r>
-            <a:endParaRPr lang="it-IT" sz="4800" b="1" dirty="0">
-              <a:solidFill>
-                <a:schemeClr val="accent5"/>
-              </a:solidFill>
-              <a:latin typeface="Times New Roman" panose="02020603050405020304" pitchFamily="18" charset="0"/>
-              <a:cs typeface="Times New Roman" panose="02020603050405020304" pitchFamily="18" charset="0"/>
-            </a:endParaRPr>
-          </a:p>
-        </p:txBody>
-      </p:sp>
-      <p:sp>
-        <p:nvSpPr>
-          <p:cNvPr id="3" name="Segnaposto contenuto 2"/>
-          <p:cNvSpPr>
-            <a:spLocks noGrp="1"/>
-          </p:cNvSpPr>
-          <p:nvPr>
-            <p:ph sz="half" idx="1"/>
-          </p:nvPr>
-        </p:nvSpPr>
-        <p:spPr/>
-        <p:txBody>
-          <a:bodyPr/>
-          <a:lstStyle/>
-          <a:p>
-            <a:r>
-              <a:rPr lang="it-IT" dirty="0" smtClean="0">
-                <a:solidFill>
-                  <a:schemeClr val="bg1"/>
-                </a:solidFill>
-                <a:effectLst>
-                  <a:outerShdw blurRad="38100" dist="38100" dir="2700000" algn="tl">
-                    <a:srgbClr val="000000">
-                      <a:alpha val="43137"/>
-                    </a:srgbClr>
-                  </a:outerShdw>
-                </a:effectLst>
-              </a:rPr>
-              <a:t>Prima di poter scambiare i messaggi con un dispositivo rilevato, bisogna connettersi ad esso tramite Wi-Fi Direct</a:t>
-            </a:r>
-          </a:p>
-          <a:p>
-            <a:r>
-              <a:rPr lang="it-IT" dirty="0" smtClean="0">
-                <a:solidFill>
-                  <a:schemeClr val="bg1"/>
-                </a:solidFill>
-                <a:effectLst>
-                  <a:outerShdw blurRad="38100" dist="38100" dir="2700000" algn="tl">
-                    <a:srgbClr val="000000">
-                      <a:alpha val="43137"/>
-                    </a:srgbClr>
-                  </a:outerShdw>
-                </a:effectLst>
-              </a:rPr>
-              <a:t>Se il dispositivo accetta la connessione, la conversazione può iniziare</a:t>
-            </a:r>
-          </a:p>
-          <a:p>
-            <a:r>
-              <a:rPr lang="it-IT" dirty="0" smtClean="0">
-                <a:solidFill>
-                  <a:schemeClr val="bg1"/>
-                </a:solidFill>
-                <a:effectLst>
-                  <a:outerShdw blurRad="38100" dist="38100" dir="2700000" algn="tl">
-                    <a:srgbClr val="000000">
-                      <a:alpha val="43137"/>
-                    </a:srgbClr>
-                  </a:outerShdw>
-                </a:effectLst>
-              </a:rPr>
-              <a:t>Si connette ad un solo dispositivo per volta, tramite Wi-Fi Direct</a:t>
-            </a:r>
-            <a:endParaRPr lang="it-IT" dirty="0">
-              <a:solidFill>
-                <a:schemeClr val="bg1"/>
-              </a:solidFill>
-              <a:effectLst>
-                <a:outerShdw blurRad="38100" dist="38100" dir="2700000" algn="tl">
-                  <a:srgbClr val="000000">
-                    <a:alpha val="43137"/>
-                  </a:srgbClr>
-                </a:outerShdw>
-              </a:effectLst>
-            </a:endParaRPr>
-          </a:p>
-        </p:txBody>
-      </p:sp>
-      <p:pic>
-        <p:nvPicPr>
-          <p:cNvPr id="6" name="Immagine 5"/>
-          <p:cNvPicPr>
-            <a:picLocks noChangeAspect="1"/>
-          </p:cNvPicPr>
-          <p:nvPr/>
-        </p:nvPicPr>
-        <p:blipFill>
-          <a:blip r:embed="rId2" cstate="print">
-            <a:extLst>
-              <a:ext uri="{28A0092B-C50C-407E-A947-70E740481C1C}">
-                <a14:useLocalDpi xmlns:a14="http://schemas.microsoft.com/office/drawing/2010/main" val="0"/>
-              </a:ext>
-            </a:extLst>
-          </a:blip>
-          <a:stretch>
-            <a:fillRect/>
-          </a:stretch>
-        </p:blipFill>
-        <p:spPr>
-          <a:xfrm>
-            <a:off x="9614487" y="1825625"/>
-            <a:ext cx="2803290" cy="4351338"/>
-          </a:xfrm>
-          <a:prstGeom prst="rect">
-            <a:avLst/>
-          </a:prstGeom>
-        </p:spPr>
-      </p:pic>
-      <p:pic>
-        <p:nvPicPr>
-          <p:cNvPr id="8" name="Segnaposto contenuto 7"/>
-          <p:cNvPicPr>
-            <a:picLocks noGrp="1" noChangeAspect="1"/>
-          </p:cNvPicPr>
-          <p:nvPr>
-            <p:ph sz="half" idx="2"/>
-          </p:nvPr>
-        </p:nvPicPr>
-        <p:blipFill>
-          <a:blip r:embed="rId3" cstate="print">
-            <a:extLst>
-              <a:ext uri="{28A0092B-C50C-407E-A947-70E740481C1C}">
-                <a14:useLocalDpi xmlns:a14="http://schemas.microsoft.com/office/drawing/2010/main" val="0"/>
-              </a:ext>
-            </a:extLst>
-          </a:blip>
-          <a:stretch>
-            <a:fillRect/>
-          </a:stretch>
-        </p:blipFill>
-        <p:spPr>
-          <a:xfrm>
-            <a:off x="5634155" y="1825625"/>
-            <a:ext cx="2803290" cy="4351338"/>
-          </a:xfrm>
-        </p:spPr>
-      </p:pic>
-      <p:sp>
-        <p:nvSpPr>
-          <p:cNvPr id="9" name="Freccia a destra 8"/>
-          <p:cNvSpPr/>
-          <p:nvPr/>
-        </p:nvSpPr>
-        <p:spPr>
-          <a:xfrm>
-            <a:off x="8437445" y="3525044"/>
-            <a:ext cx="1354842" cy="952500"/>
-          </a:xfrm>
-          <a:prstGeom prst="rightArrow">
-            <a:avLst/>
-          </a:prstGeom>
-        </p:spPr>
-        <p:style>
-          <a:lnRef idx="2">
-            <a:schemeClr val="accent1">
-              <a:shade val="50000"/>
-            </a:schemeClr>
-          </a:lnRef>
-          <a:fillRef idx="1">
-            <a:schemeClr val="accent1"/>
-          </a:fillRef>
-          <a:effectRef idx="0">
-            <a:schemeClr val="accent1"/>
-          </a:effectRef>
-          <a:fontRef idx="minor">
-            <a:schemeClr val="lt1"/>
-          </a:fontRef>
-        </p:style>
-        <p:txBody>
-          <a:bodyPr rtlCol="0" anchor="ctr"/>
-          <a:lstStyle/>
-          <a:p>
-            <a:pPr algn="ctr"/>
-            <a:endParaRPr lang="it-IT"/>
-          </a:p>
-        </p:txBody>
-      </p:sp>
-    </p:spTree>
-    <p:extLst>
-      <p:ext uri="{BB962C8B-B14F-4D97-AF65-F5344CB8AC3E}">
-        <p14:creationId xmlns:p14="http://schemas.microsoft.com/office/powerpoint/2010/main" val="2048356594"/>
-      </p:ext>
-    </p:extLst>
-  </p:cSld>
-  <p:clrMapOvr>
-    <a:masterClrMapping/>
-  </p:clrMapOvr>
-  <p:timing>
-    <p:tnLst>
-      <p:par>
-        <p:cTn id="1" dur="indefinite" restart="never" nodeType="tmRoot"/>
-      </p:par>
-    </p:tnLst>
-  </p:timing>
-</p:sld>
-</file>
-
-<file path=ppt/slides/slide6.xml><?xml version="1.0" encoding="utf-8"?>
-<p:sld xmlns:a="http://schemas.openxmlformats.org/drawingml/2006/main" xmlns:r="http://schemas.openxmlformats.org/officeDocument/2006/relationships" xmlns:p="http://schemas.openxmlformats.org/presentationml/2006/main">
-  <p:cSld>
-    <p:spTree>
-      <p:nvGrpSpPr>
-        <p:cNvPr id="1" name=""/>
-        <p:cNvGrpSpPr/>
-        <p:nvPr/>
-      </p:nvGrpSpPr>
-      <p:grpSpPr>
-        <a:xfrm>
-          <a:off x="0" y="0"/>
-          <a:ext cx="0" cy="0"/>
-          <a:chOff x="0" y="0"/>
-          <a:chExt cx="0" cy="0"/>
-        </a:xfrm>
-      </p:grpSpPr>
-      <p:sp>
-        <p:nvSpPr>
-          <p:cNvPr id="2" name="Titolo 1"/>
-          <p:cNvSpPr>
-            <a:spLocks noGrp="1"/>
-          </p:cNvSpPr>
-          <p:nvPr>
-            <p:ph type="title"/>
-          </p:nvPr>
-        </p:nvSpPr>
-        <p:spPr/>
-        <p:txBody>
-          <a:bodyPr>
-            <a:normAutofit/>
-          </a:bodyPr>
-          <a:lstStyle/>
-          <a:p>
-            <a:pPr algn="ctr"/>
-            <a:r>
-              <a:rPr lang="it-IT" sz="4800" b="1" dirty="0" smtClean="0">
-                <a:solidFill>
-                  <a:schemeClr val="accent5"/>
-                </a:solidFill>
-                <a:latin typeface="Times New Roman" panose="02020603050405020304" pitchFamily="18" charset="0"/>
-                <a:cs typeface="Times New Roman" panose="02020603050405020304" pitchFamily="18" charset="0"/>
-              </a:rPr>
-              <a:t>Scambio di messaggi - Conversazione</a:t>
-            </a:r>
-            <a:endParaRPr lang="it-IT" sz="4800" b="1" dirty="0">
-              <a:solidFill>
-                <a:schemeClr val="accent5"/>
-              </a:solidFill>
-              <a:latin typeface="Times New Roman" panose="02020603050405020304" pitchFamily="18" charset="0"/>
-              <a:cs typeface="Times New Roman" panose="02020603050405020304" pitchFamily="18" charset="0"/>
-            </a:endParaRPr>
-          </a:p>
-        </p:txBody>
-      </p:sp>
-      <p:sp>
-        <p:nvSpPr>
-          <p:cNvPr id="3" name="Segnaposto contenuto 2"/>
-          <p:cNvSpPr>
-            <a:spLocks noGrp="1"/>
-          </p:cNvSpPr>
-          <p:nvPr>
-            <p:ph sz="half" idx="1"/>
-          </p:nvPr>
-        </p:nvSpPr>
-        <p:spPr/>
-        <p:txBody>
-          <a:bodyPr/>
-          <a:lstStyle/>
-          <a:p>
-            <a:r>
-              <a:rPr lang="it-IT" dirty="0" smtClean="0">
-                <a:solidFill>
-                  <a:schemeClr val="bg1"/>
-                </a:solidFill>
-                <a:effectLst>
-                  <a:outerShdw blurRad="38100" dist="38100" dir="2700000" algn="tl">
-                    <a:srgbClr val="000000">
-                      <a:alpha val="43137"/>
-                    </a:srgbClr>
-                  </a:outerShdw>
-                </a:effectLst>
-              </a:rPr>
-              <a:t>Dopo essersi connessi con un dispositivo rilevato, lo scambio di messaggi può iniziare</a:t>
-            </a:r>
-          </a:p>
-          <a:p>
-            <a:r>
-              <a:rPr lang="it-IT" dirty="0" smtClean="0">
-                <a:solidFill>
-                  <a:schemeClr val="bg1"/>
-                </a:solidFill>
-                <a:effectLst>
-                  <a:outerShdw blurRad="38100" dist="38100" dir="2700000" algn="tl">
-                    <a:srgbClr val="000000">
-                      <a:alpha val="43137"/>
-                    </a:srgbClr>
-                  </a:outerShdw>
-                </a:effectLst>
-              </a:rPr>
-              <a:t>Vengono visualizzati anche i messaggi scambiati nelle sessioni precedenti</a:t>
-            </a:r>
-          </a:p>
-          <a:p>
-            <a:r>
-              <a:rPr lang="it-IT" dirty="0" smtClean="0">
-                <a:solidFill>
-                  <a:schemeClr val="bg1"/>
-                </a:solidFill>
-                <a:effectLst>
-                  <a:outerShdw blurRad="38100" dist="38100" dir="2700000" algn="tl">
-                    <a:srgbClr val="000000">
-                      <a:alpha val="43137"/>
-                    </a:srgbClr>
-                  </a:outerShdw>
-                </a:effectLst>
-              </a:rPr>
-              <a:t>I nuovi messaggi scambiati verranno memorizzati nella memoria interna del dispositivo</a:t>
-            </a:r>
-            <a:endParaRPr lang="it-IT" dirty="0">
-              <a:solidFill>
-                <a:schemeClr val="bg1"/>
-              </a:solidFill>
-              <a:effectLst>
-                <a:outerShdw blurRad="38100" dist="38100" dir="2700000" algn="tl">
-                  <a:srgbClr val="000000">
-                    <a:alpha val="43137"/>
-                  </a:srgbClr>
-                </a:outerShdw>
-              </a:effectLst>
-            </a:endParaRPr>
-          </a:p>
-        </p:txBody>
-      </p:sp>
-      <p:pic>
-        <p:nvPicPr>
-          <p:cNvPr id="5" name="Segnaposto contenuto 4"/>
-          <p:cNvPicPr>
-            <a:picLocks noGrp="1" noChangeAspect="1"/>
-          </p:cNvPicPr>
-          <p:nvPr>
-            <p:ph sz="half" idx="2"/>
-          </p:nvPr>
-        </p:nvPicPr>
-        <p:blipFill>
-          <a:blip r:embed="rId2" cstate="print">
-            <a:extLst>
-              <a:ext uri="{28A0092B-C50C-407E-A947-70E740481C1C}">
-                <a14:useLocalDpi xmlns:a14="http://schemas.microsoft.com/office/drawing/2010/main" val="0"/>
-              </a:ext>
-            </a:extLst>
-          </a:blip>
-          <a:stretch>
-            <a:fillRect/>
-          </a:stretch>
-        </p:blipFill>
-        <p:spPr>
-          <a:xfrm>
-            <a:off x="5380155" y="1825625"/>
-            <a:ext cx="2803290" cy="4351338"/>
-          </a:xfrm>
-        </p:spPr>
-      </p:pic>
-      <p:pic>
-        <p:nvPicPr>
-          <p:cNvPr id="6" name="Immagine 5"/>
-          <p:cNvPicPr>
-            <a:picLocks noChangeAspect="1"/>
-          </p:cNvPicPr>
-          <p:nvPr/>
-        </p:nvPicPr>
-        <p:blipFill>
-          <a:blip r:embed="rId3" cstate="print">
-            <a:extLst>
-              <a:ext uri="{28A0092B-C50C-407E-A947-70E740481C1C}">
-                <a14:useLocalDpi xmlns:a14="http://schemas.microsoft.com/office/drawing/2010/main" val="0"/>
-              </a:ext>
-            </a:extLst>
-          </a:blip>
-          <a:stretch>
-            <a:fillRect/>
-          </a:stretch>
-        </p:blipFill>
-        <p:spPr>
-          <a:xfrm>
-            <a:off x="9504246" y="1825625"/>
-            <a:ext cx="2835506" cy="4401344"/>
-          </a:xfrm>
-          <a:prstGeom prst="rect">
-            <a:avLst/>
-          </a:prstGeom>
-        </p:spPr>
-      </p:pic>
-      <p:sp>
-        <p:nvSpPr>
-          <p:cNvPr id="7" name="Freccia a destra 6"/>
-          <p:cNvSpPr/>
-          <p:nvPr/>
-        </p:nvSpPr>
-        <p:spPr>
-          <a:xfrm>
-            <a:off x="8183445" y="3289300"/>
-            <a:ext cx="1384300" cy="1104900"/>
-          </a:xfrm>
-          <a:prstGeom prst="rightArrow">
-            <a:avLst/>
-          </a:prstGeom>
-        </p:spPr>
-        <p:style>
-          <a:lnRef idx="2">
-            <a:schemeClr val="accent1">
-              <a:shade val="50000"/>
-            </a:schemeClr>
-          </a:lnRef>
-          <a:fillRef idx="1">
-            <a:schemeClr val="accent1"/>
-          </a:fillRef>
-          <a:effectRef idx="0">
-            <a:schemeClr val="accent1"/>
-          </a:effectRef>
-          <a:fontRef idx="minor">
-            <a:schemeClr val="lt1"/>
-          </a:fontRef>
-        </p:style>
-        <p:txBody>
-          <a:bodyPr rtlCol="0" anchor="ctr"/>
-          <a:lstStyle/>
-          <a:p>
-            <a:pPr algn="ctr"/>
-            <a:endParaRPr lang="it-IT"/>
-          </a:p>
-        </p:txBody>
-      </p:sp>
-    </p:spTree>
-    <p:extLst>
-      <p:ext uri="{BB962C8B-B14F-4D97-AF65-F5344CB8AC3E}">
-        <p14:creationId xmlns:p14="http://schemas.microsoft.com/office/powerpoint/2010/main" val="86900876"/>
-      </p:ext>
-    </p:extLst>
-  </p:cSld>
-  <p:clrMapOvr>
-    <a:masterClrMapping/>
-  </p:clrMapOvr>
-  <p:timing>
-    <p:tnLst>
-      <p:par>
-        <p:cTn id="1" dur="indefinite" restart="never" nodeType="tmRoot"/>
-      </p:par>
-    </p:tnLst>
-  </p:timing>
-</p:sld>
-</file>
-
-<file path=ppt/slides/slide7.xml><?xml version="1.0" encoding="utf-8"?>
-<p:sld xmlns:a="http://schemas.openxmlformats.org/drawingml/2006/main" xmlns:r="http://schemas.openxmlformats.org/officeDocument/2006/relationships" xmlns:p="http://schemas.openxmlformats.org/presentationml/2006/main">
-  <p:cSld>
-    <p:spTree>
-      <p:nvGrpSpPr>
-        <p:cNvPr id="1" name=""/>
-        <p:cNvGrpSpPr/>
-        <p:nvPr/>
-      </p:nvGrpSpPr>
-      <p:grpSpPr>
-        <a:xfrm>
-          <a:off x="0" y="0"/>
-          <a:ext cx="0" cy="0"/>
-          <a:chOff x="0" y="0"/>
-          <a:chExt cx="0" cy="0"/>
-        </a:xfrm>
-      </p:grpSpPr>
-      <p:sp>
-        <p:nvSpPr>
-          <p:cNvPr id="2" name="Titolo 1"/>
-          <p:cNvSpPr>
-            <a:spLocks noGrp="1"/>
-          </p:cNvSpPr>
-          <p:nvPr>
-            <p:ph type="title"/>
-          </p:nvPr>
-        </p:nvSpPr>
-        <p:spPr/>
-        <p:txBody>
-          <a:bodyPr>
-            <a:normAutofit/>
-          </a:bodyPr>
-          <a:lstStyle/>
-          <a:p>
-            <a:pPr algn="ctr"/>
-            <a:r>
-              <a:rPr lang="it-IT" sz="4800" b="1" dirty="0" smtClean="0">
-                <a:solidFill>
-                  <a:schemeClr val="accent5"/>
-                </a:solidFill>
-                <a:latin typeface="Times New Roman" panose="02020603050405020304" pitchFamily="18" charset="0"/>
-                <a:cs typeface="Times New Roman" panose="02020603050405020304" pitchFamily="18" charset="0"/>
-              </a:rPr>
-              <a:t>Scambio di messaggi - Disconnessione</a:t>
-            </a:r>
-            <a:endParaRPr lang="it-IT" sz="4800" b="1" dirty="0">
-              <a:solidFill>
-                <a:schemeClr val="accent5"/>
-              </a:solidFill>
-              <a:latin typeface="Times New Roman" panose="02020603050405020304" pitchFamily="18" charset="0"/>
-              <a:cs typeface="Times New Roman" panose="02020603050405020304" pitchFamily="18" charset="0"/>
-            </a:endParaRPr>
-          </a:p>
-        </p:txBody>
-      </p:sp>
-      <p:sp>
-        <p:nvSpPr>
-          <p:cNvPr id="3" name="Segnaposto contenuto 2"/>
-          <p:cNvSpPr>
-            <a:spLocks noGrp="1"/>
-          </p:cNvSpPr>
-          <p:nvPr>
-            <p:ph sz="half" idx="1"/>
-          </p:nvPr>
-        </p:nvSpPr>
-        <p:spPr/>
-        <p:txBody>
-          <a:bodyPr/>
-          <a:lstStyle/>
-          <a:p>
-            <a:r>
-              <a:rPr lang="it-IT" dirty="0" smtClean="0">
-                <a:solidFill>
-                  <a:schemeClr val="bg1"/>
-                </a:solidFill>
-                <a:effectLst>
-                  <a:outerShdw blurRad="38100" dist="38100" dir="2700000" algn="tl">
-                    <a:srgbClr val="000000">
-                      <a:alpha val="43137"/>
-                    </a:srgbClr>
-                  </a:outerShdw>
-                </a:effectLst>
-              </a:rPr>
-              <a:t>Prima di poter scambiare messaggi con un altro contatto, bisogna prima disconnettersi con quello corrente</a:t>
-            </a:r>
-          </a:p>
-          <a:p>
-            <a:r>
-              <a:rPr lang="it-IT" dirty="0" smtClean="0">
-                <a:solidFill>
-                  <a:schemeClr val="bg1"/>
-                </a:solidFill>
-                <a:effectLst>
-                  <a:outerShdw blurRad="38100" dist="38100" dir="2700000" algn="tl">
-                    <a:srgbClr val="000000">
-                      <a:alpha val="43137"/>
-                    </a:srgbClr>
-                  </a:outerShdw>
-                </a:effectLst>
-              </a:rPr>
-              <a:t>Può essere fatto accettando la richiesta di disconnessione quando si tenta di iniziare la conversazione con il contatto, oppure toccando «Disconnetti» dal menù</a:t>
-            </a:r>
-            <a:endParaRPr lang="it-IT" dirty="0">
-              <a:solidFill>
-                <a:schemeClr val="bg1"/>
-              </a:solidFill>
-              <a:effectLst>
-                <a:outerShdw blurRad="38100" dist="38100" dir="2700000" algn="tl">
-                  <a:srgbClr val="000000">
-                    <a:alpha val="43137"/>
-                  </a:srgbClr>
-                </a:outerShdw>
-              </a:effectLst>
-            </a:endParaRPr>
-          </a:p>
-        </p:txBody>
-      </p:sp>
-      <p:pic>
-        <p:nvPicPr>
-          <p:cNvPr id="7" name="Segnaposto contenuto 6"/>
-          <p:cNvPicPr>
-            <a:picLocks noGrp="1" noChangeAspect="1"/>
-          </p:cNvPicPr>
-          <p:nvPr>
-            <p:ph sz="half" idx="2"/>
-          </p:nvPr>
-        </p:nvPicPr>
-        <p:blipFill>
-          <a:blip r:embed="rId2" cstate="print">
-            <a:extLst>
-              <a:ext uri="{28A0092B-C50C-407E-A947-70E740481C1C}">
-                <a14:useLocalDpi xmlns:a14="http://schemas.microsoft.com/office/drawing/2010/main" val="0"/>
-              </a:ext>
-            </a:extLst>
-          </a:blip>
-          <a:stretch>
-            <a:fillRect/>
-          </a:stretch>
-        </p:blipFill>
-        <p:spPr>
-          <a:xfrm>
-            <a:off x="6192955" y="1825625"/>
-            <a:ext cx="2803290" cy="4351338"/>
-          </a:xfrm>
-        </p:spPr>
-      </p:pic>
-    </p:spTree>
-    <p:extLst>
-      <p:ext uri="{BB962C8B-B14F-4D97-AF65-F5344CB8AC3E}">
-        <p14:creationId xmlns:p14="http://schemas.microsoft.com/office/powerpoint/2010/main" val="3221939569"/>
-      </p:ext>
-    </p:extLst>
-  </p:cSld>
-  <p:clrMapOvr>
-    <a:masterClrMapping/>
-  </p:clrMapOvr>
-  <p:timing>
-    <p:tnLst>
-      <p:par>
-        <p:cTn id="1" dur="indefinite" restart="never" nodeType="tmRoot"/>
-      </p:par>
-    </p:tnLst>
-  </p:timing>
-</p:sld>
-</file>
-
-<file path=ppt/slides/slide8.xml><?xml version="1.0" encoding="utf-8"?>
-<p:sld xmlns:a="http://schemas.openxmlformats.org/drawingml/2006/main" xmlns:r="http://schemas.openxmlformats.org/officeDocument/2006/relationships" xmlns:p="http://schemas.openxmlformats.org/presentationml/2006/main">
-  <p:cSld>
-    <p:spTree>
-      <p:nvGrpSpPr>
-        <p:cNvPr id="1" name=""/>
-        <p:cNvGrpSpPr/>
-        <p:nvPr/>
-      </p:nvGrpSpPr>
-      <p:grpSpPr>
-        <a:xfrm>
-          <a:off x="0" y="0"/>
-          <a:ext cx="0" cy="0"/>
-          <a:chOff x="0" y="0"/>
-          <a:chExt cx="0" cy="0"/>
-        </a:xfrm>
-      </p:grpSpPr>
-      <p:sp>
-        <p:nvSpPr>
-          <p:cNvPr id="2" name="Titolo 1"/>
-          <p:cNvSpPr>
-            <a:spLocks noGrp="1"/>
-          </p:cNvSpPr>
-          <p:nvPr>
-            <p:ph type="title"/>
-          </p:nvPr>
-        </p:nvSpPr>
-        <p:spPr/>
-        <p:txBody>
-          <a:bodyPr>
-            <a:noAutofit/>
-          </a:bodyPr>
-          <a:lstStyle/>
-          <a:p>
-            <a:pPr algn="ctr"/>
-            <a:r>
-              <a:rPr lang="it-IT" sz="4800" b="1" dirty="0" smtClean="0">
-                <a:solidFill>
-                  <a:schemeClr val="accent5"/>
-                </a:solidFill>
-                <a:latin typeface="Times New Roman" panose="02020603050405020304" pitchFamily="18" charset="0"/>
-                <a:cs typeface="Times New Roman" panose="02020603050405020304" pitchFamily="18" charset="0"/>
-              </a:rPr>
-              <a:t>Scambio di messaggi – Connessione rifiutata</a:t>
-            </a:r>
-            <a:endParaRPr lang="it-IT" sz="4800" b="1" dirty="0">
-              <a:solidFill>
-                <a:schemeClr val="accent5"/>
-              </a:solidFill>
-              <a:latin typeface="Times New Roman" panose="02020603050405020304" pitchFamily="18" charset="0"/>
-              <a:cs typeface="Times New Roman" panose="02020603050405020304" pitchFamily="18" charset="0"/>
-            </a:endParaRPr>
-          </a:p>
-        </p:txBody>
-      </p:sp>
-      <p:sp>
-        <p:nvSpPr>
-          <p:cNvPr id="3" name="Segnaposto contenuto 2"/>
-          <p:cNvSpPr>
-            <a:spLocks noGrp="1"/>
-          </p:cNvSpPr>
-          <p:nvPr>
-            <p:ph sz="half" idx="1"/>
-          </p:nvPr>
-        </p:nvSpPr>
-        <p:spPr/>
-        <p:txBody>
-          <a:bodyPr/>
-          <a:lstStyle/>
-          <a:p>
-            <a:r>
-              <a:rPr lang="it-IT" dirty="0" smtClean="0">
-                <a:solidFill>
-                  <a:schemeClr val="bg1"/>
-                </a:solidFill>
-                <a:effectLst>
-                  <a:outerShdw blurRad="38100" dist="38100" dir="2700000" algn="tl">
-                    <a:srgbClr val="000000">
-                      <a:alpha val="43137"/>
-                    </a:srgbClr>
-                  </a:outerShdw>
-                </a:effectLst>
-              </a:rPr>
-              <a:t>Per stabilire una connessione Wi-Fi Direct con il dispositivo remoto, esso deve accettare la richiesta di connessione entro 30 secondi</a:t>
-            </a:r>
-          </a:p>
-          <a:p>
-            <a:r>
-              <a:rPr lang="it-IT" dirty="0" smtClean="0">
-                <a:solidFill>
-                  <a:schemeClr val="bg1"/>
-                </a:solidFill>
-                <a:effectLst>
-                  <a:outerShdw blurRad="38100" dist="38100" dir="2700000" algn="tl">
-                    <a:srgbClr val="000000">
-                      <a:alpha val="43137"/>
-                    </a:srgbClr>
-                  </a:outerShdw>
-                </a:effectLst>
-              </a:rPr>
-              <a:t>Se la richiesta non viene accettata, allo scadere dei 30 secondi il dispositivo in uso considererà la richiesta di connessione come rifiutata</a:t>
-            </a:r>
-            <a:endParaRPr lang="it-IT" dirty="0">
-              <a:solidFill>
-                <a:schemeClr val="bg1"/>
-              </a:solidFill>
-              <a:effectLst>
-                <a:outerShdw blurRad="38100" dist="38100" dir="2700000" algn="tl">
-                  <a:srgbClr val="000000">
-                    <a:alpha val="43137"/>
-                  </a:srgbClr>
-                </a:outerShdw>
-              </a:effectLst>
-            </a:endParaRPr>
-          </a:p>
-        </p:txBody>
-      </p:sp>
-      <p:pic>
-        <p:nvPicPr>
-          <p:cNvPr id="5" name="Segnaposto contenuto 4"/>
-          <p:cNvPicPr>
-            <a:picLocks noGrp="1" noChangeAspect="1"/>
-          </p:cNvPicPr>
-          <p:nvPr>
-            <p:ph sz="half" idx="2"/>
-          </p:nvPr>
-        </p:nvPicPr>
-        <p:blipFill>
-          <a:blip r:embed="rId2" cstate="print">
-            <a:extLst>
-              <a:ext uri="{28A0092B-C50C-407E-A947-70E740481C1C}">
-                <a14:useLocalDpi xmlns:a14="http://schemas.microsoft.com/office/drawing/2010/main" val="0"/>
-              </a:ext>
-            </a:extLst>
-          </a:blip>
-          <a:stretch>
-            <a:fillRect/>
-          </a:stretch>
-        </p:blipFill>
-        <p:spPr>
-          <a:xfrm>
-            <a:off x="5723055" y="1825625"/>
-            <a:ext cx="2803290" cy="4351338"/>
-          </a:xfrm>
-        </p:spPr>
-      </p:pic>
-      <p:pic>
-        <p:nvPicPr>
-          <p:cNvPr id="6" name="Immagine 5"/>
-          <p:cNvPicPr>
-            <a:picLocks noChangeAspect="1"/>
-          </p:cNvPicPr>
-          <p:nvPr/>
-        </p:nvPicPr>
-        <p:blipFill>
-          <a:blip r:embed="rId3" cstate="print">
-            <a:extLst>
-              <a:ext uri="{28A0092B-C50C-407E-A947-70E740481C1C}">
-                <a14:useLocalDpi xmlns:a14="http://schemas.microsoft.com/office/drawing/2010/main" val="0"/>
-              </a:ext>
-            </a:extLst>
-          </a:blip>
-          <a:stretch>
-            <a:fillRect/>
-          </a:stretch>
-        </p:blipFill>
-        <p:spPr>
-          <a:xfrm>
-            <a:off x="9602628" y="1825625"/>
-            <a:ext cx="2803290" cy="4351338"/>
-          </a:xfrm>
-          <a:prstGeom prst="rect">
-            <a:avLst/>
-          </a:prstGeom>
-        </p:spPr>
-      </p:pic>
-      <p:sp>
-        <p:nvSpPr>
-          <p:cNvPr id="7" name="Freccia a destra 6"/>
-          <p:cNvSpPr/>
-          <p:nvPr/>
-        </p:nvSpPr>
-        <p:spPr>
-          <a:xfrm>
-            <a:off x="8526345" y="3480594"/>
-            <a:ext cx="1182528" cy="1041400"/>
-          </a:xfrm>
-          <a:prstGeom prst="rightArrow">
-            <a:avLst/>
-          </a:prstGeom>
-        </p:spPr>
-        <p:style>
-          <a:lnRef idx="2">
-            <a:schemeClr val="accent1">
-              <a:shade val="50000"/>
-            </a:schemeClr>
-          </a:lnRef>
-          <a:fillRef idx="1">
-            <a:schemeClr val="accent1"/>
-          </a:fillRef>
-          <a:effectRef idx="0">
-            <a:schemeClr val="accent1"/>
-          </a:effectRef>
-          <a:fontRef idx="minor">
-            <a:schemeClr val="lt1"/>
-          </a:fontRef>
-        </p:style>
-        <p:txBody>
-          <a:bodyPr rtlCol="0" anchor="ctr"/>
-          <a:lstStyle/>
-          <a:p>
-            <a:pPr algn="ctr"/>
-            <a:endParaRPr lang="it-IT"/>
-          </a:p>
-        </p:txBody>
-      </p:sp>
-    </p:spTree>
-    <p:extLst>
-      <p:ext uri="{BB962C8B-B14F-4D97-AF65-F5344CB8AC3E}">
-        <p14:creationId xmlns:p14="http://schemas.microsoft.com/office/powerpoint/2010/main" val="1827038865"/>
-      </p:ext>
-    </p:extLst>
-  </p:cSld>
-  <p:clrMapOvr>
-    <a:masterClrMapping/>
-  </p:clrMapOvr>
-</p:sld>
-</file>
-
-<file path=ppt/slides/slide9.xml><?xml version="1.0" encoding="utf-8"?>
-<p:sld xmlns:a="http://schemas.openxmlformats.org/drawingml/2006/main" xmlns:r="http://schemas.openxmlformats.org/officeDocument/2006/relationships" xmlns:p="http://schemas.openxmlformats.org/presentationml/2006/main">
-  <p:cSld>
-    <p:spTree>
-      <p:nvGrpSpPr>
-        <p:cNvPr id="1" name=""/>
-        <p:cNvGrpSpPr/>
-        <p:nvPr/>
-      </p:nvGrpSpPr>
-      <p:grpSpPr>
-        <a:xfrm>
-          <a:off x="0" y="0"/>
-          <a:ext cx="0" cy="0"/>
-          <a:chOff x="0" y="0"/>
-          <a:chExt cx="0" cy="0"/>
-        </a:xfrm>
-      </p:grpSpPr>
-      <p:sp>
-        <p:nvSpPr>
-          <p:cNvPr id="2" name="Titolo 1"/>
-          <p:cNvSpPr>
-            <a:spLocks noGrp="1"/>
-          </p:cNvSpPr>
-          <p:nvPr>
-            <p:ph type="title"/>
-          </p:nvPr>
-        </p:nvSpPr>
-        <p:spPr/>
-        <p:txBody>
-          <a:bodyPr>
-            <a:normAutofit fontScale="90000"/>
-          </a:bodyPr>
-          <a:lstStyle/>
-          <a:p>
-            <a:pPr algn="ctr"/>
-            <a:r>
-              <a:rPr lang="it-IT" sz="4800" b="1" dirty="0" smtClean="0">
-                <a:solidFill>
-                  <a:schemeClr val="accent5"/>
-                </a:solidFill>
-                <a:latin typeface="Times New Roman" panose="02020603050405020304" pitchFamily="18" charset="0"/>
-                <a:cs typeface="Times New Roman" panose="02020603050405020304" pitchFamily="18" charset="0"/>
-              </a:rPr>
-              <a:t>Memorizzazione dei messaggi scambiati</a:t>
-            </a:r>
-            <a:endParaRPr lang="it-IT" sz="4800" b="1" dirty="0">
-              <a:solidFill>
-                <a:schemeClr val="accent5"/>
-              </a:solidFill>
-              <a:latin typeface="Times New Roman" panose="02020603050405020304" pitchFamily="18" charset="0"/>
-              <a:cs typeface="Times New Roman" panose="02020603050405020304" pitchFamily="18" charset="0"/>
-            </a:endParaRPr>
-          </a:p>
-        </p:txBody>
-      </p:sp>
-      <p:sp>
-        <p:nvSpPr>
-          <p:cNvPr id="3" name="Segnaposto contenuto 2"/>
-          <p:cNvSpPr>
-            <a:spLocks noGrp="1"/>
-          </p:cNvSpPr>
-          <p:nvPr>
-            <p:ph sz="half" idx="1"/>
-          </p:nvPr>
-        </p:nvSpPr>
-        <p:spPr/>
-        <p:txBody>
-          <a:bodyPr/>
-          <a:lstStyle/>
-          <a:p>
-            <a:r>
-              <a:rPr lang="it-IT" dirty="0" smtClean="0">
-                <a:solidFill>
-                  <a:schemeClr val="bg1"/>
-                </a:solidFill>
-                <a:effectLst>
-                  <a:outerShdw blurRad="38100" dist="38100" dir="2700000" algn="tl">
-                    <a:srgbClr val="000000">
-                      <a:alpha val="43137"/>
-                    </a:srgbClr>
-                  </a:outerShdw>
-                </a:effectLst>
-              </a:rPr>
-              <a:t>Prima di chiudersi, </a:t>
-            </a:r>
-            <a:r>
-              <a:rPr lang="it-IT" dirty="0" err="1" smtClean="0">
-                <a:solidFill>
-                  <a:schemeClr val="bg1"/>
-                </a:solidFill>
-                <a:effectLst>
-                  <a:outerShdw blurRad="38100" dist="38100" dir="2700000" algn="tl">
-                    <a:srgbClr val="000000">
-                      <a:alpha val="43137"/>
-                    </a:srgbClr>
-                  </a:outerShdw>
-                </a:effectLst>
-              </a:rPr>
-              <a:t>l’activity</a:t>
-            </a:r>
-            <a:r>
-              <a:rPr lang="it-IT" dirty="0" smtClean="0">
-                <a:solidFill>
-                  <a:schemeClr val="bg1"/>
-                </a:solidFill>
-                <a:effectLst>
-                  <a:outerShdw blurRad="38100" dist="38100" dir="2700000" algn="tl">
-                    <a:srgbClr val="000000">
-                      <a:alpha val="43137"/>
-                    </a:srgbClr>
-                  </a:outerShdw>
-                </a:effectLst>
-              </a:rPr>
-              <a:t> o il </a:t>
-            </a:r>
-            <a:r>
-              <a:rPr lang="it-IT" dirty="0" err="1" smtClean="0">
-                <a:solidFill>
-                  <a:schemeClr val="bg1"/>
-                </a:solidFill>
-                <a:effectLst>
-                  <a:outerShdw blurRad="38100" dist="38100" dir="2700000" algn="tl">
-                    <a:srgbClr val="000000">
-                      <a:alpha val="43137"/>
-                    </a:srgbClr>
-                  </a:outerShdw>
-                </a:effectLst>
-              </a:rPr>
-              <a:t>fragment</a:t>
-            </a:r>
-            <a:r>
-              <a:rPr lang="it-IT" dirty="0" smtClean="0">
-                <a:solidFill>
-                  <a:schemeClr val="bg1"/>
-                </a:solidFill>
-                <a:effectLst>
-                  <a:outerShdw blurRad="38100" dist="38100" dir="2700000" algn="tl">
-                    <a:srgbClr val="000000">
-                      <a:alpha val="43137"/>
-                    </a:srgbClr>
-                  </a:outerShdw>
-                </a:effectLst>
-              </a:rPr>
-              <a:t> per la conversazione salva nella memoria interna del dispositivo i nuovi messaggi scambiati con il contatto in un apposito file</a:t>
-            </a:r>
-          </a:p>
-          <a:p>
-            <a:r>
-              <a:rPr lang="it-IT" dirty="0" smtClean="0">
-                <a:solidFill>
-                  <a:schemeClr val="bg1"/>
-                </a:solidFill>
-                <a:effectLst>
-                  <a:outerShdw blurRad="38100" dist="38100" dir="2700000" algn="tl">
-                    <a:srgbClr val="000000">
-                      <a:alpha val="43137"/>
-                    </a:srgbClr>
-                  </a:outerShdw>
-                </a:effectLst>
-              </a:rPr>
-              <a:t>Tutti i messaggi scambiati con un dato contatto possono essere eliminati tramite l’opzione del menù contestuale</a:t>
-            </a:r>
-            <a:endParaRPr lang="it-IT" dirty="0">
-              <a:solidFill>
-                <a:schemeClr val="bg1"/>
-              </a:solidFill>
-              <a:effectLst>
-                <a:outerShdw blurRad="38100" dist="38100" dir="2700000" algn="tl">
-                  <a:srgbClr val="000000">
-                    <a:alpha val="43137"/>
-                  </a:srgbClr>
-                </a:outerShdw>
-              </a:effectLst>
-            </a:endParaRPr>
-          </a:p>
-        </p:txBody>
-      </p:sp>
-      <p:pic>
-        <p:nvPicPr>
-          <p:cNvPr id="5" name="Segnaposto contenuto 4"/>
-          <p:cNvPicPr>
-            <a:picLocks noGrp="1" noChangeAspect="1"/>
-          </p:cNvPicPr>
-          <p:nvPr>
-            <p:ph sz="half" idx="2"/>
-          </p:nvPr>
-        </p:nvPicPr>
-        <p:blipFill>
-          <a:blip r:embed="rId2" cstate="print">
-            <a:extLst>
-              <a:ext uri="{28A0092B-C50C-407E-A947-70E740481C1C}">
-                <a14:useLocalDpi xmlns:a14="http://schemas.microsoft.com/office/drawing/2010/main" val="0"/>
-              </a:ext>
-            </a:extLst>
-          </a:blip>
-          <a:stretch>
-            <a:fillRect/>
-          </a:stretch>
-        </p:blipFill>
-        <p:spPr>
-          <a:xfrm>
-            <a:off x="7361355" y="1825625"/>
-            <a:ext cx="2803290" cy="4351338"/>
-          </a:xfrm>
-        </p:spPr>
-      </p:pic>
-    </p:spTree>
-    <p:extLst>
-      <p:ext uri="{BB962C8B-B14F-4D97-AF65-F5344CB8AC3E}">
-        <p14:creationId xmlns:p14="http://schemas.microsoft.com/office/powerpoint/2010/main" val="3040229753"/>
       </p:ext>
     </p:extLst>
   </p:cSld>
@@ -6761,4 +8687,265 @@
     </a:ext>
   </a:extLst>
 </a:theme>
+</file>
+
+<file path=ppt/theme/theme2.xml><?xml version="1.0" encoding="utf-8"?>
+<a:theme xmlns:a="http://schemas.openxmlformats.org/drawingml/2006/main" name="Tema di Office">
+  <a:themeElements>
+    <a:clrScheme name="Office">
+      <a:dk1>
+        <a:sysClr val="windowText" lastClr="000000"/>
+      </a:dk1>
+      <a:lt1>
+        <a:sysClr val="window" lastClr="FFFFFF"/>
+      </a:lt1>
+      <a:dk2>
+        <a:srgbClr val="44546A"/>
+      </a:dk2>
+      <a:lt2>
+        <a:srgbClr val="E7E6E6"/>
+      </a:lt2>
+      <a:accent1>
+        <a:srgbClr val="5B9BD5"/>
+      </a:accent1>
+      <a:accent2>
+        <a:srgbClr val="ED7D31"/>
+      </a:accent2>
+      <a:accent3>
+        <a:srgbClr val="A5A5A5"/>
+      </a:accent3>
+      <a:accent4>
+        <a:srgbClr val="FFC000"/>
+      </a:accent4>
+      <a:accent5>
+        <a:srgbClr val="4472C4"/>
+      </a:accent5>
+      <a:accent6>
+        <a:srgbClr val="70AD47"/>
+      </a:accent6>
+      <a:hlink>
+        <a:srgbClr val="0563C1"/>
+      </a:hlink>
+      <a:folHlink>
+        <a:srgbClr val="954F72"/>
+      </a:folHlink>
+    </a:clrScheme>
+    <a:fontScheme name="Office">
+      <a:majorFont>
+        <a:latin typeface="Calibri Light" panose="020F0302020204030204"/>
+        <a:ea typeface=""/>
+        <a:cs typeface=""/>
+        <a:font script="Jpan" typeface="ＭＳ Ｐゴシック"/>
+        <a:font script="Hang" typeface="맑은 고딕"/>
+        <a:font script="Hans" typeface="宋体"/>
+        <a:font script="Hant" typeface="新細明體"/>
+        <a:font script="Arab" typeface="Times New Roman"/>
+        <a:font script="Hebr" typeface="Times New Roman"/>
+        <a:font script="Thai" typeface="Angsana New"/>
+        <a:font script="Ethi" typeface="Nyala"/>
+        <a:font script="Beng" typeface="Vrinda"/>
+        <a:font script="Gujr" typeface="Shruti"/>
+        <a:font script="Khmr" typeface="MoolBoran"/>
+        <a:font script="Knda" typeface="Tunga"/>
+        <a:font script="Guru" typeface="Raavi"/>
+        <a:font script="Cans" typeface="Euphemia"/>
+        <a:font script="Cher" typeface="Plantagenet Cherokee"/>
+        <a:font script="Yiii" typeface="Microsoft Yi Baiti"/>
+        <a:font script="Tibt" typeface="Microsoft Himalaya"/>
+        <a:font script="Thaa" typeface="MV Boli"/>
+        <a:font script="Deva" typeface="Mangal"/>
+        <a:font script="Telu" typeface="Gautami"/>
+        <a:font script="Taml" typeface="Latha"/>
+        <a:font script="Syrc" typeface="Estrangelo Edessa"/>
+        <a:font script="Orya" typeface="Kalinga"/>
+        <a:font script="Mlym" typeface="Kartika"/>
+        <a:font script="Laoo" typeface="DokChampa"/>
+        <a:font script="Sinh" typeface="Iskoola Pota"/>
+        <a:font script="Mong" typeface="Mongolian Baiti"/>
+        <a:font script="Viet" typeface="Times New Roman"/>
+        <a:font script="Uigh" typeface="Microsoft Uighur"/>
+        <a:font script="Geor" typeface="Sylfaen"/>
+      </a:majorFont>
+      <a:minorFont>
+        <a:latin typeface="Calibri" panose="020F0502020204030204"/>
+        <a:ea typeface=""/>
+        <a:cs typeface=""/>
+        <a:font script="Jpan" typeface="ＭＳ Ｐゴシック"/>
+        <a:font script="Hang" typeface="맑은 고딕"/>
+        <a:font script="Hans" typeface="宋体"/>
+        <a:font script="Hant" typeface="新細明體"/>
+        <a:font script="Arab" typeface="Arial"/>
+        <a:font script="Hebr" typeface="Arial"/>
+        <a:font script="Thai" typeface="Cordia New"/>
+        <a:font script="Ethi" typeface="Nyala"/>
+        <a:font script="Beng" typeface="Vrinda"/>
+        <a:font script="Gujr" typeface="Shruti"/>
+        <a:font script="Khmr" typeface="DaunPenh"/>
+        <a:font script="Knda" typeface="Tunga"/>
+        <a:font script="Guru" typeface="Raavi"/>
+        <a:font script="Cans" typeface="Euphemia"/>
+        <a:font script="Cher" typeface="Plantagenet Cherokee"/>
+        <a:font script="Yiii" typeface="Microsoft Yi Baiti"/>
+        <a:font script="Tibt" typeface="Microsoft Himalaya"/>
+        <a:font script="Thaa" typeface="MV Boli"/>
+        <a:font script="Deva" typeface="Mangal"/>
+        <a:font script="Telu" typeface="Gautami"/>
+        <a:font script="Taml" typeface="Latha"/>
+        <a:font script="Syrc" typeface="Estrangelo Edessa"/>
+        <a:font script="Orya" typeface="Kalinga"/>
+        <a:font script="Mlym" typeface="Kartika"/>
+        <a:font script="Laoo" typeface="DokChampa"/>
+        <a:font script="Sinh" typeface="Iskoola Pota"/>
+        <a:font script="Mong" typeface="Mongolian Baiti"/>
+        <a:font script="Viet" typeface="Arial"/>
+        <a:font script="Uigh" typeface="Microsoft Uighur"/>
+        <a:font script="Geor" typeface="Sylfaen"/>
+      </a:minorFont>
+    </a:fontScheme>
+    <a:fmtScheme name="Office">
+      <a:fillStyleLst>
+        <a:solidFill>
+          <a:schemeClr val="phClr"/>
+        </a:solidFill>
+        <a:gradFill rotWithShape="1">
+          <a:gsLst>
+            <a:gs pos="0">
+              <a:schemeClr val="phClr">
+                <a:lumMod val="110000"/>
+                <a:satMod val="105000"/>
+                <a:tint val="67000"/>
+              </a:schemeClr>
+            </a:gs>
+            <a:gs pos="50000">
+              <a:schemeClr val="phClr">
+                <a:lumMod val="105000"/>
+                <a:satMod val="103000"/>
+                <a:tint val="73000"/>
+              </a:schemeClr>
+            </a:gs>
+            <a:gs pos="100000">
+              <a:schemeClr val="phClr">
+                <a:lumMod val="105000"/>
+                <a:satMod val="109000"/>
+                <a:tint val="81000"/>
+              </a:schemeClr>
+            </a:gs>
+          </a:gsLst>
+          <a:lin ang="5400000" scaled="0"/>
+        </a:gradFill>
+        <a:gradFill rotWithShape="1">
+          <a:gsLst>
+            <a:gs pos="0">
+              <a:schemeClr val="phClr">
+                <a:satMod val="103000"/>
+                <a:lumMod val="102000"/>
+                <a:tint val="94000"/>
+              </a:schemeClr>
+            </a:gs>
+            <a:gs pos="50000">
+              <a:schemeClr val="phClr">
+                <a:satMod val="110000"/>
+                <a:lumMod val="100000"/>
+                <a:shade val="100000"/>
+              </a:schemeClr>
+            </a:gs>
+            <a:gs pos="100000">
+              <a:schemeClr val="phClr">
+                <a:lumMod val="99000"/>
+                <a:satMod val="120000"/>
+                <a:shade val="78000"/>
+              </a:schemeClr>
+            </a:gs>
+          </a:gsLst>
+          <a:lin ang="5400000" scaled="0"/>
+        </a:gradFill>
+      </a:fillStyleLst>
+      <a:lnStyleLst>
+        <a:ln w="6350" cap="flat" cmpd="sng" algn="ctr">
+          <a:solidFill>
+            <a:schemeClr val="phClr"/>
+          </a:solidFill>
+          <a:prstDash val="solid"/>
+          <a:miter lim="800000"/>
+        </a:ln>
+        <a:ln w="12700" cap="flat" cmpd="sng" algn="ctr">
+          <a:solidFill>
+            <a:schemeClr val="phClr"/>
+          </a:solidFill>
+          <a:prstDash val="solid"/>
+          <a:miter lim="800000"/>
+        </a:ln>
+        <a:ln w="19050" cap="flat" cmpd="sng" algn="ctr">
+          <a:solidFill>
+            <a:schemeClr val="phClr"/>
+          </a:solidFill>
+          <a:prstDash val="solid"/>
+          <a:miter lim="800000"/>
+        </a:ln>
+      </a:lnStyleLst>
+      <a:effectStyleLst>
+        <a:effectStyle>
+          <a:effectLst/>
+        </a:effectStyle>
+        <a:effectStyle>
+          <a:effectLst/>
+        </a:effectStyle>
+        <a:effectStyle>
+          <a:effectLst>
+            <a:outerShdw blurRad="57150" dist="19050" dir="5400000" algn="ctr" rotWithShape="0">
+              <a:srgbClr val="000000">
+                <a:alpha val="63000"/>
+              </a:srgbClr>
+            </a:outerShdw>
+          </a:effectLst>
+        </a:effectStyle>
+      </a:effectStyleLst>
+      <a:bgFillStyleLst>
+        <a:solidFill>
+          <a:schemeClr val="phClr"/>
+        </a:solidFill>
+        <a:solidFill>
+          <a:schemeClr val="phClr">
+            <a:tint val="95000"/>
+            <a:satMod val="170000"/>
+          </a:schemeClr>
+        </a:solidFill>
+        <a:gradFill rotWithShape="1">
+          <a:gsLst>
+            <a:gs pos="0">
+              <a:schemeClr val="phClr">
+                <a:tint val="93000"/>
+                <a:satMod val="150000"/>
+                <a:shade val="98000"/>
+                <a:lumMod val="102000"/>
+              </a:schemeClr>
+            </a:gs>
+            <a:gs pos="50000">
+              <a:schemeClr val="phClr">
+                <a:tint val="98000"/>
+                <a:satMod val="130000"/>
+                <a:shade val="90000"/>
+                <a:lumMod val="103000"/>
+              </a:schemeClr>
+            </a:gs>
+            <a:gs pos="100000">
+              <a:schemeClr val="phClr">
+                <a:shade val="63000"/>
+                <a:satMod val="120000"/>
+              </a:schemeClr>
+            </a:gs>
+          </a:gsLst>
+          <a:lin ang="5400000" scaled="0"/>
+        </a:gradFill>
+      </a:bgFillStyleLst>
+    </a:fmtScheme>
+  </a:themeElements>
+  <a:objectDefaults/>
+  <a:extraClrSchemeLst/>
+  <a:extLst>
+    <a:ext uri="{05A4C25C-085E-4340-85A3-A5531E510DB2}">
+      <thm15:themeFamily xmlns:thm15="http://schemas.microsoft.com/office/thememl/2012/main" name="Office Theme" id="{62F939B6-93AF-4DB8-9C6B-D6C7DFDC589F}" vid="{4A3C46E8-61CC-4603-A589-7422A47A8E4A}"/>
+    </a:ext>
+  </a:extLst>
+</a:theme>
 </file>